--- a/口頭発表資料.pptx
+++ b/口頭発表資料.pptx
@@ -4,6 +4,9 @@
   <p:sldMasterIdLst>
     <p:sldMasterId id="2147483648" r:id="rId1"/>
   </p:sldMasterIdLst>
+  <p:notesMasterIdLst>
+    <p:notesMasterId r:id="rId8"/>
+  </p:notesMasterIdLst>
   <p:sldIdLst>
     <p:sldId id="256" r:id="rId2"/>
     <p:sldId id="257" r:id="rId3"/>
@@ -112,6 +115,472 @@
 </p:presentation>
 </file>
 
+<file path=ppt/notesMasters/notesMaster1.xml><?xml version="1.0" encoding="utf-8"?>
+<p:notesMaster xmlns:a="http://schemas.openxmlformats.org/drawingml/2006/main" xmlns:r="http://schemas.openxmlformats.org/officeDocument/2006/relationships" xmlns:p="http://schemas.openxmlformats.org/presentationml/2006/main">
+  <p:cSld>
+    <p:bg>
+      <p:bgRef idx="1001">
+        <a:schemeClr val="bg1"/>
+      </p:bgRef>
+    </p:bg>
+    <p:spTree>
+      <p:nvGrpSpPr>
+        <p:cNvPr id="1" name=""/>
+        <p:cNvGrpSpPr/>
+        <p:nvPr/>
+      </p:nvGrpSpPr>
+      <p:grpSpPr>
+        <a:xfrm>
+          <a:off x="0" y="0"/>
+          <a:ext cx="0" cy="0"/>
+          <a:chOff x="0" y="0"/>
+          <a:chExt cx="0" cy="0"/>
+        </a:xfrm>
+      </p:grpSpPr>
+      <p:sp>
+        <p:nvSpPr>
+          <p:cNvPr id="2" name="ヘッダー プレースホルダー 1"/>
+          <p:cNvSpPr>
+            <a:spLocks noGrp="1"/>
+          </p:cNvSpPr>
+          <p:nvPr>
+            <p:ph type="hdr" sz="quarter"/>
+          </p:nvPr>
+        </p:nvSpPr>
+        <p:spPr>
+          <a:xfrm>
+            <a:off x="0" y="0"/>
+            <a:ext cx="2971800" cy="458788"/>
+          </a:xfrm>
+          <a:prstGeom prst="rect">
+            <a:avLst/>
+          </a:prstGeom>
+        </p:spPr>
+        <p:txBody>
+          <a:bodyPr vert="horz" lIns="91440" tIns="45720" rIns="91440" bIns="45720" rtlCol="0"/>
+          <a:lstStyle>
+            <a:lvl1pPr algn="l">
+              <a:defRPr sz="1200"/>
+            </a:lvl1pPr>
+          </a:lstStyle>
+          <a:p>
+            <a:endParaRPr kumimoji="1" lang="ja-JP" altLang="en-US"/>
+          </a:p>
+        </p:txBody>
+      </p:sp>
+      <p:sp>
+        <p:nvSpPr>
+          <p:cNvPr id="3" name="日付プレースホルダー 2"/>
+          <p:cNvSpPr>
+            <a:spLocks noGrp="1"/>
+          </p:cNvSpPr>
+          <p:nvPr>
+            <p:ph type="dt" idx="1"/>
+          </p:nvPr>
+        </p:nvSpPr>
+        <p:spPr>
+          <a:xfrm>
+            <a:off x="3884613" y="0"/>
+            <a:ext cx="2971800" cy="458788"/>
+          </a:xfrm>
+          <a:prstGeom prst="rect">
+            <a:avLst/>
+          </a:prstGeom>
+        </p:spPr>
+        <p:txBody>
+          <a:bodyPr vert="horz" lIns="91440" tIns="45720" rIns="91440" bIns="45720" rtlCol="0"/>
+          <a:lstStyle>
+            <a:lvl1pPr algn="r">
+              <a:defRPr sz="1200"/>
+            </a:lvl1pPr>
+          </a:lstStyle>
+          <a:p>
+            <a:fld id="{C07FA99A-5D47-4C94-9865-21D84DE8BFEF}" type="datetimeFigureOut">
+              <a:rPr kumimoji="1" lang="ja-JP" altLang="en-US" smtClean="0"/>
+              <a:t>2023/2/23</a:t>
+            </a:fld>
+            <a:endParaRPr kumimoji="1" lang="ja-JP" altLang="en-US"/>
+          </a:p>
+        </p:txBody>
+      </p:sp>
+      <p:sp>
+        <p:nvSpPr>
+          <p:cNvPr id="4" name="スライド イメージ プレースホルダー 3"/>
+          <p:cNvSpPr>
+            <a:spLocks noGrp="1" noRot="1" noChangeAspect="1"/>
+          </p:cNvSpPr>
+          <p:nvPr>
+            <p:ph type="sldImg" idx="2"/>
+          </p:nvPr>
+        </p:nvSpPr>
+        <p:spPr>
+          <a:xfrm>
+            <a:off x="685800" y="1143000"/>
+            <a:ext cx="5486400" cy="3086100"/>
+          </a:xfrm>
+          <a:prstGeom prst="rect">
+            <a:avLst/>
+          </a:prstGeom>
+          <a:noFill/>
+          <a:ln w="12700">
+            <a:solidFill>
+              <a:prstClr val="black"/>
+            </a:solidFill>
+          </a:ln>
+        </p:spPr>
+        <p:txBody>
+          <a:bodyPr vert="horz" lIns="91440" tIns="45720" rIns="91440" bIns="45720" rtlCol="0" anchor="ctr"/>
+          <a:lstStyle/>
+          <a:p>
+            <a:endParaRPr lang="ja-JP" altLang="en-US"/>
+          </a:p>
+        </p:txBody>
+      </p:sp>
+      <p:sp>
+        <p:nvSpPr>
+          <p:cNvPr id="5" name="ノート プレースホルダー 4"/>
+          <p:cNvSpPr>
+            <a:spLocks noGrp="1"/>
+          </p:cNvSpPr>
+          <p:nvPr>
+            <p:ph type="body" sz="quarter" idx="3"/>
+          </p:nvPr>
+        </p:nvSpPr>
+        <p:spPr>
+          <a:xfrm>
+            <a:off x="685800" y="4400550"/>
+            <a:ext cx="5486400" cy="3600450"/>
+          </a:xfrm>
+          <a:prstGeom prst="rect">
+            <a:avLst/>
+          </a:prstGeom>
+        </p:spPr>
+        <p:txBody>
+          <a:bodyPr vert="horz" lIns="91440" tIns="45720" rIns="91440" bIns="45720" rtlCol="0"/>
+          <a:lstStyle/>
+          <a:p>
+            <a:pPr lvl="0"/>
+            <a:r>
+              <a:rPr kumimoji="1" lang="ja-JP" altLang="en-US" smtClean="0"/>
+              <a:t>マスター テキストの書式設定</a:t>
+            </a:r>
+          </a:p>
+          <a:p>
+            <a:pPr lvl="1"/>
+            <a:r>
+              <a:rPr kumimoji="1" lang="ja-JP" altLang="en-US" smtClean="0"/>
+              <a:t>第 </a:t>
+            </a:r>
+            <a:r>
+              <a:rPr kumimoji="1" lang="en-US" altLang="ja-JP" smtClean="0"/>
+              <a:t>2 </a:t>
+            </a:r>
+            <a:r>
+              <a:rPr kumimoji="1" lang="ja-JP" altLang="en-US" smtClean="0"/>
+              <a:t>レベル</a:t>
+            </a:r>
+          </a:p>
+          <a:p>
+            <a:pPr lvl="2"/>
+            <a:r>
+              <a:rPr kumimoji="1" lang="ja-JP" altLang="en-US" smtClean="0"/>
+              <a:t>第 </a:t>
+            </a:r>
+            <a:r>
+              <a:rPr kumimoji="1" lang="en-US" altLang="ja-JP" smtClean="0"/>
+              <a:t>3 </a:t>
+            </a:r>
+            <a:r>
+              <a:rPr kumimoji="1" lang="ja-JP" altLang="en-US" smtClean="0"/>
+              <a:t>レベル</a:t>
+            </a:r>
+          </a:p>
+          <a:p>
+            <a:pPr lvl="3"/>
+            <a:r>
+              <a:rPr kumimoji="1" lang="ja-JP" altLang="en-US" smtClean="0"/>
+              <a:t>第 </a:t>
+            </a:r>
+            <a:r>
+              <a:rPr kumimoji="1" lang="en-US" altLang="ja-JP" smtClean="0"/>
+              <a:t>4 </a:t>
+            </a:r>
+            <a:r>
+              <a:rPr kumimoji="1" lang="ja-JP" altLang="en-US" smtClean="0"/>
+              <a:t>レベル</a:t>
+            </a:r>
+          </a:p>
+          <a:p>
+            <a:pPr lvl="4"/>
+            <a:r>
+              <a:rPr kumimoji="1" lang="ja-JP" altLang="en-US" smtClean="0"/>
+              <a:t>第 </a:t>
+            </a:r>
+            <a:r>
+              <a:rPr kumimoji="1" lang="en-US" altLang="ja-JP" smtClean="0"/>
+              <a:t>5 </a:t>
+            </a:r>
+            <a:r>
+              <a:rPr kumimoji="1" lang="ja-JP" altLang="en-US" smtClean="0"/>
+              <a:t>レベル</a:t>
+            </a:r>
+            <a:endParaRPr kumimoji="1" lang="ja-JP" altLang="en-US"/>
+          </a:p>
+        </p:txBody>
+      </p:sp>
+      <p:sp>
+        <p:nvSpPr>
+          <p:cNvPr id="6" name="フッター プレースホルダー 5"/>
+          <p:cNvSpPr>
+            <a:spLocks noGrp="1"/>
+          </p:cNvSpPr>
+          <p:nvPr>
+            <p:ph type="ftr" sz="quarter" idx="4"/>
+          </p:nvPr>
+        </p:nvSpPr>
+        <p:spPr>
+          <a:xfrm>
+            <a:off x="0" y="8685213"/>
+            <a:ext cx="2971800" cy="458787"/>
+          </a:xfrm>
+          <a:prstGeom prst="rect">
+            <a:avLst/>
+          </a:prstGeom>
+        </p:spPr>
+        <p:txBody>
+          <a:bodyPr vert="horz" lIns="91440" tIns="45720" rIns="91440" bIns="45720" rtlCol="0" anchor="b"/>
+          <a:lstStyle>
+            <a:lvl1pPr algn="l">
+              <a:defRPr sz="1200"/>
+            </a:lvl1pPr>
+          </a:lstStyle>
+          <a:p>
+            <a:endParaRPr kumimoji="1" lang="ja-JP" altLang="en-US"/>
+          </a:p>
+        </p:txBody>
+      </p:sp>
+      <p:sp>
+        <p:nvSpPr>
+          <p:cNvPr id="7" name="スライド番号プレースホルダー 6"/>
+          <p:cNvSpPr>
+            <a:spLocks noGrp="1"/>
+          </p:cNvSpPr>
+          <p:nvPr>
+            <p:ph type="sldNum" sz="quarter" idx="5"/>
+          </p:nvPr>
+        </p:nvSpPr>
+        <p:spPr>
+          <a:xfrm>
+            <a:off x="3884613" y="8685213"/>
+            <a:ext cx="2971800" cy="458787"/>
+          </a:xfrm>
+          <a:prstGeom prst="rect">
+            <a:avLst/>
+          </a:prstGeom>
+        </p:spPr>
+        <p:txBody>
+          <a:bodyPr vert="horz" lIns="91440" tIns="45720" rIns="91440" bIns="45720" rtlCol="0" anchor="b"/>
+          <a:lstStyle>
+            <a:lvl1pPr algn="r">
+              <a:defRPr sz="1200"/>
+            </a:lvl1pPr>
+          </a:lstStyle>
+          <a:p>
+            <a:fld id="{AE4792FF-BF7C-4C25-AC3D-510CAC847DDE}" type="slidenum">
+              <a:rPr kumimoji="1" lang="ja-JP" altLang="en-US" smtClean="0"/>
+              <a:t>‹#›</a:t>
+            </a:fld>
+            <a:endParaRPr kumimoji="1" lang="ja-JP" altLang="en-US"/>
+          </a:p>
+        </p:txBody>
+      </p:sp>
+    </p:spTree>
+    <p:extLst>
+      <p:ext uri="{BB962C8B-B14F-4D97-AF65-F5344CB8AC3E}">
+        <p14:creationId xmlns:p14="http://schemas.microsoft.com/office/powerpoint/2010/main" val="3317682334"/>
+      </p:ext>
+    </p:extLst>
+  </p:cSld>
+  <p:clrMap bg1="lt1" tx1="dk1" bg2="lt2" tx2="dk2" accent1="accent1" accent2="accent2" accent3="accent3" accent4="accent4" accent5="accent5" accent6="accent6" hlink="hlink" folHlink="folHlink"/>
+  <p:notesStyle>
+    <a:lvl1pPr marL="0" algn="l" defTabSz="914400" rtl="0" eaLnBrk="1" latinLnBrk="0" hangingPunct="1">
+      <a:defRPr kumimoji="1" sz="1200" kern="1200">
+        <a:solidFill>
+          <a:schemeClr val="tx1"/>
+        </a:solidFill>
+        <a:latin typeface="+mn-lt"/>
+        <a:ea typeface="+mn-ea"/>
+        <a:cs typeface="+mn-cs"/>
+      </a:defRPr>
+    </a:lvl1pPr>
+    <a:lvl2pPr marL="457200" algn="l" defTabSz="914400" rtl="0" eaLnBrk="1" latinLnBrk="0" hangingPunct="1">
+      <a:defRPr kumimoji="1" sz="1200" kern="1200">
+        <a:solidFill>
+          <a:schemeClr val="tx1"/>
+        </a:solidFill>
+        <a:latin typeface="+mn-lt"/>
+        <a:ea typeface="+mn-ea"/>
+        <a:cs typeface="+mn-cs"/>
+      </a:defRPr>
+    </a:lvl2pPr>
+    <a:lvl3pPr marL="914400" algn="l" defTabSz="914400" rtl="0" eaLnBrk="1" latinLnBrk="0" hangingPunct="1">
+      <a:defRPr kumimoji="1" sz="1200" kern="1200">
+        <a:solidFill>
+          <a:schemeClr val="tx1"/>
+        </a:solidFill>
+        <a:latin typeface="+mn-lt"/>
+        <a:ea typeface="+mn-ea"/>
+        <a:cs typeface="+mn-cs"/>
+      </a:defRPr>
+    </a:lvl3pPr>
+    <a:lvl4pPr marL="1371600" algn="l" defTabSz="914400" rtl="0" eaLnBrk="1" latinLnBrk="0" hangingPunct="1">
+      <a:defRPr kumimoji="1" sz="1200" kern="1200">
+        <a:solidFill>
+          <a:schemeClr val="tx1"/>
+        </a:solidFill>
+        <a:latin typeface="+mn-lt"/>
+        <a:ea typeface="+mn-ea"/>
+        <a:cs typeface="+mn-cs"/>
+      </a:defRPr>
+    </a:lvl4pPr>
+    <a:lvl5pPr marL="1828800" algn="l" defTabSz="914400" rtl="0" eaLnBrk="1" latinLnBrk="0" hangingPunct="1">
+      <a:defRPr kumimoji="1" sz="1200" kern="1200">
+        <a:solidFill>
+          <a:schemeClr val="tx1"/>
+        </a:solidFill>
+        <a:latin typeface="+mn-lt"/>
+        <a:ea typeface="+mn-ea"/>
+        <a:cs typeface="+mn-cs"/>
+      </a:defRPr>
+    </a:lvl5pPr>
+    <a:lvl6pPr marL="2286000" algn="l" defTabSz="914400" rtl="0" eaLnBrk="1" latinLnBrk="0" hangingPunct="1">
+      <a:defRPr kumimoji="1" sz="1200" kern="1200">
+        <a:solidFill>
+          <a:schemeClr val="tx1"/>
+        </a:solidFill>
+        <a:latin typeface="+mn-lt"/>
+        <a:ea typeface="+mn-ea"/>
+        <a:cs typeface="+mn-cs"/>
+      </a:defRPr>
+    </a:lvl6pPr>
+    <a:lvl7pPr marL="2743200" algn="l" defTabSz="914400" rtl="0" eaLnBrk="1" latinLnBrk="0" hangingPunct="1">
+      <a:defRPr kumimoji="1" sz="1200" kern="1200">
+        <a:solidFill>
+          <a:schemeClr val="tx1"/>
+        </a:solidFill>
+        <a:latin typeface="+mn-lt"/>
+        <a:ea typeface="+mn-ea"/>
+        <a:cs typeface="+mn-cs"/>
+      </a:defRPr>
+    </a:lvl7pPr>
+    <a:lvl8pPr marL="3200400" algn="l" defTabSz="914400" rtl="0" eaLnBrk="1" latinLnBrk="0" hangingPunct="1">
+      <a:defRPr kumimoji="1" sz="1200" kern="1200">
+        <a:solidFill>
+          <a:schemeClr val="tx1"/>
+        </a:solidFill>
+        <a:latin typeface="+mn-lt"/>
+        <a:ea typeface="+mn-ea"/>
+        <a:cs typeface="+mn-cs"/>
+      </a:defRPr>
+    </a:lvl8pPr>
+    <a:lvl9pPr marL="3657600" algn="l" defTabSz="914400" rtl="0" eaLnBrk="1" latinLnBrk="0" hangingPunct="1">
+      <a:defRPr kumimoji="1" sz="1200" kern="1200">
+        <a:solidFill>
+          <a:schemeClr val="tx1"/>
+        </a:solidFill>
+        <a:latin typeface="+mn-lt"/>
+        <a:ea typeface="+mn-ea"/>
+        <a:cs typeface="+mn-cs"/>
+      </a:defRPr>
+    </a:lvl9pPr>
+  </p:notesStyle>
+</p:notesMaster>
+</file>
+
+<file path=ppt/notesSlides/notesSlide1.xml><?xml version="1.0" encoding="utf-8"?>
+<p:notes xmlns:a="http://schemas.openxmlformats.org/drawingml/2006/main" xmlns:r="http://schemas.openxmlformats.org/officeDocument/2006/relationships" xmlns:p="http://schemas.openxmlformats.org/presentationml/2006/main">
+  <p:cSld>
+    <p:spTree>
+      <p:nvGrpSpPr>
+        <p:cNvPr id="1" name=""/>
+        <p:cNvGrpSpPr/>
+        <p:nvPr/>
+      </p:nvGrpSpPr>
+      <p:grpSpPr>
+        <a:xfrm>
+          <a:off x="0" y="0"/>
+          <a:ext cx="0" cy="0"/>
+          <a:chOff x="0" y="0"/>
+          <a:chExt cx="0" cy="0"/>
+        </a:xfrm>
+      </p:grpSpPr>
+      <p:sp>
+        <p:nvSpPr>
+          <p:cNvPr id="2" name="スライド イメージ プレースホルダー 1"/>
+          <p:cNvSpPr>
+            <a:spLocks noGrp="1" noRot="1" noChangeAspect="1"/>
+          </p:cNvSpPr>
+          <p:nvPr>
+            <p:ph type="sldImg"/>
+          </p:nvPr>
+        </p:nvSpPr>
+        <p:spPr/>
+      </p:sp>
+      <p:sp>
+        <p:nvSpPr>
+          <p:cNvPr id="3" name="ノート プレースホルダー 2"/>
+          <p:cNvSpPr>
+            <a:spLocks noGrp="1"/>
+          </p:cNvSpPr>
+          <p:nvPr>
+            <p:ph type="body" idx="1"/>
+          </p:nvPr>
+        </p:nvSpPr>
+        <p:spPr/>
+        <p:txBody>
+          <a:bodyPr/>
+          <a:lstStyle/>
+          <a:p>
+            <a:endParaRPr kumimoji="1" lang="ja-JP" altLang="en-US" dirty="0"/>
+          </a:p>
+        </p:txBody>
+      </p:sp>
+      <p:sp>
+        <p:nvSpPr>
+          <p:cNvPr id="4" name="スライド番号プレースホルダー 3"/>
+          <p:cNvSpPr>
+            <a:spLocks noGrp="1"/>
+          </p:cNvSpPr>
+          <p:nvPr>
+            <p:ph type="sldNum" sz="quarter" idx="10"/>
+          </p:nvPr>
+        </p:nvSpPr>
+        <p:spPr/>
+        <p:txBody>
+          <a:bodyPr/>
+          <a:lstStyle/>
+          <a:p>
+            <a:fld id="{AE4792FF-BF7C-4C25-AC3D-510CAC847DDE}" type="slidenum">
+              <a:rPr kumimoji="1" lang="ja-JP" altLang="en-US" smtClean="0"/>
+              <a:t>5</a:t>
+            </a:fld>
+            <a:endParaRPr kumimoji="1" lang="ja-JP" altLang="en-US"/>
+          </a:p>
+        </p:txBody>
+      </p:sp>
+    </p:spTree>
+    <p:extLst>
+      <p:ext uri="{BB962C8B-B14F-4D97-AF65-F5344CB8AC3E}">
+        <p14:creationId xmlns:p14="http://schemas.microsoft.com/office/powerpoint/2010/main" val="2822565387"/>
+      </p:ext>
+    </p:extLst>
+  </p:cSld>
+  <p:clrMapOvr>
+    <a:masterClrMapping/>
+  </p:clrMapOvr>
+</p:notes>
+</file>
+
 <file path=ppt/slideLayouts/slideLayout1.xml><?xml version="1.0" encoding="utf-8"?>
 <p:sldLayout xmlns:a="http://schemas.openxmlformats.org/drawingml/2006/main" xmlns:r="http://schemas.openxmlformats.org/officeDocument/2006/relationships" xmlns:p="http://schemas.openxmlformats.org/presentationml/2006/main" showMasterSp="0" preserve="1" userDrawn="1">
   <p:cSld name="基本スライド">
@@ -149,7 +618,7 @@
           <a:graphicData uri="http://schemas.openxmlformats.org/presentationml/2006/ole">
             <mc:AlternateContent xmlns:mc="http://schemas.openxmlformats.org/markup-compatibility/2006">
               <mc:Choice xmlns:v="urn:schemas-microsoft-com:vml" Requires="v">
-                <p:oleObj spid="_x0000_s1028" name="think-cell Slide" r:id="rId4" imgW="360" imgH="360" progId="TCLayout.ActiveDocument.1">
+                <p:oleObj spid="_x0000_s1066" name="think-cell Slide" r:id="rId4" imgW="360" imgH="360" progId="TCLayout.ActiveDocument.1">
                   <p:embed/>
                 </p:oleObj>
               </mc:Choice>
@@ -5281,8 +5750,8 @@
         </p:nvSpPr>
         <p:spPr bwMode="auto">
           <a:xfrm>
-            <a:off x="1838237" y="891194"/>
-            <a:ext cx="10030968" cy="2608011"/>
+            <a:off x="1838237" y="706785"/>
+            <a:ext cx="10030968" cy="2976829"/>
           </a:xfrm>
           <a:prstGeom prst="rect">
             <a:avLst/>
@@ -5555,6 +6024,93 @@
                 <a:cs typeface="Meiryo UI" panose="020B0604030504040204" pitchFamily="50" charset="-128"/>
               </a:rPr>
               <a:t>対応に苦慮する中で介護職の負担が高まり、育成が進まない・離職につながるといった課題</a:t>
+            </a:r>
+            <a:endParaRPr lang="en-US" altLang="ja-JP" dirty="0" smtClean="0">
+              <a:latin typeface="Meiryo UI" panose="020B0604030504040204" pitchFamily="50" charset="-128"/>
+              <a:ea typeface="Meiryo UI" panose="020B0604030504040204" pitchFamily="50" charset="-128"/>
+              <a:cs typeface="Meiryo UI" panose="020B0604030504040204" pitchFamily="50" charset="-128"/>
+            </a:endParaRPr>
+          </a:p>
+          <a:p>
+            <a:pPr marL="976313" lvl="3" indent="-285750" defTabSz="896017">
+              <a:lnSpc>
+                <a:spcPct val="110000"/>
+              </a:lnSpc>
+              <a:spcBef>
+                <a:spcPts val="450"/>
+              </a:spcBef>
+              <a:buClr>
+                <a:srgbClr val="0F6DD2"/>
+              </a:buClr>
+              <a:buFont typeface="Arial" panose="020B0604020202020204" pitchFamily="34" charset="0"/>
+              <a:buChar char="•"/>
+              <a:tabLst>
+                <a:tab pos="8075967" algn="r"/>
+              </a:tabLst>
+            </a:pPr>
+            <a:r>
+              <a:rPr lang="en-US" altLang="ja-JP" dirty="0" smtClean="0">
+                <a:latin typeface="Meiryo UI" panose="020B0604030504040204" pitchFamily="50" charset="-128"/>
+                <a:ea typeface="Meiryo UI" panose="020B0604030504040204" pitchFamily="50" charset="-128"/>
+                <a:cs typeface="Meiryo UI" panose="020B0604030504040204" pitchFamily="50" charset="-128"/>
+              </a:rPr>
+              <a:t>2025</a:t>
+            </a:r>
+            <a:r>
+              <a:rPr lang="ja-JP" altLang="en-US" dirty="0" smtClean="0">
+                <a:latin typeface="Meiryo UI" panose="020B0604030504040204" pitchFamily="50" charset="-128"/>
+                <a:ea typeface="Meiryo UI" panose="020B0604030504040204" pitchFamily="50" charset="-128"/>
+                <a:cs typeface="Meiryo UI" panose="020B0604030504040204" pitchFamily="50" charset="-128"/>
+              </a:rPr>
+              <a:t>年には</a:t>
+            </a:r>
+            <a:r>
+              <a:rPr lang="en-US" altLang="ja-JP" dirty="0" smtClean="0">
+                <a:latin typeface="Meiryo UI" panose="020B0604030504040204" pitchFamily="50" charset="-128"/>
+                <a:ea typeface="Meiryo UI" panose="020B0604030504040204" pitchFamily="50" charset="-128"/>
+                <a:cs typeface="Meiryo UI" panose="020B0604030504040204" pitchFamily="50" charset="-128"/>
+              </a:rPr>
+              <a:t>65</a:t>
+            </a:r>
+            <a:r>
+              <a:rPr lang="ja-JP" altLang="en-US" dirty="0" smtClean="0">
+                <a:latin typeface="Meiryo UI" panose="020B0604030504040204" pitchFamily="50" charset="-128"/>
+                <a:ea typeface="Meiryo UI" panose="020B0604030504040204" pitchFamily="50" charset="-128"/>
+                <a:cs typeface="Meiryo UI" panose="020B0604030504040204" pitchFamily="50" charset="-128"/>
+              </a:rPr>
+              <a:t>歳以上の</a:t>
+            </a:r>
+            <a:r>
+              <a:rPr lang="en-US" altLang="ja-JP" dirty="0" smtClean="0">
+                <a:latin typeface="Meiryo UI" panose="020B0604030504040204" pitchFamily="50" charset="-128"/>
+                <a:ea typeface="Meiryo UI" panose="020B0604030504040204" pitchFamily="50" charset="-128"/>
+                <a:cs typeface="Meiryo UI" panose="020B0604030504040204" pitchFamily="50" charset="-128"/>
+              </a:rPr>
+              <a:t>5</a:t>
+            </a:r>
+            <a:r>
+              <a:rPr lang="ja-JP" altLang="en-US" dirty="0" smtClean="0">
+                <a:latin typeface="Meiryo UI" panose="020B0604030504040204" pitchFamily="50" charset="-128"/>
+                <a:ea typeface="Meiryo UI" panose="020B0604030504040204" pitchFamily="50" charset="-128"/>
+                <a:cs typeface="Meiryo UI" panose="020B0604030504040204" pitchFamily="50" charset="-128"/>
+              </a:rPr>
+              <a:t>人に</a:t>
+            </a:r>
+            <a:r>
+              <a:rPr lang="en-US" altLang="ja-JP" dirty="0" smtClean="0">
+                <a:latin typeface="Meiryo UI" panose="020B0604030504040204" pitchFamily="50" charset="-128"/>
+                <a:ea typeface="Meiryo UI" panose="020B0604030504040204" pitchFamily="50" charset="-128"/>
+                <a:cs typeface="Meiryo UI" panose="020B0604030504040204" pitchFamily="50" charset="-128"/>
+              </a:rPr>
+              <a:t>1</a:t>
+            </a:r>
+            <a:r>
+              <a:rPr lang="ja-JP" altLang="en-US" dirty="0" smtClean="0">
+                <a:latin typeface="Meiryo UI" panose="020B0604030504040204" pitchFamily="50" charset="-128"/>
+                <a:ea typeface="Meiryo UI" panose="020B0604030504040204" pitchFamily="50" charset="-128"/>
+                <a:cs typeface="Meiryo UI" panose="020B0604030504040204" pitchFamily="50" charset="-128"/>
+              </a:rPr>
+              <a:t>人が認知症を有すると推計</a:t>
             </a:r>
             <a:endParaRPr lang="en-US" altLang="ja-JP" dirty="0" smtClean="0">
               <a:latin typeface="Meiryo UI" panose="020B0604030504040204" pitchFamily="50" charset="-128"/>
@@ -6038,7 +6594,7 @@
           <a:p>
             <a:r>
               <a:rPr lang="ja-JP" altLang="en-US" dirty="0" smtClean="0"/>
-              <a:t>所属企業における取組み</a:t>
+              <a:t>現時点の取組み</a:t>
             </a:r>
             <a:endParaRPr kumimoji="1" lang="ja-JP" altLang="en-US" dirty="0"/>
           </a:p>
@@ -6060,8 +6616,8 @@
         </p:blipFill>
         <p:spPr>
           <a:xfrm>
-            <a:off x="232830" y="1762938"/>
-            <a:ext cx="2613926" cy="1412371"/>
+            <a:off x="125750" y="1368640"/>
+            <a:ext cx="2354922" cy="1412371"/>
           </a:xfrm>
           <a:prstGeom prst="rect">
             <a:avLst/>
@@ -6083,13 +6639,13 @@
           <p:nvPr>
             <p:extLst>
               <p:ext uri="{D42A27DB-BD31-4B8C-83A1-F6EECF244321}">
-                <p14:modId xmlns:p14="http://schemas.microsoft.com/office/powerpoint/2010/main" val="3136842264"/>
+                <p14:modId xmlns:p14="http://schemas.microsoft.com/office/powerpoint/2010/main" val="311179682"/>
               </p:ext>
             </p:extLst>
           </p:nvPr>
         </p:nvGraphicFramePr>
         <p:xfrm>
-          <a:off x="3665526" y="1781904"/>
+          <a:off x="4113155" y="1288128"/>
           <a:ext cx="1824674" cy="2026133"/>
         </p:xfrm>
         <a:graphic>
@@ -6363,7 +6919,7 @@
                     <a:lstStyle/>
                     <a:p>
                       <a:r>
-                        <a:rPr kumimoji="1" lang="ja-JP" altLang="en-US" sz="900" b="1"/>
+                        <a:rPr kumimoji="1" lang="ja-JP" altLang="en-US" sz="900" b="1" dirty="0"/>
                         <a:t>「いや！私の仕事だから！！」と固執されるご様子・・・</a:t>
                       </a:r>
                     </a:p>
@@ -6644,10 +7200,10 @@
                     <a:lstStyle/>
                     <a:p>
                       <a:r>
-                        <a:rPr kumimoji="1" lang="en-US" altLang="ja-JP" sz="900" b="1"/>
+                        <a:rPr kumimoji="1" lang="en-US" altLang="ja-JP" sz="900" b="1" dirty="0"/>
                         <a:t>0</a:t>
                       </a:r>
-                      <a:endParaRPr kumimoji="1" lang="ja-JP" altLang="en-US" sz="900" b="1"/>
+                      <a:endParaRPr kumimoji="1" lang="ja-JP" altLang="en-US" sz="900" b="1" dirty="0"/>
                     </a:p>
                   </a:txBody>
                   <a:tcPr>
@@ -6702,858 +7258,16 @@
           </a:graphicData>
         </a:graphic>
       </p:graphicFrame>
-      <p:graphicFrame>
-        <p:nvGraphicFramePr>
-          <p:cNvPr id="10" name="表 9">
-            <a:extLst>
-              <a:ext uri="{FF2B5EF4-FFF2-40B4-BE49-F238E27FC236}">
-                <a16:creationId xmlns:a16="http://schemas.microsoft.com/office/drawing/2014/main" id="{9BC41E87-C069-4FA0-8378-6625FDAD4746}"/>
-              </a:ext>
-            </a:extLst>
-          </p:cNvPr>
-          <p:cNvGraphicFramePr>
-            <a:graphicFrameLocks noGrp="1"/>
-          </p:cNvGraphicFramePr>
-          <p:nvPr>
-            <p:extLst>
-              <p:ext uri="{D42A27DB-BD31-4B8C-83A1-F6EECF244321}">
-                <p14:modId xmlns:p14="http://schemas.microsoft.com/office/powerpoint/2010/main" val="1870783708"/>
-              </p:ext>
-            </p:extLst>
-          </p:nvPr>
-        </p:nvGraphicFramePr>
-        <p:xfrm>
-          <a:off x="9853205" y="1781904"/>
-          <a:ext cx="2016000" cy="2069107"/>
-        </p:xfrm>
-        <a:graphic>
-          <a:graphicData uri="http://schemas.openxmlformats.org/drawingml/2006/table">
-            <a:tbl>
-              <a:tblPr firstRow="1" bandRow="1">
-                <a:tableStyleId>{5C22544A-7EE6-4342-B048-85BDC9FD1C3A}</a:tableStyleId>
-              </a:tblPr>
-              <a:tblGrid>
-                <a:gridCol w="540000">
-                  <a:extLst>
-                    <a:ext uri="{9D8B030D-6E8A-4147-A177-3AD203B41FA5}">
-                      <a16:colId xmlns:a16="http://schemas.microsoft.com/office/drawing/2014/main" val="4276538773"/>
-                    </a:ext>
-                  </a:extLst>
-                </a:gridCol>
-                <a:gridCol w="1476000">
-                  <a:extLst>
-                    <a:ext uri="{9D8B030D-6E8A-4147-A177-3AD203B41FA5}">
-                      <a16:colId xmlns:a16="http://schemas.microsoft.com/office/drawing/2014/main" val="1546415730"/>
-                    </a:ext>
-                  </a:extLst>
-                </a:gridCol>
-              </a:tblGrid>
-              <a:tr h="266512">
-                <a:tc>
-                  <a:txBody>
-                    <a:bodyPr/>
-                    <a:lstStyle/>
-                    <a:p>
-                      <a:pPr algn="ctr"/>
-                      <a:r>
-                        <a:rPr kumimoji="1" lang="ja-JP" altLang="en-US" sz="1000">
-                          <a:solidFill>
-                            <a:schemeClr val="bg1"/>
-                          </a:solidFill>
-                        </a:rPr>
-                        <a:t>要因</a:t>
-                      </a:r>
-                    </a:p>
-                  </a:txBody>
-                  <a:tcPr>
-                    <a:lnL w="6350" cap="flat" cmpd="sng" algn="ctr">
-                      <a:solidFill>
-                        <a:schemeClr val="tx1"/>
-                      </a:solidFill>
-                      <a:prstDash val="solid"/>
-                      <a:round/>
-                      <a:headEnd type="none" w="med" len="med"/>
-                      <a:tailEnd type="none" w="med" len="med"/>
-                    </a:lnL>
-                    <a:lnR w="6350" cap="flat" cmpd="sng" algn="ctr">
-                      <a:solidFill>
-                        <a:schemeClr val="tx1"/>
-                      </a:solidFill>
-                      <a:prstDash val="solid"/>
-                      <a:round/>
-                      <a:headEnd type="none" w="med" len="med"/>
-                      <a:tailEnd type="none" w="med" len="med"/>
-                    </a:lnR>
-                    <a:lnT w="6350" cap="flat" cmpd="sng" algn="ctr">
-                      <a:solidFill>
-                        <a:schemeClr val="tx1"/>
-                      </a:solidFill>
-                      <a:prstDash val="solid"/>
-                      <a:round/>
-                      <a:headEnd type="none" w="med" len="med"/>
-                      <a:tailEnd type="none" w="med" len="med"/>
-                    </a:lnT>
-                    <a:lnB w="6350" cap="flat" cmpd="sng" algn="ctr">
-                      <a:solidFill>
-                        <a:schemeClr val="tx1"/>
-                      </a:solidFill>
-                      <a:prstDash val="solid"/>
-                      <a:round/>
-                      <a:headEnd type="none" w="med" len="med"/>
-                      <a:tailEnd type="none" w="med" len="med"/>
-                    </a:lnB>
-                    <a:solidFill>
-                      <a:srgbClr val="0070C0"/>
-                    </a:solidFill>
-                  </a:tcPr>
-                </a:tc>
-                <a:tc>
-                  <a:txBody>
-                    <a:bodyPr/>
-                    <a:lstStyle/>
-                    <a:p>
-                      <a:pPr algn="ctr"/>
-                      <a:r>
-                        <a:rPr kumimoji="1" lang="ja-JP" altLang="en-US" sz="1000">
-                          <a:solidFill>
-                            <a:schemeClr val="bg1"/>
-                          </a:solidFill>
-                        </a:rPr>
-                        <a:t>ケアヒント</a:t>
-                      </a:r>
-                    </a:p>
-                  </a:txBody>
-                  <a:tcPr>
-                    <a:lnL w="6350" cap="flat" cmpd="sng" algn="ctr">
-                      <a:solidFill>
-                        <a:schemeClr val="tx1"/>
-                      </a:solidFill>
-                      <a:prstDash val="solid"/>
-                      <a:round/>
-                      <a:headEnd type="none" w="med" len="med"/>
-                      <a:tailEnd type="none" w="med" len="med"/>
-                    </a:lnL>
-                    <a:lnR w="6350" cap="flat" cmpd="sng" algn="ctr">
-                      <a:solidFill>
-                        <a:schemeClr val="tx1"/>
-                      </a:solidFill>
-                      <a:prstDash val="solid"/>
-                      <a:round/>
-                      <a:headEnd type="none" w="med" len="med"/>
-                      <a:tailEnd type="none" w="med" len="med"/>
-                    </a:lnR>
-                    <a:lnT w="6350" cap="flat" cmpd="sng" algn="ctr">
-                      <a:solidFill>
-                        <a:schemeClr val="tx1"/>
-                      </a:solidFill>
-                      <a:prstDash val="solid"/>
-                      <a:round/>
-                      <a:headEnd type="none" w="med" len="med"/>
-                      <a:tailEnd type="none" w="med" len="med"/>
-                    </a:lnT>
-                    <a:lnB w="6350" cap="flat" cmpd="sng" algn="ctr">
-                      <a:solidFill>
-                        <a:schemeClr val="tx1"/>
-                      </a:solidFill>
-                      <a:prstDash val="solid"/>
-                      <a:round/>
-                      <a:headEnd type="none" w="med" len="med"/>
-                      <a:tailEnd type="none" w="med" len="med"/>
-                    </a:lnB>
-                    <a:solidFill>
-                      <a:srgbClr val="0070C0"/>
-                    </a:solidFill>
-                  </a:tcPr>
-                </a:tc>
-                <a:extLst>
-                  <a:ext uri="{0D108BD9-81ED-4DB2-BD59-A6C34878D82A}">
-                    <a16:rowId xmlns:a16="http://schemas.microsoft.com/office/drawing/2014/main" val="1157040405"/>
-                  </a:ext>
-                </a:extLst>
-              </a:tr>
-              <a:tr h="275692">
-                <a:tc>
-                  <a:txBody>
-                    <a:bodyPr/>
-                    <a:lstStyle/>
-                    <a:p>
-                      <a:r>
-                        <a:rPr kumimoji="1" lang="ja-JP" altLang="en-US" sz="900" b="1"/>
-                        <a:t>睡眠</a:t>
-                      </a:r>
-                    </a:p>
-                  </a:txBody>
-                  <a:tcPr>
-                    <a:lnL w="6350" cap="flat" cmpd="sng" algn="ctr">
-                      <a:solidFill>
-                        <a:schemeClr val="tx1"/>
-                      </a:solidFill>
-                      <a:prstDash val="solid"/>
-                      <a:round/>
-                      <a:headEnd type="none" w="med" len="med"/>
-                      <a:tailEnd type="none" w="med" len="med"/>
-                    </a:lnL>
-                    <a:lnR w="6350" cap="flat" cmpd="sng" algn="ctr">
-                      <a:solidFill>
-                        <a:schemeClr val="tx1"/>
-                      </a:solidFill>
-                      <a:prstDash val="solid"/>
-                      <a:round/>
-                      <a:headEnd type="none" w="med" len="med"/>
-                      <a:tailEnd type="none" w="med" len="med"/>
-                    </a:lnR>
-                    <a:lnT w="6350" cap="flat" cmpd="sng" algn="ctr">
-                      <a:solidFill>
-                        <a:schemeClr val="tx1"/>
-                      </a:solidFill>
-                      <a:prstDash val="solid"/>
-                      <a:round/>
-                      <a:headEnd type="none" w="med" len="med"/>
-                      <a:tailEnd type="none" w="med" len="med"/>
-                    </a:lnT>
-                    <a:lnB w="6350" cap="flat" cmpd="sng" algn="ctr">
-                      <a:solidFill>
-                        <a:schemeClr val="tx1"/>
-                      </a:solidFill>
-                      <a:prstDash val="solid"/>
-                      <a:round/>
-                      <a:headEnd type="none" w="med" len="med"/>
-                      <a:tailEnd type="none" w="med" len="med"/>
-                    </a:lnB>
-                    <a:solidFill>
-                      <a:schemeClr val="bg1"/>
-                    </a:solidFill>
-                  </a:tcPr>
-                </a:tc>
-                <a:tc>
-                  <a:txBody>
-                    <a:bodyPr/>
-                    <a:lstStyle/>
-                    <a:p>
-                      <a:r>
-                        <a:rPr kumimoji="1" lang="ja-JP" altLang="en-US" sz="900" b="1"/>
-                        <a:t>入居前の就寝習慣についてヒアリング・・・</a:t>
-                      </a:r>
-                    </a:p>
-                  </a:txBody>
-                  <a:tcPr>
-                    <a:lnL w="6350" cap="flat" cmpd="sng" algn="ctr">
-                      <a:solidFill>
-                        <a:schemeClr val="tx1"/>
-                      </a:solidFill>
-                      <a:prstDash val="solid"/>
-                      <a:round/>
-                      <a:headEnd type="none" w="med" len="med"/>
-                      <a:tailEnd type="none" w="med" len="med"/>
-                    </a:lnL>
-                    <a:lnR w="6350" cap="flat" cmpd="sng" algn="ctr">
-                      <a:solidFill>
-                        <a:schemeClr val="tx1"/>
-                      </a:solidFill>
-                      <a:prstDash val="solid"/>
-                      <a:round/>
-                      <a:headEnd type="none" w="med" len="med"/>
-                      <a:tailEnd type="none" w="med" len="med"/>
-                    </a:lnR>
-                    <a:lnT w="6350" cap="flat" cmpd="sng" algn="ctr">
-                      <a:solidFill>
-                        <a:schemeClr val="tx1"/>
-                      </a:solidFill>
-                      <a:prstDash val="solid"/>
-                      <a:round/>
-                      <a:headEnd type="none" w="med" len="med"/>
-                      <a:tailEnd type="none" w="med" len="med"/>
-                    </a:lnT>
-                    <a:lnB w="6350" cap="flat" cmpd="sng" algn="ctr">
-                      <a:solidFill>
-                        <a:schemeClr val="tx1"/>
-                      </a:solidFill>
-                      <a:prstDash val="solid"/>
-                      <a:round/>
-                      <a:headEnd type="none" w="med" len="med"/>
-                      <a:tailEnd type="none" w="med" len="med"/>
-                    </a:lnB>
-                    <a:solidFill>
-                      <a:schemeClr val="bg1"/>
-                    </a:solidFill>
-                  </a:tcPr>
-                </a:tc>
-                <a:extLst>
-                  <a:ext uri="{0D108BD9-81ED-4DB2-BD59-A6C34878D82A}">
-                    <a16:rowId xmlns:a16="http://schemas.microsoft.com/office/drawing/2014/main" val="670505865"/>
-                  </a:ext>
-                </a:extLst>
-              </a:tr>
-              <a:tr h="275692">
-                <a:tc>
-                  <a:txBody>
-                    <a:bodyPr/>
-                    <a:lstStyle/>
-                    <a:p>
-                      <a:r>
-                        <a:rPr kumimoji="1" lang="ja-JP" altLang="en-US" sz="900" b="1"/>
-                        <a:t>排便</a:t>
-                      </a:r>
-                    </a:p>
-                  </a:txBody>
-                  <a:tcPr>
-                    <a:lnL w="6350" cap="flat" cmpd="sng" algn="ctr">
-                      <a:solidFill>
-                        <a:schemeClr val="tx1"/>
-                      </a:solidFill>
-                      <a:prstDash val="solid"/>
-                      <a:round/>
-                      <a:headEnd type="none" w="med" len="med"/>
-                      <a:tailEnd type="none" w="med" len="med"/>
-                    </a:lnL>
-                    <a:lnR w="6350" cap="flat" cmpd="sng" algn="ctr">
-                      <a:solidFill>
-                        <a:schemeClr val="tx1"/>
-                      </a:solidFill>
-                      <a:prstDash val="solid"/>
-                      <a:round/>
-                      <a:headEnd type="none" w="med" len="med"/>
-                      <a:tailEnd type="none" w="med" len="med"/>
-                    </a:lnR>
-                    <a:lnT w="6350" cap="flat" cmpd="sng" algn="ctr">
-                      <a:solidFill>
-                        <a:schemeClr val="tx1"/>
-                      </a:solidFill>
-                      <a:prstDash val="solid"/>
-                      <a:round/>
-                      <a:headEnd type="none" w="med" len="med"/>
-                      <a:tailEnd type="none" w="med" len="med"/>
-                    </a:lnT>
-                    <a:lnB w="6350" cap="flat" cmpd="sng" algn="ctr">
-                      <a:solidFill>
-                        <a:schemeClr val="tx1"/>
-                      </a:solidFill>
-                      <a:prstDash val="solid"/>
-                      <a:round/>
-                      <a:headEnd type="none" w="med" len="med"/>
-                      <a:tailEnd type="none" w="med" len="med"/>
-                    </a:lnB>
-                    <a:solidFill>
-                      <a:schemeClr val="bg1"/>
-                    </a:solidFill>
-                  </a:tcPr>
-                </a:tc>
-                <a:tc>
-                  <a:txBody>
-                    <a:bodyPr/>
-                    <a:lstStyle/>
-                    <a:p>
-                      <a:r>
-                        <a:rPr kumimoji="1" lang="ja-JP" altLang="en-US" sz="900" b="1"/>
-                        <a:t>便秘薬の服薬調整・・・</a:t>
-                      </a:r>
-                    </a:p>
-                  </a:txBody>
-                  <a:tcPr>
-                    <a:lnL w="6350" cap="flat" cmpd="sng" algn="ctr">
-                      <a:solidFill>
-                        <a:schemeClr val="tx1"/>
-                      </a:solidFill>
-                      <a:prstDash val="solid"/>
-                      <a:round/>
-                      <a:headEnd type="none" w="med" len="med"/>
-                      <a:tailEnd type="none" w="med" len="med"/>
-                    </a:lnL>
-                    <a:lnR w="6350" cap="flat" cmpd="sng" algn="ctr">
-                      <a:solidFill>
-                        <a:schemeClr val="tx1"/>
-                      </a:solidFill>
-                      <a:prstDash val="solid"/>
-                      <a:round/>
-                      <a:headEnd type="none" w="med" len="med"/>
-                      <a:tailEnd type="none" w="med" len="med"/>
-                    </a:lnR>
-                    <a:lnT w="6350" cap="flat" cmpd="sng" algn="ctr">
-                      <a:solidFill>
-                        <a:schemeClr val="tx1"/>
-                      </a:solidFill>
-                      <a:prstDash val="solid"/>
-                      <a:round/>
-                      <a:headEnd type="none" w="med" len="med"/>
-                      <a:tailEnd type="none" w="med" len="med"/>
-                    </a:lnT>
-                    <a:lnB w="6350" cap="flat" cmpd="sng" algn="ctr">
-                      <a:solidFill>
-                        <a:schemeClr val="tx1"/>
-                      </a:solidFill>
-                      <a:prstDash val="solid"/>
-                      <a:round/>
-                      <a:headEnd type="none" w="med" len="med"/>
-                      <a:tailEnd type="none" w="med" len="med"/>
-                    </a:lnB>
-                    <a:solidFill>
-                      <a:schemeClr val="bg1"/>
-                    </a:solidFill>
-                  </a:tcPr>
-                </a:tc>
-                <a:extLst>
-                  <a:ext uri="{0D108BD9-81ED-4DB2-BD59-A6C34878D82A}">
-                    <a16:rowId xmlns:a16="http://schemas.microsoft.com/office/drawing/2014/main" val="2308519887"/>
-                  </a:ext>
-                </a:extLst>
-              </a:tr>
-              <a:tr h="275692">
-                <a:tc>
-                  <a:txBody>
-                    <a:bodyPr/>
-                    <a:lstStyle/>
-                    <a:p>
-                      <a:r>
-                        <a:rPr kumimoji="1" lang="ja-JP" altLang="en-US" sz="900" b="1"/>
-                        <a:t>血圧</a:t>
-                      </a:r>
-                    </a:p>
-                  </a:txBody>
-                  <a:tcPr>
-                    <a:lnL w="6350" cap="flat" cmpd="sng" algn="ctr">
-                      <a:solidFill>
-                        <a:schemeClr val="tx1"/>
-                      </a:solidFill>
-                      <a:prstDash val="solid"/>
-                      <a:round/>
-                      <a:headEnd type="none" w="med" len="med"/>
-                      <a:tailEnd type="none" w="med" len="med"/>
-                    </a:lnL>
-                    <a:lnR w="6350" cap="flat" cmpd="sng" algn="ctr">
-                      <a:solidFill>
-                        <a:schemeClr val="tx1"/>
-                      </a:solidFill>
-                      <a:prstDash val="solid"/>
-                      <a:round/>
-                      <a:headEnd type="none" w="med" len="med"/>
-                      <a:tailEnd type="none" w="med" len="med"/>
-                    </a:lnR>
-                    <a:lnT w="6350" cap="flat" cmpd="sng" algn="ctr">
-                      <a:solidFill>
-                        <a:schemeClr val="tx1"/>
-                      </a:solidFill>
-                      <a:prstDash val="solid"/>
-                      <a:round/>
-                      <a:headEnd type="none" w="med" len="med"/>
-                      <a:tailEnd type="none" w="med" len="med"/>
-                    </a:lnT>
-                    <a:lnB w="6350" cap="flat" cmpd="sng" algn="ctr">
-                      <a:solidFill>
-                        <a:schemeClr val="tx1"/>
-                      </a:solidFill>
-                      <a:prstDash val="solid"/>
-                      <a:round/>
-                      <a:headEnd type="none" w="med" len="med"/>
-                      <a:tailEnd type="none" w="med" len="med"/>
-                    </a:lnB>
-                    <a:solidFill>
-                      <a:schemeClr val="bg1"/>
-                    </a:solidFill>
-                  </a:tcPr>
-                </a:tc>
-                <a:tc>
-                  <a:txBody>
-                    <a:bodyPr/>
-                    <a:lstStyle/>
-                    <a:p>
-                      <a:r>
-                        <a:rPr kumimoji="1" lang="ja-JP" altLang="en-US" sz="900" b="1"/>
-                        <a:t>バイタル異常について医師への連携・・・</a:t>
-                      </a:r>
-                    </a:p>
-                  </a:txBody>
-                  <a:tcPr>
-                    <a:lnL w="6350" cap="flat" cmpd="sng" algn="ctr">
-                      <a:solidFill>
-                        <a:schemeClr val="tx1"/>
-                      </a:solidFill>
-                      <a:prstDash val="solid"/>
-                      <a:round/>
-                      <a:headEnd type="none" w="med" len="med"/>
-                      <a:tailEnd type="none" w="med" len="med"/>
-                    </a:lnL>
-                    <a:lnR w="6350" cap="flat" cmpd="sng" algn="ctr">
-                      <a:solidFill>
-                        <a:schemeClr val="tx1"/>
-                      </a:solidFill>
-                      <a:prstDash val="solid"/>
-                      <a:round/>
-                      <a:headEnd type="none" w="med" len="med"/>
-                      <a:tailEnd type="none" w="med" len="med"/>
-                    </a:lnR>
-                    <a:lnT w="6350" cap="flat" cmpd="sng" algn="ctr">
-                      <a:solidFill>
-                        <a:schemeClr val="tx1"/>
-                      </a:solidFill>
-                      <a:prstDash val="solid"/>
-                      <a:round/>
-                      <a:headEnd type="none" w="med" len="med"/>
-                      <a:tailEnd type="none" w="med" len="med"/>
-                    </a:lnT>
-                    <a:lnB w="6350" cap="flat" cmpd="sng" algn="ctr">
-                      <a:solidFill>
-                        <a:schemeClr val="tx1"/>
-                      </a:solidFill>
-                      <a:prstDash val="solid"/>
-                      <a:round/>
-                      <a:headEnd type="none" w="med" len="med"/>
-                      <a:tailEnd type="none" w="med" len="med"/>
-                    </a:lnB>
-                    <a:solidFill>
-                      <a:schemeClr val="bg1"/>
-                    </a:solidFill>
-                  </a:tcPr>
-                </a:tc>
-                <a:extLst>
-                  <a:ext uri="{0D108BD9-81ED-4DB2-BD59-A6C34878D82A}">
-                    <a16:rowId xmlns:a16="http://schemas.microsoft.com/office/drawing/2014/main" val="2789084799"/>
-                  </a:ext>
-                </a:extLst>
-              </a:tr>
-              <a:tr h="275692">
-                <a:tc>
-                  <a:txBody>
-                    <a:bodyPr/>
-                    <a:lstStyle/>
-                    <a:p>
-                      <a:r>
-                        <a:rPr kumimoji="1" lang="ja-JP" altLang="en-US" sz="900" b="1"/>
-                        <a:t>・・・</a:t>
-                      </a:r>
-                    </a:p>
-                  </a:txBody>
-                  <a:tcPr>
-                    <a:lnL w="6350" cap="flat" cmpd="sng" algn="ctr">
-                      <a:solidFill>
-                        <a:schemeClr val="tx1"/>
-                      </a:solidFill>
-                      <a:prstDash val="solid"/>
-                      <a:round/>
-                      <a:headEnd type="none" w="med" len="med"/>
-                      <a:tailEnd type="none" w="med" len="med"/>
-                    </a:lnL>
-                    <a:lnR w="6350" cap="flat" cmpd="sng" algn="ctr">
-                      <a:solidFill>
-                        <a:schemeClr val="tx1"/>
-                      </a:solidFill>
-                      <a:prstDash val="solid"/>
-                      <a:round/>
-                      <a:headEnd type="none" w="med" len="med"/>
-                      <a:tailEnd type="none" w="med" len="med"/>
-                    </a:lnR>
-                    <a:lnT w="6350" cap="flat" cmpd="sng" algn="ctr">
-                      <a:solidFill>
-                        <a:schemeClr val="tx1"/>
-                      </a:solidFill>
-                      <a:prstDash val="solid"/>
-                      <a:round/>
-                      <a:headEnd type="none" w="med" len="med"/>
-                      <a:tailEnd type="none" w="med" len="med"/>
-                    </a:lnT>
-                    <a:lnB w="6350" cap="flat" cmpd="sng" algn="ctr">
-                      <a:solidFill>
-                        <a:schemeClr val="tx1"/>
-                      </a:solidFill>
-                      <a:prstDash val="solid"/>
-                      <a:round/>
-                      <a:headEnd type="none" w="med" len="med"/>
-                      <a:tailEnd type="none" w="med" len="med"/>
-                    </a:lnB>
-                    <a:solidFill>
-                      <a:schemeClr val="bg1"/>
-                    </a:solidFill>
-                  </a:tcPr>
-                </a:tc>
-                <a:tc>
-                  <a:txBody>
-                    <a:bodyPr/>
-                    <a:lstStyle/>
-                    <a:p>
-                      <a:endParaRPr kumimoji="1" lang="ja-JP" altLang="en-US" sz="900" b="1"/>
-                    </a:p>
-                  </a:txBody>
-                  <a:tcPr>
-                    <a:lnL w="6350" cap="flat" cmpd="sng" algn="ctr">
-                      <a:solidFill>
-                        <a:schemeClr val="tx1"/>
-                      </a:solidFill>
-                      <a:prstDash val="solid"/>
-                      <a:round/>
-                      <a:headEnd type="none" w="med" len="med"/>
-                      <a:tailEnd type="none" w="med" len="med"/>
-                    </a:lnL>
-                    <a:lnR w="6350" cap="flat" cmpd="sng" algn="ctr">
-                      <a:solidFill>
-                        <a:schemeClr val="tx1"/>
-                      </a:solidFill>
-                      <a:prstDash val="solid"/>
-                      <a:round/>
-                      <a:headEnd type="none" w="med" len="med"/>
-                      <a:tailEnd type="none" w="med" len="med"/>
-                    </a:lnR>
-                    <a:lnT w="6350" cap="flat" cmpd="sng" algn="ctr">
-                      <a:solidFill>
-                        <a:schemeClr val="tx1"/>
-                      </a:solidFill>
-                      <a:prstDash val="solid"/>
-                      <a:round/>
-                      <a:headEnd type="none" w="med" len="med"/>
-                      <a:tailEnd type="none" w="med" len="med"/>
-                    </a:lnT>
-                    <a:lnB w="6350" cap="flat" cmpd="sng" algn="ctr">
-                      <a:solidFill>
-                        <a:schemeClr val="tx1"/>
-                      </a:solidFill>
-                      <a:prstDash val="solid"/>
-                      <a:round/>
-                      <a:headEnd type="none" w="med" len="med"/>
-                      <a:tailEnd type="none" w="med" len="med"/>
-                    </a:lnB>
-                    <a:solidFill>
-                      <a:schemeClr val="bg1"/>
-                    </a:solidFill>
-                  </a:tcPr>
-                </a:tc>
-                <a:extLst>
-                  <a:ext uri="{0D108BD9-81ED-4DB2-BD59-A6C34878D82A}">
-                    <a16:rowId xmlns:a16="http://schemas.microsoft.com/office/drawing/2014/main" val="2616199433"/>
-                  </a:ext>
-                </a:extLst>
-              </a:tr>
-              <a:tr h="275692">
-                <a:tc>
-                  <a:txBody>
-                    <a:bodyPr/>
-                    <a:lstStyle/>
-                    <a:p>
-                      <a:r>
-                        <a:rPr kumimoji="1" lang="ja-JP" altLang="en-US" sz="900" b="1"/>
-                        <a:t>・・・</a:t>
-                      </a:r>
-                    </a:p>
-                  </a:txBody>
-                  <a:tcPr>
-                    <a:lnL w="6350" cap="flat" cmpd="sng" algn="ctr">
-                      <a:solidFill>
-                        <a:schemeClr val="tx1"/>
-                      </a:solidFill>
-                      <a:prstDash val="solid"/>
-                      <a:round/>
-                      <a:headEnd type="none" w="med" len="med"/>
-                      <a:tailEnd type="none" w="med" len="med"/>
-                    </a:lnL>
-                    <a:lnR w="6350" cap="flat" cmpd="sng" algn="ctr">
-                      <a:solidFill>
-                        <a:schemeClr val="tx1"/>
-                      </a:solidFill>
-                      <a:prstDash val="solid"/>
-                      <a:round/>
-                      <a:headEnd type="none" w="med" len="med"/>
-                      <a:tailEnd type="none" w="med" len="med"/>
-                    </a:lnR>
-                    <a:lnT w="6350" cap="flat" cmpd="sng" algn="ctr">
-                      <a:solidFill>
-                        <a:schemeClr val="tx1"/>
-                      </a:solidFill>
-                      <a:prstDash val="solid"/>
-                      <a:round/>
-                      <a:headEnd type="none" w="med" len="med"/>
-                      <a:tailEnd type="none" w="med" len="med"/>
-                    </a:lnT>
-                    <a:lnB w="6350" cap="flat" cmpd="sng" algn="ctr">
-                      <a:solidFill>
-                        <a:schemeClr val="tx1"/>
-                      </a:solidFill>
-                      <a:prstDash val="solid"/>
-                      <a:round/>
-                      <a:headEnd type="none" w="med" len="med"/>
-                      <a:tailEnd type="none" w="med" len="med"/>
-                    </a:lnB>
-                    <a:solidFill>
-                      <a:schemeClr val="bg1"/>
-                    </a:solidFill>
-                  </a:tcPr>
-                </a:tc>
-                <a:tc>
-                  <a:txBody>
-                    <a:bodyPr/>
-                    <a:lstStyle/>
-                    <a:p>
-                      <a:endParaRPr kumimoji="1" lang="ja-JP" altLang="en-US" sz="900" b="1"/>
-                    </a:p>
-                  </a:txBody>
-                  <a:tcPr>
-                    <a:lnL w="6350" cap="flat" cmpd="sng" algn="ctr">
-                      <a:solidFill>
-                        <a:schemeClr val="tx1"/>
-                      </a:solidFill>
-                      <a:prstDash val="solid"/>
-                      <a:round/>
-                      <a:headEnd type="none" w="med" len="med"/>
-                      <a:tailEnd type="none" w="med" len="med"/>
-                    </a:lnL>
-                    <a:lnR w="6350" cap="flat" cmpd="sng" algn="ctr">
-                      <a:solidFill>
-                        <a:schemeClr val="tx1"/>
-                      </a:solidFill>
-                      <a:prstDash val="solid"/>
-                      <a:round/>
-                      <a:headEnd type="none" w="med" len="med"/>
-                      <a:tailEnd type="none" w="med" len="med"/>
-                    </a:lnR>
-                    <a:lnT w="6350" cap="flat" cmpd="sng" algn="ctr">
-                      <a:solidFill>
-                        <a:schemeClr val="tx1"/>
-                      </a:solidFill>
-                      <a:prstDash val="solid"/>
-                      <a:round/>
-                      <a:headEnd type="none" w="med" len="med"/>
-                      <a:tailEnd type="none" w="med" len="med"/>
-                    </a:lnT>
-                    <a:lnB w="6350" cap="flat" cmpd="sng" algn="ctr">
-                      <a:solidFill>
-                        <a:schemeClr val="tx1"/>
-                      </a:solidFill>
-                      <a:prstDash val="solid"/>
-                      <a:round/>
-                      <a:headEnd type="none" w="med" len="med"/>
-                      <a:tailEnd type="none" w="med" len="med"/>
-                    </a:lnB>
-                    <a:solidFill>
-                      <a:schemeClr val="bg1"/>
-                    </a:solidFill>
-                  </a:tcPr>
-                </a:tc>
-                <a:extLst>
-                  <a:ext uri="{0D108BD9-81ED-4DB2-BD59-A6C34878D82A}">
-                    <a16:rowId xmlns:a16="http://schemas.microsoft.com/office/drawing/2014/main" val="715873111"/>
-                  </a:ext>
-                </a:extLst>
-              </a:tr>
-              <a:tr h="243999">
-                <a:tc>
-                  <a:txBody>
-                    <a:bodyPr/>
-                    <a:lstStyle/>
-                    <a:p>
-                      <a:r>
-                        <a:rPr kumimoji="1" lang="ja-JP" altLang="en-US" sz="900" b="1"/>
-                        <a:t>・・・</a:t>
-                      </a:r>
-                    </a:p>
-                  </a:txBody>
-                  <a:tcPr>
-                    <a:lnL w="6350" cap="flat" cmpd="sng" algn="ctr">
-                      <a:solidFill>
-                        <a:schemeClr val="tx1"/>
-                      </a:solidFill>
-                      <a:prstDash val="solid"/>
-                      <a:round/>
-                      <a:headEnd type="none" w="med" len="med"/>
-                      <a:tailEnd type="none" w="med" len="med"/>
-                    </a:lnL>
-                    <a:lnR w="6350" cap="flat" cmpd="sng" algn="ctr">
-                      <a:solidFill>
-                        <a:schemeClr val="tx1"/>
-                      </a:solidFill>
-                      <a:prstDash val="solid"/>
-                      <a:round/>
-                      <a:headEnd type="none" w="med" len="med"/>
-                      <a:tailEnd type="none" w="med" len="med"/>
-                    </a:lnR>
-                    <a:lnT w="6350" cap="flat" cmpd="sng" algn="ctr">
-                      <a:solidFill>
-                        <a:schemeClr val="tx1"/>
-                      </a:solidFill>
-                      <a:prstDash val="solid"/>
-                      <a:round/>
-                      <a:headEnd type="none" w="med" len="med"/>
-                      <a:tailEnd type="none" w="med" len="med"/>
-                    </a:lnT>
-                    <a:lnB w="6350" cap="flat" cmpd="sng" algn="ctr">
-                      <a:solidFill>
-                        <a:schemeClr val="tx1"/>
-                      </a:solidFill>
-                      <a:prstDash val="solid"/>
-                      <a:round/>
-                      <a:headEnd type="none" w="med" len="med"/>
-                      <a:tailEnd type="none" w="med" len="med"/>
-                    </a:lnB>
-                    <a:solidFill>
-                      <a:schemeClr val="bg1"/>
-                    </a:solidFill>
-                  </a:tcPr>
-                </a:tc>
-                <a:tc>
-                  <a:txBody>
-                    <a:bodyPr/>
-                    <a:lstStyle/>
-                    <a:p>
-                      <a:endParaRPr kumimoji="1" lang="ja-JP" altLang="en-US" sz="900" b="1"/>
-                    </a:p>
-                  </a:txBody>
-                  <a:tcPr>
-                    <a:lnL w="6350" cap="flat" cmpd="sng" algn="ctr">
-                      <a:solidFill>
-                        <a:schemeClr val="tx1"/>
-                      </a:solidFill>
-                      <a:prstDash val="solid"/>
-                      <a:round/>
-                      <a:headEnd type="none" w="med" len="med"/>
-                      <a:tailEnd type="none" w="med" len="med"/>
-                    </a:lnL>
-                    <a:lnR w="6350" cap="flat" cmpd="sng" algn="ctr">
-                      <a:solidFill>
-                        <a:schemeClr val="tx1"/>
-                      </a:solidFill>
-                      <a:prstDash val="solid"/>
-                      <a:round/>
-                      <a:headEnd type="none" w="med" len="med"/>
-                      <a:tailEnd type="none" w="med" len="med"/>
-                    </a:lnR>
-                    <a:lnT w="6350" cap="flat" cmpd="sng" algn="ctr">
-                      <a:solidFill>
-                        <a:schemeClr val="tx1"/>
-                      </a:solidFill>
-                      <a:prstDash val="solid"/>
-                      <a:round/>
-                      <a:headEnd type="none" w="med" len="med"/>
-                      <a:tailEnd type="none" w="med" len="med"/>
-                    </a:lnT>
-                    <a:lnB w="6350" cap="flat" cmpd="sng" algn="ctr">
-                      <a:solidFill>
-                        <a:schemeClr val="tx1"/>
-                      </a:solidFill>
-                      <a:prstDash val="solid"/>
-                      <a:round/>
-                      <a:headEnd type="none" w="med" len="med"/>
-                      <a:tailEnd type="none" w="med" len="med"/>
-                    </a:lnB>
-                    <a:solidFill>
-                      <a:schemeClr val="bg1"/>
-                    </a:solidFill>
-                  </a:tcPr>
-                </a:tc>
-                <a:extLst>
-                  <a:ext uri="{0D108BD9-81ED-4DB2-BD59-A6C34878D82A}">
-                    <a16:rowId xmlns:a16="http://schemas.microsoft.com/office/drawing/2014/main" val="901994434"/>
-                  </a:ext>
-                </a:extLst>
-              </a:tr>
-            </a:tbl>
-          </a:graphicData>
-        </a:graphic>
-      </p:graphicFrame>
-      <p:sp>
-        <p:nvSpPr>
-          <p:cNvPr id="11" name="右矢印 10"/>
+      <p:sp>
+        <p:nvSpPr>
+          <p:cNvPr id="12" name="右矢印 11"/>
           <p:cNvSpPr/>
           <p:nvPr/>
         </p:nvSpPr>
         <p:spPr bwMode="auto">
           <a:xfrm>
-            <a:off x="8994118" y="2288451"/>
-            <a:ext cx="595107" cy="484632"/>
+            <a:off x="6172200" y="1794675"/>
+            <a:ext cx="1600200" cy="484632"/>
           </a:xfrm>
           <a:prstGeom prst="rightArrow">
             <a:avLst/>
@@ -7598,14 +7312,14 @@
       </p:sp>
       <p:sp>
         <p:nvSpPr>
-          <p:cNvPr id="12" name="右矢印 11"/>
+          <p:cNvPr id="13" name="右矢印 12"/>
           <p:cNvSpPr/>
           <p:nvPr/>
         </p:nvSpPr>
         <p:spPr bwMode="auto">
           <a:xfrm>
-            <a:off x="5664892" y="2288451"/>
-            <a:ext cx="595107" cy="484632"/>
+            <a:off x="2827155" y="1832510"/>
+            <a:ext cx="801901" cy="484632"/>
           </a:xfrm>
           <a:prstGeom prst="rightArrow">
             <a:avLst/>
@@ -7648,58 +7362,6 @@
           </a:p>
         </p:txBody>
       </p:sp>
-      <p:sp>
-        <p:nvSpPr>
-          <p:cNvPr id="13" name="右矢印 12"/>
-          <p:cNvSpPr/>
-          <p:nvPr/>
-        </p:nvSpPr>
-        <p:spPr bwMode="auto">
-          <a:xfrm>
-            <a:off x="2923468" y="2326286"/>
-            <a:ext cx="705588" cy="484632"/>
-          </a:xfrm>
-          <a:prstGeom prst="rightArrow">
-            <a:avLst/>
-          </a:prstGeom>
-          <a:solidFill>
-            <a:schemeClr val="bg2">
-              <a:lumMod val="85000"/>
-            </a:schemeClr>
-          </a:solidFill>
-          <a:ln w="28575" cap="flat" cmpd="sng" algn="ctr">
-            <a:noFill/>
-            <a:prstDash val="solid"/>
-            <a:round/>
-            <a:headEnd type="none" w="med" len="med"/>
-            <a:tailEnd type="none" w="med" len="med"/>
-          </a:ln>
-          <a:effectLst/>
-        </p:spPr>
-        <p:txBody>
-          <a:bodyPr vert="horz" wrap="square" lIns="90000" tIns="46800" rIns="90000" bIns="46800" numCol="1" rtlCol="0" anchor="ctr" anchorCtr="0" compatLnSpc="1">
-            <a:prstTxWarp prst="textNoShape">
-              <a:avLst/>
-            </a:prstTxWarp>
-          </a:bodyPr>
-          <a:lstStyle/>
-          <a:p>
-            <a:pPr algn="l">
-              <a:lnSpc>
-                <a:spcPct val="110000"/>
-              </a:lnSpc>
-            </a:pPr>
-            <a:endParaRPr kumimoji="1" lang="ja-JP" altLang="en-US" sz="2000">
-              <a:solidFill>
-                <a:schemeClr val="bg1"/>
-              </a:solidFill>
-              <a:latin typeface="Meiryo UI" pitchFamily="50" charset="-128"/>
-              <a:ea typeface="Meiryo UI" pitchFamily="50" charset="-128"/>
-              <a:cs typeface="Meiryo UI" pitchFamily="50" charset="-128"/>
-            </a:endParaRPr>
-          </a:p>
-        </p:txBody>
-      </p:sp>
       <p:pic>
         <p:nvPicPr>
           <p:cNvPr id="14" name="図 13"/>
@@ -7716,7 +7378,7 @@
         </p:blipFill>
         <p:spPr>
           <a:xfrm>
-            <a:off x="3737534" y="4230176"/>
+            <a:off x="5017840" y="2909326"/>
             <a:ext cx="1429898" cy="1844824"/>
           </a:xfrm>
           <a:prstGeom prst="rect">
@@ -7740,8 +7402,8 @@
         </p:blipFill>
         <p:spPr>
           <a:xfrm>
-            <a:off x="6280990" y="1898297"/>
-            <a:ext cx="2577476" cy="1656184"/>
+            <a:off x="7966420" y="1451215"/>
+            <a:ext cx="2159526" cy="1656184"/>
           </a:xfrm>
           <a:prstGeom prst="rect">
             <a:avLst/>
@@ -7756,8 +7418,8 @@
         </p:nvSpPr>
         <p:spPr>
           <a:xfrm>
-            <a:off x="974506" y="1457214"/>
-            <a:ext cx="1451038" cy="305725"/>
+            <a:off x="610021" y="982403"/>
+            <a:ext cx="1471878" cy="305725"/>
           </a:xfrm>
           <a:prstGeom prst="rect">
             <a:avLst/>
@@ -7779,7 +7441,7 @@
               </a:spcBef>
             </a:pPr>
             <a:r>
-              <a:rPr kumimoji="1" lang="ja-JP" altLang="en-US" sz="1400" b="0">
+              <a:rPr kumimoji="1" lang="ja-JP" altLang="en-US" sz="1400" b="1" dirty="0">
                 <a:latin typeface="Meiryo UI" panose="020B0604030504040204" pitchFamily="50" charset="-128"/>
                 <a:ea typeface="Meiryo UI" panose="020B0604030504040204" pitchFamily="50" charset="-128"/>
                 <a:cs typeface="Meiryo UI" panose="020B0604030504040204" pitchFamily="50" charset="-128"/>
@@ -7797,8 +7459,8 @@
         </p:nvSpPr>
         <p:spPr>
           <a:xfrm>
-            <a:off x="3916255" y="1457214"/>
-            <a:ext cx="1378904" cy="329321"/>
+            <a:off x="4350528" y="950678"/>
+            <a:ext cx="1420582" cy="305725"/>
           </a:xfrm>
           <a:prstGeom prst="rect">
             <a:avLst/>
@@ -7820,7 +7482,7 @@
               </a:spcBef>
             </a:pPr>
             <a:r>
-              <a:rPr kumimoji="1" lang="en-US" altLang="ja-JP" sz="1400" b="0">
+              <a:rPr kumimoji="1" lang="en-US" altLang="ja-JP" sz="1400" b="1" dirty="0" smtClean="0">
                 <a:latin typeface="Meiryo UI" panose="020B0604030504040204" pitchFamily="50" charset="-128"/>
                 <a:ea typeface="Meiryo UI" panose="020B0604030504040204" pitchFamily="50" charset="-128"/>
                 <a:cs typeface="Meiryo UI" panose="020B0604030504040204" pitchFamily="50" charset="-128"/>
@@ -7828,21 +7490,18 @@
               <a:t>BPSD</a:t>
             </a:r>
             <a:r>
-              <a:rPr lang="ja-JP" altLang="en-US" sz="1400">
+              <a:rPr lang="ja-JP" altLang="en-US" sz="1400" b="1" dirty="0" smtClean="0">
                 <a:latin typeface="Meiryo UI" panose="020B0604030504040204" pitchFamily="50" charset="-128"/>
                 <a:ea typeface="Meiryo UI" panose="020B0604030504040204" pitchFamily="50" charset="-128"/>
                 <a:cs typeface="Meiryo UI" panose="020B0604030504040204" pitchFamily="50" charset="-128"/>
               </a:rPr>
-              <a:t>判別</a:t>
-            </a:r>
-            <a:r>
-              <a:rPr kumimoji="1" lang="ja-JP" altLang="en-US" sz="1400" b="0">
-                <a:latin typeface="Meiryo UI" panose="020B0604030504040204" pitchFamily="50" charset="-128"/>
-                <a:ea typeface="Meiryo UI" panose="020B0604030504040204" pitchFamily="50" charset="-128"/>
-                <a:cs typeface="Meiryo UI" panose="020B0604030504040204" pitchFamily="50" charset="-128"/>
-              </a:rPr>
-              <a:t>結果</a:t>
-            </a:r>
+              <a:t>予測結果</a:t>
+            </a:r>
+            <a:endParaRPr kumimoji="1" lang="ja-JP" altLang="en-US" sz="1400" b="1" dirty="0">
+              <a:latin typeface="Meiryo UI" panose="020B0604030504040204" pitchFamily="50" charset="-128"/>
+              <a:ea typeface="Meiryo UI" panose="020B0604030504040204" pitchFamily="50" charset="-128"/>
+              <a:cs typeface="Meiryo UI" panose="020B0604030504040204" pitchFamily="50" charset="-128"/>
+            </a:endParaRPr>
           </a:p>
         </p:txBody>
       </p:sp>
@@ -7854,8 +7513,8 @@
         </p:nvSpPr>
         <p:spPr>
           <a:xfrm>
-            <a:off x="3772888" y="3924451"/>
-            <a:ext cx="1317990" cy="305725"/>
+            <a:off x="5771110" y="2628148"/>
+            <a:ext cx="1353256" cy="305725"/>
           </a:xfrm>
           <a:prstGeom prst="rect">
             <a:avLst/>
@@ -7877,7 +7536,7 @@
               </a:spcBef>
             </a:pPr>
             <a:r>
-              <a:rPr kumimoji="1" lang="ja-JP" altLang="en-US" sz="1400" b="0">
+              <a:rPr kumimoji="1" lang="ja-JP" altLang="en-US" sz="1400" b="1" dirty="0">
                 <a:latin typeface="Meiryo UI" panose="020B0604030504040204" pitchFamily="50" charset="-128"/>
                 <a:ea typeface="Meiryo UI" panose="020B0604030504040204" pitchFamily="50" charset="-128"/>
                 <a:cs typeface="Meiryo UI" panose="020B0604030504040204" pitchFamily="50" charset="-128"/>
@@ -7895,8 +7554,8 @@
         </p:nvSpPr>
         <p:spPr bwMode="auto">
           <a:xfrm>
-            <a:off x="5465726" y="3851011"/>
-            <a:ext cx="1898588" cy="1420736"/>
+            <a:off x="6638544" y="3314261"/>
+            <a:ext cx="2286000" cy="992563"/>
           </a:xfrm>
           <a:prstGeom prst="bentUpArrow">
             <a:avLst>
@@ -7951,8 +7610,8 @@
         </p:nvSpPr>
         <p:spPr>
           <a:xfrm>
-            <a:off x="6899626" y="1457214"/>
-            <a:ext cx="1378904" cy="329321"/>
+            <a:off x="8398848" y="1084465"/>
+            <a:ext cx="1810111" cy="329321"/>
           </a:xfrm>
           <a:prstGeom prst="rect">
             <a:avLst/>
@@ -7974,7 +7633,7 @@
               </a:spcBef>
             </a:pPr>
             <a:r>
-              <a:rPr kumimoji="1" lang="en-US" altLang="ja-JP" sz="1400" b="0">
+              <a:rPr kumimoji="1" lang="en-US" altLang="ja-JP" sz="1400" b="1" dirty="0">
                 <a:latin typeface="Meiryo UI" panose="020B0604030504040204" pitchFamily="50" charset="-128"/>
                 <a:ea typeface="Meiryo UI" panose="020B0604030504040204" pitchFamily="50" charset="-128"/>
                 <a:cs typeface="Meiryo UI" panose="020B0604030504040204" pitchFamily="50" charset="-128"/>
@@ -7982,26 +7641,39 @@
               <a:t>BPSD</a:t>
             </a:r>
             <a:r>
-              <a:rPr kumimoji="1" lang="ja-JP" altLang="en-US" sz="1400" b="0">
+              <a:rPr kumimoji="1" lang="ja-JP" altLang="en-US" sz="1400" b="1" dirty="0">
                 <a:latin typeface="Meiryo UI" panose="020B0604030504040204" pitchFamily="50" charset="-128"/>
                 <a:ea typeface="Meiryo UI" panose="020B0604030504040204" pitchFamily="50" charset="-128"/>
                 <a:cs typeface="Meiryo UI" panose="020B0604030504040204" pitchFamily="50" charset="-128"/>
               </a:rPr>
-              <a:t>発生要因</a:t>
-            </a:r>
-          </a:p>
-        </p:txBody>
-      </p:sp>
-      <p:sp>
-        <p:nvSpPr>
-          <p:cNvPr id="21" name="テキスト ボックス 20"/>
+              <a:t>発生</a:t>
+            </a:r>
+            <a:r>
+              <a:rPr kumimoji="1" lang="ja-JP" altLang="en-US" sz="1400" b="1" dirty="0" smtClean="0">
+                <a:latin typeface="Meiryo UI" panose="020B0604030504040204" pitchFamily="50" charset="-128"/>
+                <a:ea typeface="Meiryo UI" panose="020B0604030504040204" pitchFamily="50" charset="-128"/>
+                <a:cs typeface="Meiryo UI" panose="020B0604030504040204" pitchFamily="50" charset="-128"/>
+              </a:rPr>
+              <a:t>要因予測</a:t>
+            </a:r>
+            <a:endParaRPr kumimoji="1" lang="ja-JP" altLang="en-US" sz="1400" b="1" dirty="0">
+              <a:latin typeface="Meiryo UI" panose="020B0604030504040204" pitchFamily="50" charset="-128"/>
+              <a:ea typeface="Meiryo UI" panose="020B0604030504040204" pitchFamily="50" charset="-128"/>
+              <a:cs typeface="Meiryo UI" panose="020B0604030504040204" pitchFamily="50" charset="-128"/>
+            </a:endParaRPr>
+          </a:p>
+        </p:txBody>
+      </p:sp>
+      <p:sp>
+        <p:nvSpPr>
+          <p:cNvPr id="25" name="テキスト ボックス 24"/>
           <p:cNvSpPr txBox="1"/>
           <p:nvPr/>
         </p:nvSpPr>
         <p:spPr>
           <a:xfrm>
-            <a:off x="10074238" y="1457214"/>
-            <a:ext cx="1651414" cy="329321"/>
+            <a:off x="2480672" y="1066794"/>
+            <a:ext cx="1684628" cy="461665"/>
           </a:xfrm>
           <a:prstGeom prst="rect">
             <a:avLst/>
@@ -8014,118 +7686,509 @@
           </a:bodyPr>
           <a:lstStyle/>
           <a:p>
-            <a:pPr algn="l">
+            <a:pPr algn="ctr"/>
+            <a:r>
+              <a:rPr kumimoji="1" lang="ja-JP" altLang="en-US" sz="1200" b="1" dirty="0" smtClean="0">
+                <a:solidFill>
+                  <a:schemeClr val="accent1">
+                    <a:lumMod val="75000"/>
+                  </a:schemeClr>
+                </a:solidFill>
+                <a:latin typeface="Meiryo UI" panose="020B0604030504040204" pitchFamily="50" charset="-128"/>
+                <a:ea typeface="Meiryo UI" panose="020B0604030504040204" pitchFamily="50" charset="-128"/>
+              </a:rPr>
+              <a:t>自然言語処理</a:t>
+            </a:r>
+            <a:r>
+              <a:rPr lang="en-US" altLang="ja-JP" sz="1200" b="1" dirty="0" smtClean="0">
+                <a:solidFill>
+                  <a:schemeClr val="accent1">
+                    <a:lumMod val="75000"/>
+                  </a:schemeClr>
+                </a:solidFill>
+                <a:latin typeface="Meiryo UI" panose="020B0604030504040204" pitchFamily="50" charset="-128"/>
+                <a:ea typeface="Meiryo UI" panose="020B0604030504040204" pitchFamily="50" charset="-128"/>
+              </a:rPr>
+              <a:t>(BERT)</a:t>
+            </a:r>
+          </a:p>
+          <a:p>
+            <a:pPr algn="ctr"/>
+            <a:r>
+              <a:rPr kumimoji="1" lang="ja-JP" altLang="en-US" sz="1200" b="1" dirty="0">
+                <a:solidFill>
+                  <a:schemeClr val="accent1">
+                    <a:lumMod val="75000"/>
+                  </a:schemeClr>
+                </a:solidFill>
+                <a:latin typeface="Meiryo UI" panose="020B0604030504040204" pitchFamily="50" charset="-128"/>
+                <a:ea typeface="Meiryo UI" panose="020B0604030504040204" pitchFamily="50" charset="-128"/>
+              </a:rPr>
+              <a:t>に</a:t>
+            </a:r>
+            <a:r>
+              <a:rPr kumimoji="1" lang="ja-JP" altLang="en-US" sz="1200" b="1" dirty="0" smtClean="0">
+                <a:solidFill>
+                  <a:schemeClr val="accent1">
+                    <a:lumMod val="75000"/>
+                  </a:schemeClr>
+                </a:solidFill>
+                <a:latin typeface="Meiryo UI" panose="020B0604030504040204" pitchFamily="50" charset="-128"/>
+                <a:ea typeface="Meiryo UI" panose="020B0604030504040204" pitchFamily="50" charset="-128"/>
+              </a:rPr>
+              <a:t>よるテキスト分類</a:t>
+            </a:r>
+            <a:endParaRPr kumimoji="1" lang="ja-JP" altLang="en-US" sz="1200" b="1" dirty="0">
+              <a:solidFill>
+                <a:schemeClr val="accent1">
+                  <a:lumMod val="75000"/>
+                </a:schemeClr>
+              </a:solidFill>
+              <a:latin typeface="Meiryo UI" panose="020B0604030504040204" pitchFamily="50" charset="-128"/>
+              <a:ea typeface="Meiryo UI" panose="020B0604030504040204" pitchFamily="50" charset="-128"/>
+            </a:endParaRPr>
+          </a:p>
+        </p:txBody>
+      </p:sp>
+      <p:sp>
+        <p:nvSpPr>
+          <p:cNvPr id="26" name="テキスト ボックス 25"/>
+          <p:cNvSpPr txBox="1"/>
+          <p:nvPr/>
+        </p:nvSpPr>
+        <p:spPr>
+          <a:xfrm>
+            <a:off x="6090734" y="1052177"/>
+            <a:ext cx="1627369" cy="461665"/>
+          </a:xfrm>
+          <a:prstGeom prst="rect">
+            <a:avLst/>
+          </a:prstGeom>
+          <a:noFill/>
+        </p:spPr>
+        <p:txBody>
+          <a:bodyPr wrap="none" rtlCol="0">
+            <a:spAutoFit/>
+          </a:bodyPr>
+          <a:lstStyle/>
+          <a:p>
+            <a:pPr algn="ctr"/>
+            <a:r>
+              <a:rPr lang="ja-JP" altLang="en-US" sz="1200" b="1" dirty="0" smtClean="0">
+                <a:solidFill>
+                  <a:schemeClr val="accent1">
+                    <a:lumMod val="75000"/>
+                  </a:schemeClr>
+                </a:solidFill>
+                <a:latin typeface="Meiryo UI" panose="020B0604030504040204" pitchFamily="50" charset="-128"/>
+                <a:ea typeface="Meiryo UI" panose="020B0604030504040204" pitchFamily="50" charset="-128"/>
+              </a:rPr>
+              <a:t>決定木系の手法による</a:t>
+            </a:r>
+            <a:r>
+              <a:rPr lang="en-US" altLang="ja-JP" sz="1200" b="1" dirty="0" smtClean="0">
+                <a:solidFill>
+                  <a:schemeClr val="accent1">
+                    <a:lumMod val="75000"/>
+                  </a:schemeClr>
+                </a:solidFill>
+                <a:latin typeface="Meiryo UI" panose="020B0604030504040204" pitchFamily="50" charset="-128"/>
+                <a:ea typeface="Meiryo UI" panose="020B0604030504040204" pitchFamily="50" charset="-128"/>
+              </a:rPr>
+              <a:t/>
+            </a:r>
+            <a:br>
+              <a:rPr lang="en-US" altLang="ja-JP" sz="1200" b="1" dirty="0" smtClean="0">
+                <a:solidFill>
+                  <a:schemeClr val="accent1">
+                    <a:lumMod val="75000"/>
+                  </a:schemeClr>
+                </a:solidFill>
+                <a:latin typeface="Meiryo UI" panose="020B0604030504040204" pitchFamily="50" charset="-128"/>
+                <a:ea typeface="Meiryo UI" panose="020B0604030504040204" pitchFamily="50" charset="-128"/>
+              </a:rPr>
+            </a:br>
+            <a:r>
+              <a:rPr lang="en-US" altLang="ja-JP" sz="1200" b="1" dirty="0" smtClean="0">
+                <a:solidFill>
+                  <a:schemeClr val="accent1">
+                    <a:lumMod val="75000"/>
+                  </a:schemeClr>
+                </a:solidFill>
+                <a:latin typeface="Meiryo UI" panose="020B0604030504040204" pitchFamily="50" charset="-128"/>
+                <a:ea typeface="Meiryo UI" panose="020B0604030504040204" pitchFamily="50" charset="-128"/>
+              </a:rPr>
+              <a:t>BPSD</a:t>
+            </a:r>
+            <a:r>
+              <a:rPr lang="ja-JP" altLang="en-US" sz="1200" b="1" dirty="0" smtClean="0">
+                <a:solidFill>
+                  <a:schemeClr val="accent1">
+                    <a:lumMod val="75000"/>
+                  </a:schemeClr>
+                </a:solidFill>
+                <a:latin typeface="Meiryo UI" panose="020B0604030504040204" pitchFamily="50" charset="-128"/>
+                <a:ea typeface="Meiryo UI" panose="020B0604030504040204" pitchFamily="50" charset="-128"/>
+              </a:rPr>
+              <a:t>要因予測</a:t>
+            </a:r>
+            <a:endParaRPr kumimoji="1" lang="ja-JP" altLang="en-US" sz="1200" b="1" dirty="0">
+              <a:solidFill>
+                <a:schemeClr val="accent1">
+                  <a:lumMod val="75000"/>
+                </a:schemeClr>
+              </a:solidFill>
+              <a:latin typeface="Meiryo UI" panose="020B0604030504040204" pitchFamily="50" charset="-128"/>
+              <a:ea typeface="Meiryo UI" panose="020B0604030504040204" pitchFamily="50" charset="-128"/>
+            </a:endParaRPr>
+          </a:p>
+        </p:txBody>
+      </p:sp>
+      <p:sp>
+        <p:nvSpPr>
+          <p:cNvPr id="27" name="テキスト ボックス 26"/>
+          <p:cNvSpPr txBox="1"/>
+          <p:nvPr/>
+        </p:nvSpPr>
+        <p:spPr>
+          <a:xfrm>
+            <a:off x="6445010" y="3755927"/>
+            <a:ext cx="3042821" cy="276999"/>
+          </a:xfrm>
+          <a:prstGeom prst="rect">
+            <a:avLst/>
+          </a:prstGeom>
+          <a:noFill/>
+        </p:spPr>
+        <p:txBody>
+          <a:bodyPr wrap="none" rtlCol="0">
+            <a:spAutoFit/>
+          </a:bodyPr>
+          <a:lstStyle/>
+          <a:p>
+            <a:pPr algn="ctr"/>
+            <a:r>
+              <a:rPr kumimoji="1" lang="ja-JP" altLang="en-US" sz="1200" b="1" dirty="0" smtClean="0">
+                <a:solidFill>
+                  <a:schemeClr val="accent1">
+                    <a:lumMod val="75000"/>
+                  </a:schemeClr>
+                </a:solidFill>
+                <a:latin typeface="Meiryo UI" panose="020B0604030504040204" pitchFamily="50" charset="-128"/>
+                <a:ea typeface="Meiryo UI" panose="020B0604030504040204" pitchFamily="50" charset="-128"/>
+              </a:rPr>
+              <a:t>時系列分析</a:t>
+            </a:r>
+            <a:r>
+              <a:rPr kumimoji="1" lang="en-US" altLang="ja-JP" sz="1200" b="1" dirty="0" smtClean="0">
+                <a:solidFill>
+                  <a:schemeClr val="accent1">
+                    <a:lumMod val="75000"/>
+                  </a:schemeClr>
+                </a:solidFill>
+                <a:latin typeface="Meiryo UI" panose="020B0604030504040204" pitchFamily="50" charset="-128"/>
+                <a:ea typeface="Meiryo UI" panose="020B0604030504040204" pitchFamily="50" charset="-128"/>
+              </a:rPr>
+              <a:t>, </a:t>
+            </a:r>
+            <a:r>
+              <a:rPr kumimoji="1" lang="ja-JP" altLang="en-US" sz="1200" b="1" dirty="0" smtClean="0">
+                <a:solidFill>
+                  <a:schemeClr val="accent1">
+                    <a:lumMod val="75000"/>
+                  </a:schemeClr>
+                </a:solidFill>
+                <a:latin typeface="Meiryo UI" panose="020B0604030504040204" pitchFamily="50" charset="-128"/>
+                <a:ea typeface="Meiryo UI" panose="020B0604030504040204" pitchFamily="50" charset="-128"/>
+              </a:rPr>
+              <a:t>状態空間モデルによる異常検知</a:t>
+            </a:r>
+            <a:endParaRPr kumimoji="1" lang="en-US" altLang="ja-JP" sz="1200" b="1" dirty="0" smtClean="0">
+              <a:solidFill>
+                <a:schemeClr val="accent1">
+                  <a:lumMod val="75000"/>
+                </a:schemeClr>
+              </a:solidFill>
+              <a:latin typeface="Meiryo UI" panose="020B0604030504040204" pitchFamily="50" charset="-128"/>
+              <a:ea typeface="Meiryo UI" panose="020B0604030504040204" pitchFamily="50" charset="-128"/>
+            </a:endParaRPr>
+          </a:p>
+        </p:txBody>
+      </p:sp>
+      <p:sp>
+        <p:nvSpPr>
+          <p:cNvPr id="28" name="テキスト ボックス 27">
+            <a:extLst>
+              <a:ext uri="{FF2B5EF4-FFF2-40B4-BE49-F238E27FC236}">
+                <a16:creationId xmlns:a16="http://schemas.microsoft.com/office/drawing/2014/main" id="{2B62C853-C7F0-4CCD-9F05-A049EBF5B18C}"/>
+              </a:ext>
+            </a:extLst>
+          </p:cNvPr>
+          <p:cNvSpPr txBox="1">
+            <a:spLocks noChangeArrowheads="1"/>
+          </p:cNvSpPr>
+          <p:nvPr/>
+        </p:nvSpPr>
+        <p:spPr bwMode="auto">
+          <a:xfrm>
+            <a:off x="922345" y="4980954"/>
+            <a:ext cx="10030968" cy="1768806"/>
+          </a:xfrm>
+          <a:prstGeom prst="rect">
+            <a:avLst/>
+          </a:prstGeom>
+          <a:noFill/>
+          <a:ln w="9525">
+            <a:noFill/>
+            <a:miter lim="800000"/>
+            <a:headEnd/>
+            <a:tailEnd/>
+          </a:ln>
+        </p:spPr>
+        <p:txBody>
+          <a:bodyPr wrap="square" lIns="89527" tIns="44762" rIns="89527" bIns="44762" anchor="ctr">
+            <a:spAutoFit/>
+          </a:bodyPr>
+          <a:lstStyle/>
+          <a:p>
+            <a:pPr marL="342900" indent="-342900" defTabSz="896017">
               <a:lnSpc>
                 <a:spcPct val="110000"/>
               </a:lnSpc>
               <a:spcBef>
-                <a:spcPts val="450"/>
+                <a:spcPts val="1000"/>
               </a:spcBef>
+              <a:buClr>
+                <a:srgbClr val="0F6DD2"/>
+              </a:buClr>
+              <a:buFont typeface="Arial" panose="020B0604020202020204" pitchFamily="34" charset="0"/>
+              <a:buChar char="•"/>
+              <a:tabLst>
+                <a:tab pos="8075967" algn="r"/>
+              </a:tabLst>
             </a:pPr>
             <a:r>
-              <a:rPr kumimoji="1" lang="ja-JP" altLang="en-US" sz="1400" b="0">
-                <a:latin typeface="Meiryo UI" panose="020B0604030504040204" pitchFamily="50" charset="-128"/>
-                <a:ea typeface="Meiryo UI" panose="020B0604030504040204" pitchFamily="50" charset="-128"/>
-                <a:cs typeface="Meiryo UI" panose="020B0604030504040204" pitchFamily="50" charset="-128"/>
-              </a:rPr>
-              <a:t>ケア方針のレコメンド</a:t>
-            </a:r>
-          </a:p>
-        </p:txBody>
-      </p:sp>
-      <p:sp>
-        <p:nvSpPr>
-          <p:cNvPr id="24" name="円形吹き出し 23"/>
-          <p:cNvSpPr/>
-          <p:nvPr/>
-        </p:nvSpPr>
-        <p:spPr bwMode="auto">
-          <a:xfrm>
-            <a:off x="8396392" y="3518246"/>
-            <a:ext cx="1775361" cy="864561"/>
-          </a:xfrm>
-          <a:prstGeom prst="wedgeEllipseCallout">
-            <a:avLst>
-              <a:gd name="adj1" fmla="val 1127"/>
-              <a:gd name="adj2" fmla="val -92250"/>
-            </a:avLst>
-          </a:prstGeom>
-          <a:solidFill>
-            <a:schemeClr val="accent3">
-              <a:lumMod val="20000"/>
-              <a:lumOff val="80000"/>
-            </a:schemeClr>
-          </a:solidFill>
-          <a:ln w="28575" cap="flat" cmpd="sng" algn="ctr">
-            <a:noFill/>
-            <a:prstDash val="solid"/>
-            <a:round/>
-            <a:headEnd type="none" w="med" len="med"/>
-            <a:tailEnd type="none" w="med" len="med"/>
-          </a:ln>
-          <a:effectLst/>
-        </p:spPr>
-        <p:txBody>
-          <a:bodyPr vert="horz" wrap="none" lIns="90000" tIns="46800" rIns="90000" bIns="46800" numCol="1" rtlCol="0" anchor="ctr" anchorCtr="0" compatLnSpc="1">
-            <a:prstTxWarp prst="textNoShape">
-              <a:avLst/>
-            </a:prstTxWarp>
-          </a:bodyPr>
-          <a:lstStyle/>
-          <a:p>
-            <a:pPr algn="l">
+              <a:rPr lang="ja-JP" altLang="en-US" sz="1400" dirty="0" smtClean="0">
+                <a:latin typeface="Meiryo UI" panose="020B0604030504040204" pitchFamily="50" charset="-128"/>
+                <a:ea typeface="Meiryo UI" panose="020B0604030504040204" pitchFamily="50" charset="-128"/>
+                <a:cs typeface="Meiryo UI" pitchFamily="50" charset="-128"/>
+              </a:rPr>
+              <a:t>介護記録テキストは介護職の主観情報のため、記録者によって描写のレベル</a:t>
+            </a:r>
+            <a:r>
+              <a:rPr lang="en-US" altLang="ja-JP" sz="1400" dirty="0" smtClean="0">
+                <a:latin typeface="Meiryo UI" panose="020B0604030504040204" pitchFamily="50" charset="-128"/>
+                <a:ea typeface="Meiryo UI" panose="020B0604030504040204" pitchFamily="50" charset="-128"/>
+                <a:cs typeface="Meiryo UI" pitchFamily="50" charset="-128"/>
+              </a:rPr>
+              <a:t>(</a:t>
+            </a:r>
+            <a:r>
+              <a:rPr lang="ja-JP" altLang="en-US" sz="1400" dirty="0" smtClean="0">
+                <a:latin typeface="Meiryo UI" panose="020B0604030504040204" pitchFamily="50" charset="-128"/>
+                <a:ea typeface="Meiryo UI" panose="020B0604030504040204" pitchFamily="50" charset="-128"/>
+                <a:cs typeface="Meiryo UI" pitchFamily="50" charset="-128"/>
+              </a:rPr>
+              <a:t>具体的</a:t>
+            </a:r>
+            <a:r>
+              <a:rPr lang="en-US" altLang="ja-JP" sz="1400" dirty="0" smtClean="0">
+                <a:latin typeface="Meiryo UI" panose="020B0604030504040204" pitchFamily="50" charset="-128"/>
+                <a:ea typeface="Meiryo UI" panose="020B0604030504040204" pitchFamily="50" charset="-128"/>
+                <a:cs typeface="Meiryo UI" pitchFamily="50" charset="-128"/>
+              </a:rPr>
+              <a:t>/</a:t>
+            </a:r>
+            <a:r>
+              <a:rPr lang="ja-JP" altLang="en-US" sz="1400" dirty="0" smtClean="0">
+                <a:latin typeface="Meiryo UI" panose="020B0604030504040204" pitchFamily="50" charset="-128"/>
+                <a:ea typeface="Meiryo UI" panose="020B0604030504040204" pitchFamily="50" charset="-128"/>
+                <a:cs typeface="Meiryo UI" pitchFamily="50" charset="-128"/>
+              </a:rPr>
+              <a:t>抽象的</a:t>
+            </a:r>
+            <a:r>
+              <a:rPr lang="en-US" altLang="ja-JP" sz="1400" dirty="0" smtClean="0">
+                <a:latin typeface="Meiryo UI" panose="020B0604030504040204" pitchFamily="50" charset="-128"/>
+                <a:ea typeface="Meiryo UI" panose="020B0604030504040204" pitchFamily="50" charset="-128"/>
+                <a:cs typeface="Meiryo UI" pitchFamily="50" charset="-128"/>
+              </a:rPr>
+              <a:t>)</a:t>
+            </a:r>
+            <a:r>
+              <a:rPr lang="ja-JP" altLang="en-US" sz="1400" dirty="0" smtClean="0">
+                <a:latin typeface="Meiryo UI" panose="020B0604030504040204" pitchFamily="50" charset="-128"/>
+                <a:ea typeface="Meiryo UI" panose="020B0604030504040204" pitchFamily="50" charset="-128"/>
+                <a:cs typeface="Meiryo UI" pitchFamily="50" charset="-128"/>
+              </a:rPr>
+              <a:t>が異なるため、教師データとしての品質が担保しにくい　→　良い分類</a:t>
+            </a:r>
+            <a:r>
+              <a:rPr lang="ja-JP" altLang="en-US" sz="1400" dirty="0">
+                <a:latin typeface="Meiryo UI" panose="020B0604030504040204" pitchFamily="50" charset="-128"/>
+                <a:ea typeface="Meiryo UI" panose="020B0604030504040204" pitchFamily="50" charset="-128"/>
+                <a:cs typeface="Meiryo UI" pitchFamily="50" charset="-128"/>
+              </a:rPr>
+              <a:t>精度</a:t>
+            </a:r>
+            <a:r>
+              <a:rPr lang="ja-JP" altLang="en-US" sz="1400" dirty="0" smtClean="0">
+                <a:latin typeface="Meiryo UI" panose="020B0604030504040204" pitchFamily="50" charset="-128"/>
+                <a:ea typeface="Meiryo UI" panose="020B0604030504040204" pitchFamily="50" charset="-128"/>
+                <a:cs typeface="Meiryo UI" pitchFamily="50" charset="-128"/>
+              </a:rPr>
+              <a:t>がでない</a:t>
+            </a:r>
+            <a:r>
+              <a:rPr lang="en-US" altLang="ja-JP" sz="1400" dirty="0" smtClean="0">
+                <a:latin typeface="Meiryo UI" panose="020B0604030504040204" pitchFamily="50" charset="-128"/>
+                <a:ea typeface="Meiryo UI" panose="020B0604030504040204" pitchFamily="50" charset="-128"/>
+                <a:cs typeface="Meiryo UI" pitchFamily="50" charset="-128"/>
+              </a:rPr>
+              <a:t>(F1</a:t>
+            </a:r>
+            <a:r>
+              <a:rPr lang="ja-JP" altLang="en-US" sz="1400" dirty="0" smtClean="0">
+                <a:latin typeface="Meiryo UI" panose="020B0604030504040204" pitchFamily="50" charset="-128"/>
+                <a:ea typeface="Meiryo UI" panose="020B0604030504040204" pitchFamily="50" charset="-128"/>
+                <a:cs typeface="Meiryo UI" pitchFamily="50" charset="-128"/>
+              </a:rPr>
+              <a:t>＝</a:t>
+            </a:r>
+            <a:r>
+              <a:rPr lang="en-US" altLang="ja-JP" sz="1400" dirty="0" smtClean="0">
+                <a:latin typeface="Meiryo UI" panose="020B0604030504040204" pitchFamily="50" charset="-128"/>
+                <a:ea typeface="Meiryo UI" panose="020B0604030504040204" pitchFamily="50" charset="-128"/>
+                <a:cs typeface="Meiryo UI" pitchFamily="50" charset="-128"/>
+              </a:rPr>
+              <a:t>0.1~0.2 </a:t>
+            </a:r>
+            <a:r>
+              <a:rPr lang="ja-JP" altLang="en-US" sz="1400" dirty="0" smtClean="0">
+                <a:latin typeface="Meiryo UI" panose="020B0604030504040204" pitchFamily="50" charset="-128"/>
+                <a:ea typeface="Meiryo UI" panose="020B0604030504040204" pitchFamily="50" charset="-128"/>
+                <a:cs typeface="Meiryo UI" pitchFamily="50" charset="-128"/>
+              </a:rPr>
+              <a:t>程度</a:t>
+            </a:r>
+            <a:r>
+              <a:rPr lang="en-US" altLang="ja-JP" sz="1400" dirty="0" smtClean="0">
+                <a:latin typeface="Meiryo UI" panose="020B0604030504040204" pitchFamily="50" charset="-128"/>
+                <a:ea typeface="Meiryo UI" panose="020B0604030504040204" pitchFamily="50" charset="-128"/>
+                <a:cs typeface="Meiryo UI" pitchFamily="50" charset="-128"/>
+              </a:rPr>
+              <a:t>)</a:t>
+            </a:r>
+          </a:p>
+          <a:p>
+            <a:pPr marL="342900" indent="-342900" defTabSz="896017">
               <a:lnSpc>
                 <a:spcPct val="110000"/>
               </a:lnSpc>
+              <a:spcBef>
+                <a:spcPts val="1000"/>
+              </a:spcBef>
+              <a:buClr>
+                <a:srgbClr val="0F6DD2"/>
+              </a:buClr>
+              <a:buFont typeface="Arial" panose="020B0604020202020204" pitchFamily="34" charset="0"/>
+              <a:buChar char="•"/>
+              <a:tabLst>
+                <a:tab pos="8075967" algn="r"/>
+              </a:tabLst>
             </a:pPr>
             <a:r>
-              <a:rPr kumimoji="1" lang="ja-JP" altLang="en-US" sz="1200">
-                <a:latin typeface="Meiryo UI" pitchFamily="50" charset="-128"/>
-                <a:ea typeface="Meiryo UI" pitchFamily="50" charset="-128"/>
+              <a:rPr lang="ja-JP" altLang="en-US" sz="1400" dirty="0" smtClean="0">
+                <a:latin typeface="Meiryo UI" panose="020B0604030504040204" pitchFamily="50" charset="-128"/>
+                <a:ea typeface="Meiryo UI" panose="020B0604030504040204" pitchFamily="50" charset="-128"/>
                 <a:cs typeface="Meiryo UI" pitchFamily="50" charset="-128"/>
               </a:rPr>
-              <a:t>ケアレコメンド用の</a:t>
-            </a:r>
-            <a:endParaRPr kumimoji="1" lang="en-US" altLang="ja-JP" sz="1200">
-              <a:latin typeface="Meiryo UI" pitchFamily="50" charset="-128"/>
-              <a:ea typeface="Meiryo UI" pitchFamily="50" charset="-128"/>
+              <a:t>テキスト分類に利用している学習済みモデルは公開されているモデル</a:t>
+            </a:r>
+            <a:r>
+              <a:rPr lang="en-US" altLang="ja-JP" sz="1400" dirty="0" smtClean="0">
+                <a:latin typeface="Meiryo UI" panose="020B0604030504040204" pitchFamily="50" charset="-128"/>
+                <a:ea typeface="Meiryo UI" panose="020B0604030504040204" pitchFamily="50" charset="-128"/>
+                <a:cs typeface="Meiryo UI" pitchFamily="50" charset="-128"/>
+              </a:rPr>
+              <a:t>(Wikipedia</a:t>
+            </a:r>
+            <a:r>
+              <a:rPr lang="ja-JP" altLang="en-US" sz="1400" dirty="0" smtClean="0">
+                <a:latin typeface="Meiryo UI" panose="020B0604030504040204" pitchFamily="50" charset="-128"/>
+                <a:ea typeface="Meiryo UI" panose="020B0604030504040204" pitchFamily="50" charset="-128"/>
+                <a:cs typeface="Meiryo UI" pitchFamily="50" charset="-128"/>
+              </a:rPr>
+              <a:t>記事を事前学習したモデル</a:t>
+            </a:r>
+            <a:r>
+              <a:rPr lang="en-US" altLang="ja-JP" sz="1400" dirty="0" smtClean="0">
+                <a:latin typeface="Meiryo UI" panose="020B0604030504040204" pitchFamily="50" charset="-128"/>
+                <a:ea typeface="Meiryo UI" panose="020B0604030504040204" pitchFamily="50" charset="-128"/>
+                <a:cs typeface="Meiryo UI" pitchFamily="50" charset="-128"/>
+              </a:rPr>
+              <a:t>)</a:t>
+            </a:r>
+            <a:r>
+              <a:rPr lang="ja-JP" altLang="en-US" sz="1400" dirty="0" smtClean="0">
+                <a:latin typeface="Meiryo UI" panose="020B0604030504040204" pitchFamily="50" charset="-128"/>
+                <a:ea typeface="Meiryo UI" panose="020B0604030504040204" pitchFamily="50" charset="-128"/>
+                <a:cs typeface="Meiryo UI" pitchFamily="50" charset="-128"/>
+              </a:rPr>
+              <a:t>をそのまま利用しているため、介護ドメインにうまく適応できていない可能性がある</a:t>
+            </a:r>
+            <a:endParaRPr lang="en-US" altLang="ja-JP" sz="1400" dirty="0" smtClean="0">
+              <a:latin typeface="Meiryo UI" panose="020B0604030504040204" pitchFamily="50" charset="-128"/>
+              <a:ea typeface="Meiryo UI" panose="020B0604030504040204" pitchFamily="50" charset="-128"/>
               <a:cs typeface="Meiryo UI" pitchFamily="50" charset="-128"/>
             </a:endParaRPr>
           </a:p>
           <a:p>
-            <a:pPr algn="l">
+            <a:pPr marL="342900" indent="-342900" defTabSz="896017">
               <a:lnSpc>
                 <a:spcPct val="110000"/>
               </a:lnSpc>
+              <a:spcBef>
+                <a:spcPts val="1000"/>
+              </a:spcBef>
+              <a:buClr>
+                <a:srgbClr val="0F6DD2"/>
+              </a:buClr>
+              <a:buFont typeface="Arial" panose="020B0604020202020204" pitchFamily="34" charset="0"/>
+              <a:buChar char="•"/>
+              <a:tabLst>
+                <a:tab pos="8075967" algn="r"/>
+              </a:tabLst>
             </a:pPr>
             <a:r>
-              <a:rPr lang="ja-JP" altLang="en-US" sz="1200">
-                <a:latin typeface="Meiryo UI" pitchFamily="50" charset="-128"/>
-                <a:ea typeface="Meiryo UI" pitchFamily="50" charset="-128"/>
+              <a:rPr lang="ja-JP" altLang="en-US" sz="1400" dirty="0" smtClean="0">
+                <a:latin typeface="Meiryo UI" panose="020B0604030504040204" pitchFamily="50" charset="-128"/>
+                <a:ea typeface="Meiryo UI" panose="020B0604030504040204" pitchFamily="50" charset="-128"/>
                 <a:cs typeface="Meiryo UI" pitchFamily="50" charset="-128"/>
               </a:rPr>
-              <a:t>データベース構築</a:t>
-            </a:r>
-            <a:endParaRPr lang="en-US" altLang="ja-JP" sz="1200">
-              <a:latin typeface="Meiryo UI" pitchFamily="50" charset="-128"/>
-              <a:ea typeface="Meiryo UI" pitchFamily="50" charset="-128"/>
+              <a:t>テキスト分類の予測結果を使って、さらに</a:t>
+            </a:r>
+            <a:r>
+              <a:rPr lang="en-US" altLang="ja-JP" sz="1400" dirty="0" smtClean="0">
+                <a:latin typeface="Meiryo UI" panose="020B0604030504040204" pitchFamily="50" charset="-128"/>
+                <a:ea typeface="Meiryo UI" panose="020B0604030504040204" pitchFamily="50" charset="-128"/>
+                <a:cs typeface="Meiryo UI" pitchFamily="50" charset="-128"/>
+              </a:rPr>
+              <a:t>BPSD</a:t>
+            </a:r>
+            <a:r>
+              <a:rPr lang="ja-JP" altLang="en-US" sz="1400" dirty="0" smtClean="0">
+                <a:latin typeface="Meiryo UI" panose="020B0604030504040204" pitchFamily="50" charset="-128"/>
+                <a:ea typeface="Meiryo UI" panose="020B0604030504040204" pitchFamily="50" charset="-128"/>
+                <a:cs typeface="Meiryo UI" pitchFamily="50" charset="-128"/>
+              </a:rPr>
+              <a:t>発生要因予測を行っているため、テキスト分類の精度の低さに引きずられて要因予測の精度もよくない</a:t>
+            </a:r>
+            <a:endParaRPr lang="en-US" altLang="ja-JP" sz="1400" dirty="0">
+              <a:latin typeface="Meiryo UI" panose="020B0604030504040204" pitchFamily="50" charset="-128"/>
+              <a:ea typeface="Meiryo UI" panose="020B0604030504040204" pitchFamily="50" charset="-128"/>
               <a:cs typeface="Meiryo UI" pitchFamily="50" charset="-128"/>
             </a:endParaRPr>
-          </a:p>
-          <a:p>
-            <a:pPr algn="l">
-              <a:lnSpc>
-                <a:spcPct val="110000"/>
-              </a:lnSpc>
-            </a:pPr>
-            <a:r>
-              <a:rPr kumimoji="1" lang="ja-JP" altLang="en-US" sz="1200" b="1">
-                <a:latin typeface="Meiryo UI" pitchFamily="50" charset="-128"/>
-                <a:ea typeface="Meiryo UI" pitchFamily="50" charset="-128"/>
-                <a:cs typeface="Meiryo UI" pitchFamily="50" charset="-128"/>
-              </a:rPr>
-              <a:t>（ルールベース）</a:t>
-            </a:r>
           </a:p>
         </p:txBody>
       </p:sp>
@@ -8176,7 +8239,7 @@
           <a:p>
             <a:r>
               <a:rPr lang="ja-JP" altLang="en-US" dirty="0" smtClean="0"/>
-              <a:t>研究の取り組み</a:t>
+              <a:t>研究で取り組みたいテーマ候補</a:t>
             </a:r>
             <a:endParaRPr kumimoji="1" lang="ja-JP" altLang="en-US" dirty="0"/>
           </a:p>
@@ -8191,15 +8254,15 @@
           <p:nvPr/>
         </p:nvPicPr>
         <p:blipFill>
-          <a:blip r:embed="rId2"/>
+          <a:blip r:embed="rId3"/>
           <a:stretch>
             <a:fillRect/>
           </a:stretch>
         </p:blipFill>
         <p:spPr>
           <a:xfrm>
-            <a:off x="232830" y="1762938"/>
-            <a:ext cx="2613926" cy="1412371"/>
+            <a:off x="870104" y="1636664"/>
+            <a:ext cx="2354922" cy="1412371"/>
           </a:xfrm>
           <a:prstGeom prst="rect">
             <a:avLst/>
@@ -8219,11 +8282,15 @@
             <a:graphicFrameLocks noGrp="1"/>
           </p:cNvGraphicFramePr>
           <p:nvPr>
-            <p:extLst/>
+            <p:extLst>
+              <p:ext uri="{D42A27DB-BD31-4B8C-83A1-F6EECF244321}">
+                <p14:modId xmlns:p14="http://schemas.microsoft.com/office/powerpoint/2010/main" val="1130017084"/>
+              </p:ext>
+            </p:extLst>
           </p:nvPr>
         </p:nvGraphicFramePr>
         <p:xfrm>
-          <a:off x="3665526" y="1781904"/>
+          <a:off x="4857509" y="1556152"/>
           <a:ext cx="1824674" cy="2026133"/>
         </p:xfrm>
         <a:graphic>
@@ -8497,7 +8564,7 @@
                     <a:lstStyle/>
                     <a:p>
                       <a:r>
-                        <a:rPr kumimoji="1" lang="ja-JP" altLang="en-US" sz="900" b="1"/>
+                        <a:rPr kumimoji="1" lang="ja-JP" altLang="en-US" sz="900" b="1" dirty="0"/>
                         <a:t>「いや！私の仕事だから！！」と固執されるご様子・・・</a:t>
                       </a:r>
                     </a:p>
@@ -8778,10 +8845,10 @@
                     <a:lstStyle/>
                     <a:p>
                       <a:r>
-                        <a:rPr kumimoji="1" lang="en-US" altLang="ja-JP" sz="900" b="1"/>
+                        <a:rPr kumimoji="1" lang="en-US" altLang="ja-JP" sz="900" b="1" dirty="0"/>
                         <a:t>0</a:t>
                       </a:r>
-                      <a:endParaRPr kumimoji="1" lang="ja-JP" altLang="en-US" sz="900" b="1"/>
+                      <a:endParaRPr kumimoji="1" lang="ja-JP" altLang="en-US" sz="900" b="1" dirty="0"/>
                     </a:p>
                   </a:txBody>
                   <a:tcPr>
@@ -8836,854 +8903,16 @@
           </a:graphicData>
         </a:graphic>
       </p:graphicFrame>
-      <p:graphicFrame>
-        <p:nvGraphicFramePr>
-          <p:cNvPr id="10" name="表 9">
-            <a:extLst>
-              <a:ext uri="{FF2B5EF4-FFF2-40B4-BE49-F238E27FC236}">
-                <a16:creationId xmlns:a16="http://schemas.microsoft.com/office/drawing/2014/main" id="{9BC41E87-C069-4FA0-8378-6625FDAD4746}"/>
-              </a:ext>
-            </a:extLst>
-          </p:cNvPr>
-          <p:cNvGraphicFramePr>
-            <a:graphicFrameLocks noGrp="1"/>
-          </p:cNvGraphicFramePr>
-          <p:nvPr>
-            <p:extLst/>
-          </p:nvPr>
-        </p:nvGraphicFramePr>
-        <p:xfrm>
-          <a:off x="9853205" y="1781904"/>
-          <a:ext cx="2016000" cy="2069107"/>
-        </p:xfrm>
-        <a:graphic>
-          <a:graphicData uri="http://schemas.openxmlformats.org/drawingml/2006/table">
-            <a:tbl>
-              <a:tblPr firstRow="1" bandRow="1">
-                <a:tableStyleId>{5C22544A-7EE6-4342-B048-85BDC9FD1C3A}</a:tableStyleId>
-              </a:tblPr>
-              <a:tblGrid>
-                <a:gridCol w="540000">
-                  <a:extLst>
-                    <a:ext uri="{9D8B030D-6E8A-4147-A177-3AD203B41FA5}">
-                      <a16:colId xmlns:a16="http://schemas.microsoft.com/office/drawing/2014/main" val="4276538773"/>
-                    </a:ext>
-                  </a:extLst>
-                </a:gridCol>
-                <a:gridCol w="1476000">
-                  <a:extLst>
-                    <a:ext uri="{9D8B030D-6E8A-4147-A177-3AD203B41FA5}">
-                      <a16:colId xmlns:a16="http://schemas.microsoft.com/office/drawing/2014/main" val="1546415730"/>
-                    </a:ext>
-                  </a:extLst>
-                </a:gridCol>
-              </a:tblGrid>
-              <a:tr h="266512">
-                <a:tc>
-                  <a:txBody>
-                    <a:bodyPr/>
-                    <a:lstStyle/>
-                    <a:p>
-                      <a:pPr algn="ctr"/>
-                      <a:r>
-                        <a:rPr kumimoji="1" lang="ja-JP" altLang="en-US" sz="1000">
-                          <a:solidFill>
-                            <a:schemeClr val="bg1"/>
-                          </a:solidFill>
-                        </a:rPr>
-                        <a:t>要因</a:t>
-                      </a:r>
-                    </a:p>
-                  </a:txBody>
-                  <a:tcPr>
-                    <a:lnL w="6350" cap="flat" cmpd="sng" algn="ctr">
-                      <a:solidFill>
-                        <a:schemeClr val="tx1"/>
-                      </a:solidFill>
-                      <a:prstDash val="solid"/>
-                      <a:round/>
-                      <a:headEnd type="none" w="med" len="med"/>
-                      <a:tailEnd type="none" w="med" len="med"/>
-                    </a:lnL>
-                    <a:lnR w="6350" cap="flat" cmpd="sng" algn="ctr">
-                      <a:solidFill>
-                        <a:schemeClr val="tx1"/>
-                      </a:solidFill>
-                      <a:prstDash val="solid"/>
-                      <a:round/>
-                      <a:headEnd type="none" w="med" len="med"/>
-                      <a:tailEnd type="none" w="med" len="med"/>
-                    </a:lnR>
-                    <a:lnT w="6350" cap="flat" cmpd="sng" algn="ctr">
-                      <a:solidFill>
-                        <a:schemeClr val="tx1"/>
-                      </a:solidFill>
-                      <a:prstDash val="solid"/>
-                      <a:round/>
-                      <a:headEnd type="none" w="med" len="med"/>
-                      <a:tailEnd type="none" w="med" len="med"/>
-                    </a:lnT>
-                    <a:lnB w="6350" cap="flat" cmpd="sng" algn="ctr">
-                      <a:solidFill>
-                        <a:schemeClr val="tx1"/>
-                      </a:solidFill>
-                      <a:prstDash val="solid"/>
-                      <a:round/>
-                      <a:headEnd type="none" w="med" len="med"/>
-                      <a:tailEnd type="none" w="med" len="med"/>
-                    </a:lnB>
-                    <a:solidFill>
-                      <a:srgbClr val="0070C0"/>
-                    </a:solidFill>
-                  </a:tcPr>
-                </a:tc>
-                <a:tc>
-                  <a:txBody>
-                    <a:bodyPr/>
-                    <a:lstStyle/>
-                    <a:p>
-                      <a:pPr algn="ctr"/>
-                      <a:r>
-                        <a:rPr kumimoji="1" lang="ja-JP" altLang="en-US" sz="1000">
-                          <a:solidFill>
-                            <a:schemeClr val="bg1"/>
-                          </a:solidFill>
-                        </a:rPr>
-                        <a:t>ケアヒント</a:t>
-                      </a:r>
-                    </a:p>
-                  </a:txBody>
-                  <a:tcPr>
-                    <a:lnL w="6350" cap="flat" cmpd="sng" algn="ctr">
-                      <a:solidFill>
-                        <a:schemeClr val="tx1"/>
-                      </a:solidFill>
-                      <a:prstDash val="solid"/>
-                      <a:round/>
-                      <a:headEnd type="none" w="med" len="med"/>
-                      <a:tailEnd type="none" w="med" len="med"/>
-                    </a:lnL>
-                    <a:lnR w="6350" cap="flat" cmpd="sng" algn="ctr">
-                      <a:solidFill>
-                        <a:schemeClr val="tx1"/>
-                      </a:solidFill>
-                      <a:prstDash val="solid"/>
-                      <a:round/>
-                      <a:headEnd type="none" w="med" len="med"/>
-                      <a:tailEnd type="none" w="med" len="med"/>
-                    </a:lnR>
-                    <a:lnT w="6350" cap="flat" cmpd="sng" algn="ctr">
-                      <a:solidFill>
-                        <a:schemeClr val="tx1"/>
-                      </a:solidFill>
-                      <a:prstDash val="solid"/>
-                      <a:round/>
-                      <a:headEnd type="none" w="med" len="med"/>
-                      <a:tailEnd type="none" w="med" len="med"/>
-                    </a:lnT>
-                    <a:lnB w="6350" cap="flat" cmpd="sng" algn="ctr">
-                      <a:solidFill>
-                        <a:schemeClr val="tx1"/>
-                      </a:solidFill>
-                      <a:prstDash val="solid"/>
-                      <a:round/>
-                      <a:headEnd type="none" w="med" len="med"/>
-                      <a:tailEnd type="none" w="med" len="med"/>
-                    </a:lnB>
-                    <a:solidFill>
-                      <a:srgbClr val="0070C0"/>
-                    </a:solidFill>
-                  </a:tcPr>
-                </a:tc>
-                <a:extLst>
-                  <a:ext uri="{0D108BD9-81ED-4DB2-BD59-A6C34878D82A}">
-                    <a16:rowId xmlns:a16="http://schemas.microsoft.com/office/drawing/2014/main" val="1157040405"/>
-                  </a:ext>
-                </a:extLst>
-              </a:tr>
-              <a:tr h="275692">
-                <a:tc>
-                  <a:txBody>
-                    <a:bodyPr/>
-                    <a:lstStyle/>
-                    <a:p>
-                      <a:r>
-                        <a:rPr kumimoji="1" lang="ja-JP" altLang="en-US" sz="900" b="1"/>
-                        <a:t>睡眠</a:t>
-                      </a:r>
-                    </a:p>
-                  </a:txBody>
-                  <a:tcPr>
-                    <a:lnL w="6350" cap="flat" cmpd="sng" algn="ctr">
-                      <a:solidFill>
-                        <a:schemeClr val="tx1"/>
-                      </a:solidFill>
-                      <a:prstDash val="solid"/>
-                      <a:round/>
-                      <a:headEnd type="none" w="med" len="med"/>
-                      <a:tailEnd type="none" w="med" len="med"/>
-                    </a:lnL>
-                    <a:lnR w="6350" cap="flat" cmpd="sng" algn="ctr">
-                      <a:solidFill>
-                        <a:schemeClr val="tx1"/>
-                      </a:solidFill>
-                      <a:prstDash val="solid"/>
-                      <a:round/>
-                      <a:headEnd type="none" w="med" len="med"/>
-                      <a:tailEnd type="none" w="med" len="med"/>
-                    </a:lnR>
-                    <a:lnT w="6350" cap="flat" cmpd="sng" algn="ctr">
-                      <a:solidFill>
-                        <a:schemeClr val="tx1"/>
-                      </a:solidFill>
-                      <a:prstDash val="solid"/>
-                      <a:round/>
-                      <a:headEnd type="none" w="med" len="med"/>
-                      <a:tailEnd type="none" w="med" len="med"/>
-                    </a:lnT>
-                    <a:lnB w="6350" cap="flat" cmpd="sng" algn="ctr">
-                      <a:solidFill>
-                        <a:schemeClr val="tx1"/>
-                      </a:solidFill>
-                      <a:prstDash val="solid"/>
-                      <a:round/>
-                      <a:headEnd type="none" w="med" len="med"/>
-                      <a:tailEnd type="none" w="med" len="med"/>
-                    </a:lnB>
-                    <a:solidFill>
-                      <a:schemeClr val="bg1"/>
-                    </a:solidFill>
-                  </a:tcPr>
-                </a:tc>
-                <a:tc>
-                  <a:txBody>
-                    <a:bodyPr/>
-                    <a:lstStyle/>
-                    <a:p>
-                      <a:r>
-                        <a:rPr kumimoji="1" lang="ja-JP" altLang="en-US" sz="900" b="1"/>
-                        <a:t>入居前の就寝習慣についてヒアリング・・・</a:t>
-                      </a:r>
-                    </a:p>
-                  </a:txBody>
-                  <a:tcPr>
-                    <a:lnL w="6350" cap="flat" cmpd="sng" algn="ctr">
-                      <a:solidFill>
-                        <a:schemeClr val="tx1"/>
-                      </a:solidFill>
-                      <a:prstDash val="solid"/>
-                      <a:round/>
-                      <a:headEnd type="none" w="med" len="med"/>
-                      <a:tailEnd type="none" w="med" len="med"/>
-                    </a:lnL>
-                    <a:lnR w="6350" cap="flat" cmpd="sng" algn="ctr">
-                      <a:solidFill>
-                        <a:schemeClr val="tx1"/>
-                      </a:solidFill>
-                      <a:prstDash val="solid"/>
-                      <a:round/>
-                      <a:headEnd type="none" w="med" len="med"/>
-                      <a:tailEnd type="none" w="med" len="med"/>
-                    </a:lnR>
-                    <a:lnT w="6350" cap="flat" cmpd="sng" algn="ctr">
-                      <a:solidFill>
-                        <a:schemeClr val="tx1"/>
-                      </a:solidFill>
-                      <a:prstDash val="solid"/>
-                      <a:round/>
-                      <a:headEnd type="none" w="med" len="med"/>
-                      <a:tailEnd type="none" w="med" len="med"/>
-                    </a:lnT>
-                    <a:lnB w="6350" cap="flat" cmpd="sng" algn="ctr">
-                      <a:solidFill>
-                        <a:schemeClr val="tx1"/>
-                      </a:solidFill>
-                      <a:prstDash val="solid"/>
-                      <a:round/>
-                      <a:headEnd type="none" w="med" len="med"/>
-                      <a:tailEnd type="none" w="med" len="med"/>
-                    </a:lnB>
-                    <a:solidFill>
-                      <a:schemeClr val="bg1"/>
-                    </a:solidFill>
-                  </a:tcPr>
-                </a:tc>
-                <a:extLst>
-                  <a:ext uri="{0D108BD9-81ED-4DB2-BD59-A6C34878D82A}">
-                    <a16:rowId xmlns:a16="http://schemas.microsoft.com/office/drawing/2014/main" val="670505865"/>
-                  </a:ext>
-                </a:extLst>
-              </a:tr>
-              <a:tr h="275692">
-                <a:tc>
-                  <a:txBody>
-                    <a:bodyPr/>
-                    <a:lstStyle/>
-                    <a:p>
-                      <a:r>
-                        <a:rPr kumimoji="1" lang="ja-JP" altLang="en-US" sz="900" b="1"/>
-                        <a:t>排便</a:t>
-                      </a:r>
-                    </a:p>
-                  </a:txBody>
-                  <a:tcPr>
-                    <a:lnL w="6350" cap="flat" cmpd="sng" algn="ctr">
-                      <a:solidFill>
-                        <a:schemeClr val="tx1"/>
-                      </a:solidFill>
-                      <a:prstDash val="solid"/>
-                      <a:round/>
-                      <a:headEnd type="none" w="med" len="med"/>
-                      <a:tailEnd type="none" w="med" len="med"/>
-                    </a:lnL>
-                    <a:lnR w="6350" cap="flat" cmpd="sng" algn="ctr">
-                      <a:solidFill>
-                        <a:schemeClr val="tx1"/>
-                      </a:solidFill>
-                      <a:prstDash val="solid"/>
-                      <a:round/>
-                      <a:headEnd type="none" w="med" len="med"/>
-                      <a:tailEnd type="none" w="med" len="med"/>
-                    </a:lnR>
-                    <a:lnT w="6350" cap="flat" cmpd="sng" algn="ctr">
-                      <a:solidFill>
-                        <a:schemeClr val="tx1"/>
-                      </a:solidFill>
-                      <a:prstDash val="solid"/>
-                      <a:round/>
-                      <a:headEnd type="none" w="med" len="med"/>
-                      <a:tailEnd type="none" w="med" len="med"/>
-                    </a:lnT>
-                    <a:lnB w="6350" cap="flat" cmpd="sng" algn="ctr">
-                      <a:solidFill>
-                        <a:schemeClr val="tx1"/>
-                      </a:solidFill>
-                      <a:prstDash val="solid"/>
-                      <a:round/>
-                      <a:headEnd type="none" w="med" len="med"/>
-                      <a:tailEnd type="none" w="med" len="med"/>
-                    </a:lnB>
-                    <a:solidFill>
-                      <a:schemeClr val="bg1"/>
-                    </a:solidFill>
-                  </a:tcPr>
-                </a:tc>
-                <a:tc>
-                  <a:txBody>
-                    <a:bodyPr/>
-                    <a:lstStyle/>
-                    <a:p>
-                      <a:r>
-                        <a:rPr kumimoji="1" lang="ja-JP" altLang="en-US" sz="900" b="1"/>
-                        <a:t>便秘薬の服薬調整・・・</a:t>
-                      </a:r>
-                    </a:p>
-                  </a:txBody>
-                  <a:tcPr>
-                    <a:lnL w="6350" cap="flat" cmpd="sng" algn="ctr">
-                      <a:solidFill>
-                        <a:schemeClr val="tx1"/>
-                      </a:solidFill>
-                      <a:prstDash val="solid"/>
-                      <a:round/>
-                      <a:headEnd type="none" w="med" len="med"/>
-                      <a:tailEnd type="none" w="med" len="med"/>
-                    </a:lnL>
-                    <a:lnR w="6350" cap="flat" cmpd="sng" algn="ctr">
-                      <a:solidFill>
-                        <a:schemeClr val="tx1"/>
-                      </a:solidFill>
-                      <a:prstDash val="solid"/>
-                      <a:round/>
-                      <a:headEnd type="none" w="med" len="med"/>
-                      <a:tailEnd type="none" w="med" len="med"/>
-                    </a:lnR>
-                    <a:lnT w="6350" cap="flat" cmpd="sng" algn="ctr">
-                      <a:solidFill>
-                        <a:schemeClr val="tx1"/>
-                      </a:solidFill>
-                      <a:prstDash val="solid"/>
-                      <a:round/>
-                      <a:headEnd type="none" w="med" len="med"/>
-                      <a:tailEnd type="none" w="med" len="med"/>
-                    </a:lnT>
-                    <a:lnB w="6350" cap="flat" cmpd="sng" algn="ctr">
-                      <a:solidFill>
-                        <a:schemeClr val="tx1"/>
-                      </a:solidFill>
-                      <a:prstDash val="solid"/>
-                      <a:round/>
-                      <a:headEnd type="none" w="med" len="med"/>
-                      <a:tailEnd type="none" w="med" len="med"/>
-                    </a:lnB>
-                    <a:solidFill>
-                      <a:schemeClr val="bg1"/>
-                    </a:solidFill>
-                  </a:tcPr>
-                </a:tc>
-                <a:extLst>
-                  <a:ext uri="{0D108BD9-81ED-4DB2-BD59-A6C34878D82A}">
-                    <a16:rowId xmlns:a16="http://schemas.microsoft.com/office/drawing/2014/main" val="2308519887"/>
-                  </a:ext>
-                </a:extLst>
-              </a:tr>
-              <a:tr h="275692">
-                <a:tc>
-                  <a:txBody>
-                    <a:bodyPr/>
-                    <a:lstStyle/>
-                    <a:p>
-                      <a:r>
-                        <a:rPr kumimoji="1" lang="ja-JP" altLang="en-US" sz="900" b="1"/>
-                        <a:t>血圧</a:t>
-                      </a:r>
-                    </a:p>
-                  </a:txBody>
-                  <a:tcPr>
-                    <a:lnL w="6350" cap="flat" cmpd="sng" algn="ctr">
-                      <a:solidFill>
-                        <a:schemeClr val="tx1"/>
-                      </a:solidFill>
-                      <a:prstDash val="solid"/>
-                      <a:round/>
-                      <a:headEnd type="none" w="med" len="med"/>
-                      <a:tailEnd type="none" w="med" len="med"/>
-                    </a:lnL>
-                    <a:lnR w="6350" cap="flat" cmpd="sng" algn="ctr">
-                      <a:solidFill>
-                        <a:schemeClr val="tx1"/>
-                      </a:solidFill>
-                      <a:prstDash val="solid"/>
-                      <a:round/>
-                      <a:headEnd type="none" w="med" len="med"/>
-                      <a:tailEnd type="none" w="med" len="med"/>
-                    </a:lnR>
-                    <a:lnT w="6350" cap="flat" cmpd="sng" algn="ctr">
-                      <a:solidFill>
-                        <a:schemeClr val="tx1"/>
-                      </a:solidFill>
-                      <a:prstDash val="solid"/>
-                      <a:round/>
-                      <a:headEnd type="none" w="med" len="med"/>
-                      <a:tailEnd type="none" w="med" len="med"/>
-                    </a:lnT>
-                    <a:lnB w="6350" cap="flat" cmpd="sng" algn="ctr">
-                      <a:solidFill>
-                        <a:schemeClr val="tx1"/>
-                      </a:solidFill>
-                      <a:prstDash val="solid"/>
-                      <a:round/>
-                      <a:headEnd type="none" w="med" len="med"/>
-                      <a:tailEnd type="none" w="med" len="med"/>
-                    </a:lnB>
-                    <a:solidFill>
-                      <a:schemeClr val="bg1"/>
-                    </a:solidFill>
-                  </a:tcPr>
-                </a:tc>
-                <a:tc>
-                  <a:txBody>
-                    <a:bodyPr/>
-                    <a:lstStyle/>
-                    <a:p>
-                      <a:r>
-                        <a:rPr kumimoji="1" lang="ja-JP" altLang="en-US" sz="900" b="1"/>
-                        <a:t>バイタル異常について医師への連携・・・</a:t>
-                      </a:r>
-                    </a:p>
-                  </a:txBody>
-                  <a:tcPr>
-                    <a:lnL w="6350" cap="flat" cmpd="sng" algn="ctr">
-                      <a:solidFill>
-                        <a:schemeClr val="tx1"/>
-                      </a:solidFill>
-                      <a:prstDash val="solid"/>
-                      <a:round/>
-                      <a:headEnd type="none" w="med" len="med"/>
-                      <a:tailEnd type="none" w="med" len="med"/>
-                    </a:lnL>
-                    <a:lnR w="6350" cap="flat" cmpd="sng" algn="ctr">
-                      <a:solidFill>
-                        <a:schemeClr val="tx1"/>
-                      </a:solidFill>
-                      <a:prstDash val="solid"/>
-                      <a:round/>
-                      <a:headEnd type="none" w="med" len="med"/>
-                      <a:tailEnd type="none" w="med" len="med"/>
-                    </a:lnR>
-                    <a:lnT w="6350" cap="flat" cmpd="sng" algn="ctr">
-                      <a:solidFill>
-                        <a:schemeClr val="tx1"/>
-                      </a:solidFill>
-                      <a:prstDash val="solid"/>
-                      <a:round/>
-                      <a:headEnd type="none" w="med" len="med"/>
-                      <a:tailEnd type="none" w="med" len="med"/>
-                    </a:lnT>
-                    <a:lnB w="6350" cap="flat" cmpd="sng" algn="ctr">
-                      <a:solidFill>
-                        <a:schemeClr val="tx1"/>
-                      </a:solidFill>
-                      <a:prstDash val="solid"/>
-                      <a:round/>
-                      <a:headEnd type="none" w="med" len="med"/>
-                      <a:tailEnd type="none" w="med" len="med"/>
-                    </a:lnB>
-                    <a:solidFill>
-                      <a:schemeClr val="bg1"/>
-                    </a:solidFill>
-                  </a:tcPr>
-                </a:tc>
-                <a:extLst>
-                  <a:ext uri="{0D108BD9-81ED-4DB2-BD59-A6C34878D82A}">
-                    <a16:rowId xmlns:a16="http://schemas.microsoft.com/office/drawing/2014/main" val="2789084799"/>
-                  </a:ext>
-                </a:extLst>
-              </a:tr>
-              <a:tr h="275692">
-                <a:tc>
-                  <a:txBody>
-                    <a:bodyPr/>
-                    <a:lstStyle/>
-                    <a:p>
-                      <a:r>
-                        <a:rPr kumimoji="1" lang="ja-JP" altLang="en-US" sz="900" b="1"/>
-                        <a:t>・・・</a:t>
-                      </a:r>
-                    </a:p>
-                  </a:txBody>
-                  <a:tcPr>
-                    <a:lnL w="6350" cap="flat" cmpd="sng" algn="ctr">
-                      <a:solidFill>
-                        <a:schemeClr val="tx1"/>
-                      </a:solidFill>
-                      <a:prstDash val="solid"/>
-                      <a:round/>
-                      <a:headEnd type="none" w="med" len="med"/>
-                      <a:tailEnd type="none" w="med" len="med"/>
-                    </a:lnL>
-                    <a:lnR w="6350" cap="flat" cmpd="sng" algn="ctr">
-                      <a:solidFill>
-                        <a:schemeClr val="tx1"/>
-                      </a:solidFill>
-                      <a:prstDash val="solid"/>
-                      <a:round/>
-                      <a:headEnd type="none" w="med" len="med"/>
-                      <a:tailEnd type="none" w="med" len="med"/>
-                    </a:lnR>
-                    <a:lnT w="6350" cap="flat" cmpd="sng" algn="ctr">
-                      <a:solidFill>
-                        <a:schemeClr val="tx1"/>
-                      </a:solidFill>
-                      <a:prstDash val="solid"/>
-                      <a:round/>
-                      <a:headEnd type="none" w="med" len="med"/>
-                      <a:tailEnd type="none" w="med" len="med"/>
-                    </a:lnT>
-                    <a:lnB w="6350" cap="flat" cmpd="sng" algn="ctr">
-                      <a:solidFill>
-                        <a:schemeClr val="tx1"/>
-                      </a:solidFill>
-                      <a:prstDash val="solid"/>
-                      <a:round/>
-                      <a:headEnd type="none" w="med" len="med"/>
-                      <a:tailEnd type="none" w="med" len="med"/>
-                    </a:lnB>
-                    <a:solidFill>
-                      <a:schemeClr val="bg1"/>
-                    </a:solidFill>
-                  </a:tcPr>
-                </a:tc>
-                <a:tc>
-                  <a:txBody>
-                    <a:bodyPr/>
-                    <a:lstStyle/>
-                    <a:p>
-                      <a:endParaRPr kumimoji="1" lang="ja-JP" altLang="en-US" sz="900" b="1"/>
-                    </a:p>
-                  </a:txBody>
-                  <a:tcPr>
-                    <a:lnL w="6350" cap="flat" cmpd="sng" algn="ctr">
-                      <a:solidFill>
-                        <a:schemeClr val="tx1"/>
-                      </a:solidFill>
-                      <a:prstDash val="solid"/>
-                      <a:round/>
-                      <a:headEnd type="none" w="med" len="med"/>
-                      <a:tailEnd type="none" w="med" len="med"/>
-                    </a:lnL>
-                    <a:lnR w="6350" cap="flat" cmpd="sng" algn="ctr">
-                      <a:solidFill>
-                        <a:schemeClr val="tx1"/>
-                      </a:solidFill>
-                      <a:prstDash val="solid"/>
-                      <a:round/>
-                      <a:headEnd type="none" w="med" len="med"/>
-                      <a:tailEnd type="none" w="med" len="med"/>
-                    </a:lnR>
-                    <a:lnT w="6350" cap="flat" cmpd="sng" algn="ctr">
-                      <a:solidFill>
-                        <a:schemeClr val="tx1"/>
-                      </a:solidFill>
-                      <a:prstDash val="solid"/>
-                      <a:round/>
-                      <a:headEnd type="none" w="med" len="med"/>
-                      <a:tailEnd type="none" w="med" len="med"/>
-                    </a:lnT>
-                    <a:lnB w="6350" cap="flat" cmpd="sng" algn="ctr">
-                      <a:solidFill>
-                        <a:schemeClr val="tx1"/>
-                      </a:solidFill>
-                      <a:prstDash val="solid"/>
-                      <a:round/>
-                      <a:headEnd type="none" w="med" len="med"/>
-                      <a:tailEnd type="none" w="med" len="med"/>
-                    </a:lnB>
-                    <a:solidFill>
-                      <a:schemeClr val="bg1"/>
-                    </a:solidFill>
-                  </a:tcPr>
-                </a:tc>
-                <a:extLst>
-                  <a:ext uri="{0D108BD9-81ED-4DB2-BD59-A6C34878D82A}">
-                    <a16:rowId xmlns:a16="http://schemas.microsoft.com/office/drawing/2014/main" val="2616199433"/>
-                  </a:ext>
-                </a:extLst>
-              </a:tr>
-              <a:tr h="275692">
-                <a:tc>
-                  <a:txBody>
-                    <a:bodyPr/>
-                    <a:lstStyle/>
-                    <a:p>
-                      <a:r>
-                        <a:rPr kumimoji="1" lang="ja-JP" altLang="en-US" sz="900" b="1"/>
-                        <a:t>・・・</a:t>
-                      </a:r>
-                    </a:p>
-                  </a:txBody>
-                  <a:tcPr>
-                    <a:lnL w="6350" cap="flat" cmpd="sng" algn="ctr">
-                      <a:solidFill>
-                        <a:schemeClr val="tx1"/>
-                      </a:solidFill>
-                      <a:prstDash val="solid"/>
-                      <a:round/>
-                      <a:headEnd type="none" w="med" len="med"/>
-                      <a:tailEnd type="none" w="med" len="med"/>
-                    </a:lnL>
-                    <a:lnR w="6350" cap="flat" cmpd="sng" algn="ctr">
-                      <a:solidFill>
-                        <a:schemeClr val="tx1"/>
-                      </a:solidFill>
-                      <a:prstDash val="solid"/>
-                      <a:round/>
-                      <a:headEnd type="none" w="med" len="med"/>
-                      <a:tailEnd type="none" w="med" len="med"/>
-                    </a:lnR>
-                    <a:lnT w="6350" cap="flat" cmpd="sng" algn="ctr">
-                      <a:solidFill>
-                        <a:schemeClr val="tx1"/>
-                      </a:solidFill>
-                      <a:prstDash val="solid"/>
-                      <a:round/>
-                      <a:headEnd type="none" w="med" len="med"/>
-                      <a:tailEnd type="none" w="med" len="med"/>
-                    </a:lnT>
-                    <a:lnB w="6350" cap="flat" cmpd="sng" algn="ctr">
-                      <a:solidFill>
-                        <a:schemeClr val="tx1"/>
-                      </a:solidFill>
-                      <a:prstDash val="solid"/>
-                      <a:round/>
-                      <a:headEnd type="none" w="med" len="med"/>
-                      <a:tailEnd type="none" w="med" len="med"/>
-                    </a:lnB>
-                    <a:solidFill>
-                      <a:schemeClr val="bg1"/>
-                    </a:solidFill>
-                  </a:tcPr>
-                </a:tc>
-                <a:tc>
-                  <a:txBody>
-                    <a:bodyPr/>
-                    <a:lstStyle/>
-                    <a:p>
-                      <a:endParaRPr kumimoji="1" lang="ja-JP" altLang="en-US" sz="900" b="1"/>
-                    </a:p>
-                  </a:txBody>
-                  <a:tcPr>
-                    <a:lnL w="6350" cap="flat" cmpd="sng" algn="ctr">
-                      <a:solidFill>
-                        <a:schemeClr val="tx1"/>
-                      </a:solidFill>
-                      <a:prstDash val="solid"/>
-                      <a:round/>
-                      <a:headEnd type="none" w="med" len="med"/>
-                      <a:tailEnd type="none" w="med" len="med"/>
-                    </a:lnL>
-                    <a:lnR w="6350" cap="flat" cmpd="sng" algn="ctr">
-                      <a:solidFill>
-                        <a:schemeClr val="tx1"/>
-                      </a:solidFill>
-                      <a:prstDash val="solid"/>
-                      <a:round/>
-                      <a:headEnd type="none" w="med" len="med"/>
-                      <a:tailEnd type="none" w="med" len="med"/>
-                    </a:lnR>
-                    <a:lnT w="6350" cap="flat" cmpd="sng" algn="ctr">
-                      <a:solidFill>
-                        <a:schemeClr val="tx1"/>
-                      </a:solidFill>
-                      <a:prstDash val="solid"/>
-                      <a:round/>
-                      <a:headEnd type="none" w="med" len="med"/>
-                      <a:tailEnd type="none" w="med" len="med"/>
-                    </a:lnT>
-                    <a:lnB w="6350" cap="flat" cmpd="sng" algn="ctr">
-                      <a:solidFill>
-                        <a:schemeClr val="tx1"/>
-                      </a:solidFill>
-                      <a:prstDash val="solid"/>
-                      <a:round/>
-                      <a:headEnd type="none" w="med" len="med"/>
-                      <a:tailEnd type="none" w="med" len="med"/>
-                    </a:lnB>
-                    <a:solidFill>
-                      <a:schemeClr val="bg1"/>
-                    </a:solidFill>
-                  </a:tcPr>
-                </a:tc>
-                <a:extLst>
-                  <a:ext uri="{0D108BD9-81ED-4DB2-BD59-A6C34878D82A}">
-                    <a16:rowId xmlns:a16="http://schemas.microsoft.com/office/drawing/2014/main" val="715873111"/>
-                  </a:ext>
-                </a:extLst>
-              </a:tr>
-              <a:tr h="243999">
-                <a:tc>
-                  <a:txBody>
-                    <a:bodyPr/>
-                    <a:lstStyle/>
-                    <a:p>
-                      <a:r>
-                        <a:rPr kumimoji="1" lang="ja-JP" altLang="en-US" sz="900" b="1"/>
-                        <a:t>・・・</a:t>
-                      </a:r>
-                    </a:p>
-                  </a:txBody>
-                  <a:tcPr>
-                    <a:lnL w="6350" cap="flat" cmpd="sng" algn="ctr">
-                      <a:solidFill>
-                        <a:schemeClr val="tx1"/>
-                      </a:solidFill>
-                      <a:prstDash val="solid"/>
-                      <a:round/>
-                      <a:headEnd type="none" w="med" len="med"/>
-                      <a:tailEnd type="none" w="med" len="med"/>
-                    </a:lnL>
-                    <a:lnR w="6350" cap="flat" cmpd="sng" algn="ctr">
-                      <a:solidFill>
-                        <a:schemeClr val="tx1"/>
-                      </a:solidFill>
-                      <a:prstDash val="solid"/>
-                      <a:round/>
-                      <a:headEnd type="none" w="med" len="med"/>
-                      <a:tailEnd type="none" w="med" len="med"/>
-                    </a:lnR>
-                    <a:lnT w="6350" cap="flat" cmpd="sng" algn="ctr">
-                      <a:solidFill>
-                        <a:schemeClr val="tx1"/>
-                      </a:solidFill>
-                      <a:prstDash val="solid"/>
-                      <a:round/>
-                      <a:headEnd type="none" w="med" len="med"/>
-                      <a:tailEnd type="none" w="med" len="med"/>
-                    </a:lnT>
-                    <a:lnB w="6350" cap="flat" cmpd="sng" algn="ctr">
-                      <a:solidFill>
-                        <a:schemeClr val="tx1"/>
-                      </a:solidFill>
-                      <a:prstDash val="solid"/>
-                      <a:round/>
-                      <a:headEnd type="none" w="med" len="med"/>
-                      <a:tailEnd type="none" w="med" len="med"/>
-                    </a:lnB>
-                    <a:solidFill>
-                      <a:schemeClr val="bg1"/>
-                    </a:solidFill>
-                  </a:tcPr>
-                </a:tc>
-                <a:tc>
-                  <a:txBody>
-                    <a:bodyPr/>
-                    <a:lstStyle/>
-                    <a:p>
-                      <a:endParaRPr kumimoji="1" lang="ja-JP" altLang="en-US" sz="900" b="1"/>
-                    </a:p>
-                  </a:txBody>
-                  <a:tcPr>
-                    <a:lnL w="6350" cap="flat" cmpd="sng" algn="ctr">
-                      <a:solidFill>
-                        <a:schemeClr val="tx1"/>
-                      </a:solidFill>
-                      <a:prstDash val="solid"/>
-                      <a:round/>
-                      <a:headEnd type="none" w="med" len="med"/>
-                      <a:tailEnd type="none" w="med" len="med"/>
-                    </a:lnL>
-                    <a:lnR w="6350" cap="flat" cmpd="sng" algn="ctr">
-                      <a:solidFill>
-                        <a:schemeClr val="tx1"/>
-                      </a:solidFill>
-                      <a:prstDash val="solid"/>
-                      <a:round/>
-                      <a:headEnd type="none" w="med" len="med"/>
-                      <a:tailEnd type="none" w="med" len="med"/>
-                    </a:lnR>
-                    <a:lnT w="6350" cap="flat" cmpd="sng" algn="ctr">
-                      <a:solidFill>
-                        <a:schemeClr val="tx1"/>
-                      </a:solidFill>
-                      <a:prstDash val="solid"/>
-                      <a:round/>
-                      <a:headEnd type="none" w="med" len="med"/>
-                      <a:tailEnd type="none" w="med" len="med"/>
-                    </a:lnT>
-                    <a:lnB w="6350" cap="flat" cmpd="sng" algn="ctr">
-                      <a:solidFill>
-                        <a:schemeClr val="tx1"/>
-                      </a:solidFill>
-                      <a:prstDash val="solid"/>
-                      <a:round/>
-                      <a:headEnd type="none" w="med" len="med"/>
-                      <a:tailEnd type="none" w="med" len="med"/>
-                    </a:lnB>
-                    <a:solidFill>
-                      <a:schemeClr val="bg1"/>
-                    </a:solidFill>
-                  </a:tcPr>
-                </a:tc>
-                <a:extLst>
-                  <a:ext uri="{0D108BD9-81ED-4DB2-BD59-A6C34878D82A}">
-                    <a16:rowId xmlns:a16="http://schemas.microsoft.com/office/drawing/2014/main" val="901994434"/>
-                  </a:ext>
-                </a:extLst>
-              </a:tr>
-            </a:tbl>
-          </a:graphicData>
-        </a:graphic>
-      </p:graphicFrame>
-      <p:sp>
-        <p:nvSpPr>
-          <p:cNvPr id="11" name="右矢印 10"/>
+      <p:sp>
+        <p:nvSpPr>
+          <p:cNvPr id="12" name="右矢印 11"/>
           <p:cNvSpPr/>
           <p:nvPr/>
         </p:nvSpPr>
         <p:spPr bwMode="auto">
           <a:xfrm>
-            <a:off x="8994118" y="2288451"/>
-            <a:ext cx="595107" cy="484632"/>
+            <a:off x="6916554" y="2062699"/>
+            <a:ext cx="1600200" cy="484632"/>
           </a:xfrm>
           <a:prstGeom prst="rightArrow">
             <a:avLst/>
@@ -9728,14 +8957,14 @@
       </p:sp>
       <p:sp>
         <p:nvSpPr>
-          <p:cNvPr id="12" name="右矢印 11"/>
+          <p:cNvPr id="13" name="右矢印 12"/>
           <p:cNvSpPr/>
           <p:nvPr/>
         </p:nvSpPr>
         <p:spPr bwMode="auto">
           <a:xfrm>
-            <a:off x="5664892" y="2288451"/>
-            <a:ext cx="595107" cy="484632"/>
+            <a:off x="3571509" y="2100534"/>
+            <a:ext cx="801901" cy="484632"/>
           </a:xfrm>
           <a:prstGeom prst="rightArrow">
             <a:avLst/>
@@ -9778,58 +9007,6 @@
           </a:p>
         </p:txBody>
       </p:sp>
-      <p:sp>
-        <p:nvSpPr>
-          <p:cNvPr id="13" name="右矢印 12"/>
-          <p:cNvSpPr/>
-          <p:nvPr/>
-        </p:nvSpPr>
-        <p:spPr bwMode="auto">
-          <a:xfrm>
-            <a:off x="2923468" y="2326286"/>
-            <a:ext cx="705588" cy="484632"/>
-          </a:xfrm>
-          <a:prstGeom prst="rightArrow">
-            <a:avLst/>
-          </a:prstGeom>
-          <a:solidFill>
-            <a:schemeClr val="bg2">
-              <a:lumMod val="85000"/>
-            </a:schemeClr>
-          </a:solidFill>
-          <a:ln w="28575" cap="flat" cmpd="sng" algn="ctr">
-            <a:noFill/>
-            <a:prstDash val="solid"/>
-            <a:round/>
-            <a:headEnd type="none" w="med" len="med"/>
-            <a:tailEnd type="none" w="med" len="med"/>
-          </a:ln>
-          <a:effectLst/>
-        </p:spPr>
-        <p:txBody>
-          <a:bodyPr vert="horz" wrap="square" lIns="90000" tIns="46800" rIns="90000" bIns="46800" numCol="1" rtlCol="0" anchor="ctr" anchorCtr="0" compatLnSpc="1">
-            <a:prstTxWarp prst="textNoShape">
-              <a:avLst/>
-            </a:prstTxWarp>
-          </a:bodyPr>
-          <a:lstStyle/>
-          <a:p>
-            <a:pPr algn="l">
-              <a:lnSpc>
-                <a:spcPct val="110000"/>
-              </a:lnSpc>
-            </a:pPr>
-            <a:endParaRPr kumimoji="1" lang="ja-JP" altLang="en-US" sz="2000">
-              <a:solidFill>
-                <a:schemeClr val="bg1"/>
-              </a:solidFill>
-              <a:latin typeface="Meiryo UI" pitchFamily="50" charset="-128"/>
-              <a:ea typeface="Meiryo UI" pitchFamily="50" charset="-128"/>
-              <a:cs typeface="Meiryo UI" pitchFamily="50" charset="-128"/>
-            </a:endParaRPr>
-          </a:p>
-        </p:txBody>
-      </p:sp>
       <p:pic>
         <p:nvPicPr>
           <p:cNvPr id="14" name="図 13"/>
@@ -9839,14 +9016,14 @@
           <p:nvPr/>
         </p:nvPicPr>
         <p:blipFill>
-          <a:blip r:embed="rId3"/>
+          <a:blip r:embed="rId4"/>
           <a:stretch>
             <a:fillRect/>
           </a:stretch>
         </p:blipFill>
         <p:spPr>
           <a:xfrm>
-            <a:off x="3737534" y="4230176"/>
+            <a:off x="5762194" y="3177350"/>
             <a:ext cx="1429898" cy="1844824"/>
           </a:xfrm>
           <a:prstGeom prst="rect">
@@ -9863,15 +9040,15 @@
           <p:nvPr/>
         </p:nvPicPr>
         <p:blipFill>
-          <a:blip r:embed="rId4"/>
+          <a:blip r:embed="rId5"/>
           <a:stretch>
             <a:fillRect/>
           </a:stretch>
         </p:blipFill>
         <p:spPr>
           <a:xfrm>
-            <a:off x="6280990" y="1898297"/>
-            <a:ext cx="2577476" cy="1656184"/>
+            <a:off x="8710774" y="1719239"/>
+            <a:ext cx="2159526" cy="1656184"/>
           </a:xfrm>
           <a:prstGeom prst="rect">
             <a:avLst/>
@@ -9886,8 +9063,8 @@
         </p:nvSpPr>
         <p:spPr>
           <a:xfrm>
-            <a:off x="974506" y="1457214"/>
-            <a:ext cx="1451038" cy="305725"/>
+            <a:off x="1354375" y="1250427"/>
+            <a:ext cx="1471878" cy="305725"/>
           </a:xfrm>
           <a:prstGeom prst="rect">
             <a:avLst/>
@@ -9909,7 +9086,7 @@
               </a:spcBef>
             </a:pPr>
             <a:r>
-              <a:rPr kumimoji="1" lang="ja-JP" altLang="en-US" sz="1400" b="0">
+              <a:rPr kumimoji="1" lang="ja-JP" altLang="en-US" sz="1400" b="1" dirty="0">
                 <a:latin typeface="Meiryo UI" panose="020B0604030504040204" pitchFamily="50" charset="-128"/>
                 <a:ea typeface="Meiryo UI" panose="020B0604030504040204" pitchFamily="50" charset="-128"/>
                 <a:cs typeface="Meiryo UI" panose="020B0604030504040204" pitchFamily="50" charset="-128"/>
@@ -9927,8 +9104,8 @@
         </p:nvSpPr>
         <p:spPr>
           <a:xfrm>
-            <a:off x="3916255" y="1457214"/>
-            <a:ext cx="1378904" cy="329321"/>
+            <a:off x="5094882" y="1218702"/>
+            <a:ext cx="1420582" cy="305725"/>
           </a:xfrm>
           <a:prstGeom prst="rect">
             <a:avLst/>
@@ -9950,7 +9127,7 @@
               </a:spcBef>
             </a:pPr>
             <a:r>
-              <a:rPr kumimoji="1" lang="en-US" altLang="ja-JP" sz="1400" b="0">
+              <a:rPr kumimoji="1" lang="en-US" altLang="ja-JP" sz="1400" b="1" dirty="0" smtClean="0">
                 <a:latin typeface="Meiryo UI" panose="020B0604030504040204" pitchFamily="50" charset="-128"/>
                 <a:ea typeface="Meiryo UI" panose="020B0604030504040204" pitchFamily="50" charset="-128"/>
                 <a:cs typeface="Meiryo UI" panose="020B0604030504040204" pitchFamily="50" charset="-128"/>
@@ -9958,21 +9135,18 @@
               <a:t>BPSD</a:t>
             </a:r>
             <a:r>
-              <a:rPr lang="ja-JP" altLang="en-US" sz="1400">
+              <a:rPr lang="ja-JP" altLang="en-US" sz="1400" b="1" dirty="0" smtClean="0">
                 <a:latin typeface="Meiryo UI" panose="020B0604030504040204" pitchFamily="50" charset="-128"/>
                 <a:ea typeface="Meiryo UI" panose="020B0604030504040204" pitchFamily="50" charset="-128"/>
                 <a:cs typeface="Meiryo UI" panose="020B0604030504040204" pitchFamily="50" charset="-128"/>
               </a:rPr>
-              <a:t>判別</a:t>
-            </a:r>
-            <a:r>
-              <a:rPr kumimoji="1" lang="ja-JP" altLang="en-US" sz="1400" b="0">
-                <a:latin typeface="Meiryo UI" panose="020B0604030504040204" pitchFamily="50" charset="-128"/>
-                <a:ea typeface="Meiryo UI" panose="020B0604030504040204" pitchFamily="50" charset="-128"/>
-                <a:cs typeface="Meiryo UI" panose="020B0604030504040204" pitchFamily="50" charset="-128"/>
-              </a:rPr>
-              <a:t>結果</a:t>
-            </a:r>
+              <a:t>予測結果</a:t>
+            </a:r>
+            <a:endParaRPr kumimoji="1" lang="ja-JP" altLang="en-US" sz="1400" b="1" dirty="0">
+              <a:latin typeface="Meiryo UI" panose="020B0604030504040204" pitchFamily="50" charset="-128"/>
+              <a:ea typeface="Meiryo UI" panose="020B0604030504040204" pitchFamily="50" charset="-128"/>
+              <a:cs typeface="Meiryo UI" panose="020B0604030504040204" pitchFamily="50" charset="-128"/>
+            </a:endParaRPr>
           </a:p>
         </p:txBody>
       </p:sp>
@@ -9984,8 +9158,8 @@
         </p:nvSpPr>
         <p:spPr>
           <a:xfrm>
-            <a:off x="3772888" y="3924451"/>
-            <a:ext cx="1317990" cy="305725"/>
+            <a:off x="6515464" y="2896172"/>
+            <a:ext cx="1353256" cy="305725"/>
           </a:xfrm>
           <a:prstGeom prst="rect">
             <a:avLst/>
@@ -10007,7 +9181,7 @@
               </a:spcBef>
             </a:pPr>
             <a:r>
-              <a:rPr kumimoji="1" lang="ja-JP" altLang="en-US" sz="1400" b="0">
+              <a:rPr kumimoji="1" lang="ja-JP" altLang="en-US" sz="1400" b="1" dirty="0">
                 <a:latin typeface="Meiryo UI" panose="020B0604030504040204" pitchFamily="50" charset="-128"/>
                 <a:ea typeface="Meiryo UI" panose="020B0604030504040204" pitchFamily="50" charset="-128"/>
                 <a:cs typeface="Meiryo UI" panose="020B0604030504040204" pitchFamily="50" charset="-128"/>
@@ -10025,8 +9199,8 @@
         </p:nvSpPr>
         <p:spPr bwMode="auto">
           <a:xfrm>
-            <a:off x="5465726" y="3851011"/>
-            <a:ext cx="1898588" cy="1420736"/>
+            <a:off x="7382898" y="3582285"/>
+            <a:ext cx="2286000" cy="992563"/>
           </a:xfrm>
           <a:prstGeom prst="bentUpArrow">
             <a:avLst>
@@ -10081,8 +9255,8 @@
         </p:nvSpPr>
         <p:spPr>
           <a:xfrm>
-            <a:off x="6899626" y="1457214"/>
-            <a:ext cx="1378904" cy="329321"/>
+            <a:off x="9143202" y="1352489"/>
+            <a:ext cx="1810111" cy="329321"/>
           </a:xfrm>
           <a:prstGeom prst="rect">
             <a:avLst/>
@@ -10104,7 +9278,7 @@
               </a:spcBef>
             </a:pPr>
             <a:r>
-              <a:rPr kumimoji="1" lang="en-US" altLang="ja-JP" sz="1400" b="0">
+              <a:rPr kumimoji="1" lang="en-US" altLang="ja-JP" sz="1400" b="1" dirty="0">
                 <a:latin typeface="Meiryo UI" panose="020B0604030504040204" pitchFamily="50" charset="-128"/>
                 <a:ea typeface="Meiryo UI" panose="020B0604030504040204" pitchFamily="50" charset="-128"/>
                 <a:cs typeface="Meiryo UI" panose="020B0604030504040204" pitchFamily="50" charset="-128"/>
@@ -10112,16 +9286,53 @@
               <a:t>BPSD</a:t>
             </a:r>
             <a:r>
-              <a:rPr kumimoji="1" lang="ja-JP" altLang="en-US" sz="1400" b="0">
+              <a:rPr kumimoji="1" lang="ja-JP" altLang="en-US" sz="1400" b="1" dirty="0">
                 <a:latin typeface="Meiryo UI" panose="020B0604030504040204" pitchFamily="50" charset="-128"/>
                 <a:ea typeface="Meiryo UI" panose="020B0604030504040204" pitchFamily="50" charset="-128"/>
                 <a:cs typeface="Meiryo UI" panose="020B0604030504040204" pitchFamily="50" charset="-128"/>
               </a:rPr>
-              <a:t>発生要因</a:t>
-            </a:r>
-          </a:p>
-        </p:txBody>
-      </p:sp>
+              <a:t>発生</a:t>
+            </a:r>
+            <a:r>
+              <a:rPr kumimoji="1" lang="ja-JP" altLang="en-US" sz="1400" b="1" dirty="0" smtClean="0">
+                <a:latin typeface="Meiryo UI" panose="020B0604030504040204" pitchFamily="50" charset="-128"/>
+                <a:ea typeface="Meiryo UI" panose="020B0604030504040204" pitchFamily="50" charset="-128"/>
+                <a:cs typeface="Meiryo UI" panose="020B0604030504040204" pitchFamily="50" charset="-128"/>
+              </a:rPr>
+              <a:t>要因予測</a:t>
+            </a:r>
+            <a:endParaRPr kumimoji="1" lang="ja-JP" altLang="en-US" sz="1400" b="1" dirty="0">
+              <a:latin typeface="Meiryo UI" panose="020B0604030504040204" pitchFamily="50" charset="-128"/>
+              <a:ea typeface="Meiryo UI" panose="020B0604030504040204" pitchFamily="50" charset="-128"/>
+              <a:cs typeface="Meiryo UI" panose="020B0604030504040204" pitchFamily="50" charset="-128"/>
+            </a:endParaRPr>
+          </a:p>
+        </p:txBody>
+      </p:sp>
+      <p:pic>
+        <p:nvPicPr>
+          <p:cNvPr id="3" name="図 2"/>
+          <p:cNvPicPr>
+            <a:picLocks noChangeAspect="1"/>
+          </p:cNvPicPr>
+          <p:nvPr/>
+        </p:nvPicPr>
+        <p:blipFill>
+          <a:blip r:embed="rId6"/>
+          <a:stretch>
+            <a:fillRect/>
+          </a:stretch>
+        </p:blipFill>
+        <p:spPr>
+          <a:xfrm>
+            <a:off x="870104" y="4572808"/>
+            <a:ext cx="2849233" cy="445613"/>
+          </a:xfrm>
+          <a:prstGeom prst="rect">
+            <a:avLst/>
+          </a:prstGeom>
+        </p:spPr>
+      </p:pic>
       <p:sp>
         <p:nvSpPr>
           <p:cNvPr id="21" name="テキスト ボックス 20"/>
@@ -10130,8 +9341,8 @@
         </p:nvSpPr>
         <p:spPr>
           <a:xfrm>
-            <a:off x="10074238" y="1457214"/>
-            <a:ext cx="1651414" cy="329321"/>
+            <a:off x="1354375" y="3378338"/>
+            <a:ext cx="1223412" cy="305725"/>
           </a:xfrm>
           <a:prstGeom prst="rect">
             <a:avLst/>
@@ -10153,37 +9364,138 @@
               </a:spcBef>
             </a:pPr>
             <a:r>
-              <a:rPr kumimoji="1" lang="ja-JP" altLang="en-US" sz="1400" b="0">
+              <a:rPr kumimoji="1" lang="ja-JP" altLang="en-US" sz="1400" b="1" dirty="0" smtClean="0">
                 <a:latin typeface="Meiryo UI" panose="020B0604030504040204" pitchFamily="50" charset="-128"/>
                 <a:ea typeface="Meiryo UI" panose="020B0604030504040204" pitchFamily="50" charset="-128"/>
                 <a:cs typeface="Meiryo UI" panose="020B0604030504040204" pitchFamily="50" charset="-128"/>
               </a:rPr>
-              <a:t>ケア方針のレコメンド</a:t>
-            </a:r>
-          </a:p>
-        </p:txBody>
-      </p:sp>
-      <p:sp>
-        <p:nvSpPr>
-          <p:cNvPr id="24" name="円形吹き出し 23"/>
+              <a:t>センサーデータ</a:t>
+            </a:r>
+            <a:endParaRPr kumimoji="1" lang="ja-JP" altLang="en-US" sz="1400" b="1" dirty="0">
+              <a:latin typeface="Meiryo UI" panose="020B0604030504040204" pitchFamily="50" charset="-128"/>
+              <a:ea typeface="Meiryo UI" panose="020B0604030504040204" pitchFamily="50" charset="-128"/>
+              <a:cs typeface="Meiryo UI" panose="020B0604030504040204" pitchFamily="50" charset="-128"/>
+            </a:endParaRPr>
+          </a:p>
+        </p:txBody>
+      </p:sp>
+      <p:sp>
+        <p:nvSpPr>
+          <p:cNvPr id="22" name="テキスト ボックス 21"/>
+          <p:cNvSpPr txBox="1"/>
+          <p:nvPr/>
+        </p:nvSpPr>
+        <p:spPr>
+          <a:xfrm>
+            <a:off x="1354375" y="3757903"/>
+            <a:ext cx="1261884" cy="931537"/>
+          </a:xfrm>
+          <a:prstGeom prst="rect">
+            <a:avLst/>
+          </a:prstGeom>
+          <a:noFill/>
+        </p:spPr>
+        <p:txBody>
+          <a:bodyPr wrap="none" rtlCol="0">
+            <a:spAutoFit/>
+          </a:bodyPr>
+          <a:lstStyle/>
+          <a:p>
+            <a:pPr marL="285750" indent="-285750" algn="l">
+              <a:lnSpc>
+                <a:spcPct val="110000"/>
+              </a:lnSpc>
+              <a:spcBef>
+                <a:spcPts val="450"/>
+              </a:spcBef>
+              <a:buFont typeface="Arial" panose="020B0604020202020204" pitchFamily="34" charset="0"/>
+              <a:buChar char="•"/>
+            </a:pPr>
+            <a:r>
+              <a:rPr kumimoji="1" lang="ja-JP" altLang="en-US" sz="1400" b="1" dirty="0" smtClean="0">
+                <a:latin typeface="Meiryo UI" panose="020B0604030504040204" pitchFamily="50" charset="-128"/>
+                <a:ea typeface="Meiryo UI" panose="020B0604030504040204" pitchFamily="50" charset="-128"/>
+                <a:cs typeface="Meiryo UI" panose="020B0604030504040204" pitchFamily="50" charset="-128"/>
+              </a:rPr>
+              <a:t>睡眠センサ</a:t>
+            </a:r>
+            <a:endParaRPr kumimoji="1" lang="en-US" altLang="ja-JP" sz="1400" b="1" dirty="0" smtClean="0">
+              <a:latin typeface="Meiryo UI" panose="020B0604030504040204" pitchFamily="50" charset="-128"/>
+              <a:ea typeface="Meiryo UI" panose="020B0604030504040204" pitchFamily="50" charset="-128"/>
+              <a:cs typeface="Meiryo UI" panose="020B0604030504040204" pitchFamily="50" charset="-128"/>
+            </a:endParaRPr>
+          </a:p>
+          <a:p>
+            <a:pPr marL="285750" indent="-285750" algn="l">
+              <a:lnSpc>
+                <a:spcPct val="110000"/>
+              </a:lnSpc>
+              <a:spcBef>
+                <a:spcPts val="450"/>
+              </a:spcBef>
+              <a:buFont typeface="Arial" panose="020B0604020202020204" pitchFamily="34" charset="0"/>
+              <a:buChar char="•"/>
+            </a:pPr>
+            <a:r>
+              <a:rPr lang="ja-JP" altLang="en-US" sz="1400" b="1" dirty="0" smtClean="0">
+                <a:latin typeface="Meiryo UI" panose="020B0604030504040204" pitchFamily="50" charset="-128"/>
+                <a:ea typeface="Meiryo UI" panose="020B0604030504040204" pitchFamily="50" charset="-128"/>
+                <a:cs typeface="Meiryo UI" panose="020B0604030504040204" pitchFamily="50" charset="-128"/>
+              </a:rPr>
+              <a:t>排泄センサ</a:t>
+            </a:r>
+            <a:endParaRPr lang="en-US" altLang="ja-JP" sz="1400" b="1" dirty="0" smtClean="0">
+              <a:latin typeface="Meiryo UI" panose="020B0604030504040204" pitchFamily="50" charset="-128"/>
+              <a:ea typeface="Meiryo UI" panose="020B0604030504040204" pitchFamily="50" charset="-128"/>
+              <a:cs typeface="Meiryo UI" panose="020B0604030504040204" pitchFamily="50" charset="-128"/>
+            </a:endParaRPr>
+          </a:p>
+          <a:p>
+            <a:pPr algn="l">
+              <a:lnSpc>
+                <a:spcPct val="110000"/>
+              </a:lnSpc>
+              <a:spcBef>
+                <a:spcPts val="450"/>
+              </a:spcBef>
+            </a:pPr>
+            <a:r>
+              <a:rPr lang="ja-JP" altLang="en-US" sz="1400" b="1" dirty="0">
+                <a:latin typeface="Meiryo UI" panose="020B0604030504040204" pitchFamily="50" charset="-128"/>
+                <a:ea typeface="Meiryo UI" panose="020B0604030504040204" pitchFamily="50" charset="-128"/>
+                <a:cs typeface="Meiryo UI" panose="020B0604030504040204" pitchFamily="50" charset="-128"/>
+              </a:rPr>
+              <a:t>など</a:t>
+            </a:r>
+            <a:endParaRPr kumimoji="1" lang="ja-JP" altLang="en-US" sz="1400" b="1" dirty="0">
+              <a:latin typeface="Meiryo UI" panose="020B0604030504040204" pitchFamily="50" charset="-128"/>
+              <a:ea typeface="Meiryo UI" panose="020B0604030504040204" pitchFamily="50" charset="-128"/>
+              <a:cs typeface="Meiryo UI" panose="020B0604030504040204" pitchFamily="50" charset="-128"/>
+            </a:endParaRPr>
+          </a:p>
+        </p:txBody>
+      </p:sp>
+      <p:sp>
+        <p:nvSpPr>
+          <p:cNvPr id="23" name="屈折矢印 22"/>
           <p:cNvSpPr/>
           <p:nvPr/>
         </p:nvSpPr>
         <p:spPr bwMode="auto">
           <a:xfrm>
-            <a:off x="8396392" y="3518246"/>
-            <a:ext cx="1775361" cy="864561"/>
+            <a:off x="3046779" y="3582285"/>
+            <a:ext cx="2286000" cy="992563"/>
           </a:xfrm>
-          <a:prstGeom prst="wedgeEllipseCallout">
+          <a:prstGeom prst="bentUpArrow">
             <a:avLst>
-              <a:gd name="adj1" fmla="val 1127"/>
-              <a:gd name="adj2" fmla="val -92250"/>
+              <a:gd name="adj1" fmla="val 17516"/>
+              <a:gd name="adj2" fmla="val 25000"/>
+              <a:gd name="adj3" fmla="val 14024"/>
             </a:avLst>
           </a:prstGeom>
           <a:solidFill>
-            <a:schemeClr val="accent3">
-              <a:lumMod val="20000"/>
-              <a:lumOff val="80000"/>
+            <a:schemeClr val="bg2">
+              <a:lumMod val="85000"/>
             </a:schemeClr>
           </a:solidFill>
           <a:ln w="28575" cap="flat" cmpd="sng" algn="ctr">
@@ -10196,7 +9508,7 @@
           <a:effectLst/>
         </p:spPr>
         <p:txBody>
-          <a:bodyPr vert="horz" wrap="none" lIns="90000" tIns="46800" rIns="90000" bIns="46800" numCol="1" rtlCol="0" anchor="ctr" anchorCtr="0" compatLnSpc="1">
+          <a:bodyPr vert="horz" wrap="square" lIns="90000" tIns="46800" rIns="90000" bIns="46800" numCol="1" rtlCol="0" anchor="ctr" anchorCtr="0" compatLnSpc="1">
             <a:prstTxWarp prst="textNoShape">
               <a:avLst/>
             </a:prstTxWarp>
@@ -10208,53 +9520,601 @@
                 <a:spcPct val="110000"/>
               </a:lnSpc>
             </a:pPr>
-            <a:r>
-              <a:rPr kumimoji="1" lang="ja-JP" altLang="en-US" sz="1200">
-                <a:latin typeface="Meiryo UI" pitchFamily="50" charset="-128"/>
-                <a:ea typeface="Meiryo UI" pitchFamily="50" charset="-128"/>
-                <a:cs typeface="Meiryo UI" pitchFamily="50" charset="-128"/>
-              </a:rPr>
-              <a:t>ケアレコメンド用の</a:t>
-            </a:r>
-            <a:endParaRPr kumimoji="1" lang="en-US" altLang="ja-JP" sz="1200">
+            <a:endParaRPr kumimoji="1" lang="ja-JP" altLang="en-US" sz="2000">
+              <a:solidFill>
+                <a:schemeClr val="bg1"/>
+              </a:solidFill>
               <a:latin typeface="Meiryo UI" pitchFamily="50" charset="-128"/>
               <a:ea typeface="Meiryo UI" pitchFamily="50" charset="-128"/>
               <a:cs typeface="Meiryo UI" pitchFamily="50" charset="-128"/>
             </a:endParaRPr>
           </a:p>
+        </p:txBody>
+      </p:sp>
+      <p:sp>
+        <p:nvSpPr>
+          <p:cNvPr id="24" name="テキスト ボックス 23"/>
+          <p:cNvSpPr txBox="1"/>
+          <p:nvPr/>
+        </p:nvSpPr>
+        <p:spPr>
+          <a:xfrm>
+            <a:off x="3120989" y="2908563"/>
+            <a:ext cx="1726756" cy="461665"/>
+          </a:xfrm>
+          <a:prstGeom prst="rect">
+            <a:avLst/>
+          </a:prstGeom>
+          <a:noFill/>
+        </p:spPr>
+        <p:txBody>
+          <a:bodyPr wrap="none" rtlCol="0">
+            <a:spAutoFit/>
+          </a:bodyPr>
+          <a:lstStyle/>
+          <a:p>
+            <a:pPr algn="ctr"/>
+            <a:r>
+              <a:rPr kumimoji="1" lang="ja-JP" altLang="en-US" sz="1200" b="1" dirty="0" smtClean="0">
+                <a:solidFill>
+                  <a:srgbClr val="FF0000"/>
+                </a:solidFill>
+                <a:latin typeface="Meiryo UI" panose="020B0604030504040204" pitchFamily="50" charset="-128"/>
+                <a:ea typeface="Meiryo UI" panose="020B0604030504040204" pitchFamily="50" charset="-128"/>
+              </a:rPr>
+              <a:t>①テキスト＋センサによる</a:t>
+            </a:r>
+            <a:endParaRPr kumimoji="1" lang="en-US" altLang="ja-JP" sz="1200" b="1" dirty="0" smtClean="0">
+              <a:solidFill>
+                <a:srgbClr val="FF0000"/>
+              </a:solidFill>
+              <a:latin typeface="Meiryo UI" panose="020B0604030504040204" pitchFamily="50" charset="-128"/>
+              <a:ea typeface="Meiryo UI" panose="020B0604030504040204" pitchFamily="50" charset="-128"/>
+            </a:endParaRPr>
+          </a:p>
+          <a:p>
+            <a:pPr algn="ctr"/>
+            <a:r>
+              <a:rPr lang="ja-JP" altLang="en-US" sz="1200" b="1" dirty="0" smtClean="0">
+                <a:solidFill>
+                  <a:srgbClr val="FF0000"/>
+                </a:solidFill>
+                <a:latin typeface="Meiryo UI" panose="020B0604030504040204" pitchFamily="50" charset="-128"/>
+                <a:ea typeface="Meiryo UI" panose="020B0604030504040204" pitchFamily="50" charset="-128"/>
+              </a:rPr>
+              <a:t>マルチモーダルな予測</a:t>
+            </a:r>
+            <a:endParaRPr kumimoji="1" lang="ja-JP" altLang="en-US" sz="1200" b="1" dirty="0">
+              <a:solidFill>
+                <a:srgbClr val="FF0000"/>
+              </a:solidFill>
+              <a:latin typeface="Meiryo UI" panose="020B0604030504040204" pitchFamily="50" charset="-128"/>
+              <a:ea typeface="Meiryo UI" panose="020B0604030504040204" pitchFamily="50" charset="-128"/>
+            </a:endParaRPr>
+          </a:p>
+        </p:txBody>
+      </p:sp>
+      <p:sp>
+        <p:nvSpPr>
+          <p:cNvPr id="29" name="テキスト ボックス 28"/>
+          <p:cNvSpPr txBox="1"/>
+          <p:nvPr/>
+        </p:nvSpPr>
+        <p:spPr>
+          <a:xfrm>
+            <a:off x="3183605" y="3462792"/>
+            <a:ext cx="1483098" cy="461665"/>
+          </a:xfrm>
+          <a:prstGeom prst="rect">
+            <a:avLst/>
+          </a:prstGeom>
+          <a:noFill/>
+        </p:spPr>
+        <p:txBody>
+          <a:bodyPr wrap="none" rtlCol="0">
+            <a:spAutoFit/>
+          </a:bodyPr>
+          <a:lstStyle/>
+          <a:p>
+            <a:pPr algn="ctr"/>
+            <a:r>
+              <a:rPr kumimoji="1" lang="ja-JP" altLang="en-US" sz="1200" b="1" dirty="0" smtClean="0">
+                <a:solidFill>
+                  <a:srgbClr val="FF0000"/>
+                </a:solidFill>
+                <a:latin typeface="Meiryo UI" panose="020B0604030504040204" pitchFamily="50" charset="-128"/>
+                <a:ea typeface="Meiryo UI" panose="020B0604030504040204" pitchFamily="50" charset="-128"/>
+              </a:rPr>
+              <a:t>②介護ドメイン知識</a:t>
+            </a:r>
+            <a:r>
+              <a:rPr lang="en-US" altLang="ja-JP" sz="1200" b="1" dirty="0">
+                <a:solidFill>
+                  <a:srgbClr val="FF0000"/>
+                </a:solidFill>
+                <a:latin typeface="Meiryo UI" panose="020B0604030504040204" pitchFamily="50" charset="-128"/>
+                <a:ea typeface="Meiryo UI" panose="020B0604030504040204" pitchFamily="50" charset="-128"/>
+              </a:rPr>
+              <a:t/>
+            </a:r>
+            <a:br>
+              <a:rPr lang="en-US" altLang="ja-JP" sz="1200" b="1" dirty="0">
+                <a:solidFill>
+                  <a:srgbClr val="FF0000"/>
+                </a:solidFill>
+                <a:latin typeface="Meiryo UI" panose="020B0604030504040204" pitchFamily="50" charset="-128"/>
+                <a:ea typeface="Meiryo UI" panose="020B0604030504040204" pitchFamily="50" charset="-128"/>
+              </a:rPr>
+            </a:br>
+            <a:r>
+              <a:rPr lang="ja-JP" altLang="en-US" sz="1200" b="1" dirty="0">
+                <a:solidFill>
+                  <a:srgbClr val="FF0000"/>
+                </a:solidFill>
+                <a:latin typeface="Meiryo UI" panose="020B0604030504040204" pitchFamily="50" charset="-128"/>
+                <a:ea typeface="Meiryo UI" panose="020B0604030504040204" pitchFamily="50" charset="-128"/>
+              </a:rPr>
+              <a:t>の</a:t>
+            </a:r>
+            <a:r>
+              <a:rPr lang="ja-JP" altLang="en-US" sz="1200" b="1" dirty="0" smtClean="0">
+                <a:solidFill>
+                  <a:srgbClr val="FF0000"/>
+                </a:solidFill>
+                <a:latin typeface="Meiryo UI" panose="020B0604030504040204" pitchFamily="50" charset="-128"/>
+                <a:ea typeface="Meiryo UI" panose="020B0604030504040204" pitchFamily="50" charset="-128"/>
+              </a:rPr>
+              <a:t>学習済モデル構築</a:t>
+            </a:r>
+            <a:endParaRPr kumimoji="1" lang="en-US" altLang="ja-JP" sz="1200" b="1" dirty="0" smtClean="0">
+              <a:solidFill>
+                <a:srgbClr val="FF0000"/>
+              </a:solidFill>
+              <a:latin typeface="Meiryo UI" panose="020B0604030504040204" pitchFamily="50" charset="-128"/>
+              <a:ea typeface="Meiryo UI" panose="020B0604030504040204" pitchFamily="50" charset="-128"/>
+            </a:endParaRPr>
+          </a:p>
+        </p:txBody>
+      </p:sp>
+      <p:sp>
+        <p:nvSpPr>
+          <p:cNvPr id="5" name="U ターン矢印 4"/>
+          <p:cNvSpPr/>
+          <p:nvPr/>
+        </p:nvSpPr>
+        <p:spPr>
+          <a:xfrm>
+            <a:off x="2826252" y="790892"/>
+            <a:ext cx="7016381" cy="559709"/>
+          </a:xfrm>
+          <a:prstGeom prst="uturnArrow">
+            <a:avLst>
+              <a:gd name="adj1" fmla="val 18750"/>
+              <a:gd name="adj2" fmla="val 25000"/>
+              <a:gd name="adj3" fmla="val 25000"/>
+              <a:gd name="adj4" fmla="val 5208"/>
+              <a:gd name="adj5" fmla="val 75000"/>
+            </a:avLst>
+          </a:prstGeom>
+          <a:solidFill>
+            <a:schemeClr val="bg1">
+              <a:lumMod val="75000"/>
+            </a:schemeClr>
+          </a:solidFill>
+          <a:ln>
+            <a:noFill/>
+          </a:ln>
+        </p:spPr>
+        <p:style>
+          <a:lnRef idx="2">
+            <a:schemeClr val="accent1">
+              <a:shade val="50000"/>
+            </a:schemeClr>
+          </a:lnRef>
+          <a:fillRef idx="1">
+            <a:schemeClr val="accent1"/>
+          </a:fillRef>
+          <a:effectRef idx="0">
+            <a:schemeClr val="accent1"/>
+          </a:effectRef>
+          <a:fontRef idx="minor">
+            <a:schemeClr val="lt1"/>
+          </a:fontRef>
+        </p:style>
+        <p:txBody>
+          <a:bodyPr rtlCol="0" anchor="ctr"/>
+          <a:lstStyle/>
+          <a:p>
+            <a:pPr algn="ctr"/>
+            <a:endParaRPr kumimoji="1" lang="ja-JP" altLang="en-US">
+              <a:solidFill>
+                <a:schemeClr val="tx1"/>
+              </a:solidFill>
+            </a:endParaRPr>
+          </a:p>
+        </p:txBody>
+      </p:sp>
+      <p:sp>
+        <p:nvSpPr>
+          <p:cNvPr id="31" name="テキスト ボックス 30"/>
+          <p:cNvSpPr txBox="1"/>
+          <p:nvPr/>
+        </p:nvSpPr>
+        <p:spPr>
+          <a:xfrm>
+            <a:off x="4926266" y="752340"/>
+            <a:ext cx="2651760" cy="461665"/>
+          </a:xfrm>
+          <a:prstGeom prst="rect">
+            <a:avLst/>
+          </a:prstGeom>
+          <a:noFill/>
+        </p:spPr>
+        <p:txBody>
+          <a:bodyPr wrap="square" rtlCol="0">
+            <a:spAutoFit/>
+          </a:bodyPr>
+          <a:lstStyle/>
+          <a:p>
+            <a:pPr algn="ctr"/>
+            <a:r>
+              <a:rPr kumimoji="1" lang="ja-JP" altLang="en-US" sz="1200" b="1" dirty="0" smtClean="0">
+                <a:solidFill>
+                  <a:srgbClr val="FF0000"/>
+                </a:solidFill>
+                <a:latin typeface="Meiryo UI" panose="020B0604030504040204" pitchFamily="50" charset="-128"/>
+                <a:ea typeface="Meiryo UI" panose="020B0604030504040204" pitchFamily="50" charset="-128"/>
+              </a:rPr>
+              <a:t>③マルチモーダル学習＋結果解釈による要因予測</a:t>
+            </a:r>
+            <a:endParaRPr kumimoji="1" lang="en-US" altLang="ja-JP" sz="1200" b="1" dirty="0" smtClean="0">
+              <a:solidFill>
+                <a:srgbClr val="FF0000"/>
+              </a:solidFill>
+              <a:latin typeface="Meiryo UI" panose="020B0604030504040204" pitchFamily="50" charset="-128"/>
+              <a:ea typeface="Meiryo UI" panose="020B0604030504040204" pitchFamily="50" charset="-128"/>
+            </a:endParaRPr>
+          </a:p>
+        </p:txBody>
+      </p:sp>
+      <p:sp>
+        <p:nvSpPr>
+          <p:cNvPr id="32" name="テキスト ボックス 31">
+            <a:extLst>
+              <a:ext uri="{FF2B5EF4-FFF2-40B4-BE49-F238E27FC236}">
+                <a16:creationId xmlns:a16="http://schemas.microsoft.com/office/drawing/2014/main" id="{2B62C853-C7F0-4CCD-9F05-A049EBF5B18C}"/>
+              </a:ext>
+            </a:extLst>
+          </p:cNvPr>
+          <p:cNvSpPr txBox="1">
+            <a:spLocks noChangeArrowheads="1"/>
+          </p:cNvSpPr>
+          <p:nvPr/>
+        </p:nvSpPr>
+        <p:spPr bwMode="auto">
+          <a:xfrm>
+            <a:off x="1236662" y="5242922"/>
+            <a:ext cx="10030968" cy="1660059"/>
+          </a:xfrm>
+          <a:prstGeom prst="rect">
+            <a:avLst/>
+          </a:prstGeom>
+          <a:noFill/>
+          <a:ln w="9525">
+            <a:noFill/>
+            <a:miter lim="800000"/>
+            <a:headEnd/>
+            <a:tailEnd/>
+          </a:ln>
+        </p:spPr>
+        <p:txBody>
+          <a:bodyPr wrap="square" lIns="89527" tIns="44762" rIns="89527" bIns="44762" anchor="ctr">
+            <a:spAutoFit/>
+          </a:bodyPr>
+          <a:lstStyle/>
+          <a:p>
+            <a:pPr marL="342900" indent="-342900" defTabSz="896017">
+              <a:lnSpc>
+                <a:spcPct val="110000"/>
+              </a:lnSpc>
+              <a:spcBef>
+                <a:spcPts val="1000"/>
+              </a:spcBef>
+              <a:buClr>
+                <a:srgbClr val="0F6DD2"/>
+              </a:buClr>
+              <a:buFont typeface="+mj-ea"/>
+              <a:buAutoNum type="circleNumDbPlain"/>
+              <a:tabLst>
+                <a:tab pos="8075967" algn="r"/>
+              </a:tabLst>
+            </a:pPr>
+            <a:r>
+              <a:rPr lang="ja-JP" altLang="en-US" sz="1400" dirty="0" smtClean="0">
+                <a:latin typeface="Meiryo UI" panose="020B0604030504040204" pitchFamily="50" charset="-128"/>
+                <a:ea typeface="Meiryo UI" panose="020B0604030504040204" pitchFamily="50" charset="-128"/>
+                <a:cs typeface="Meiryo UI" pitchFamily="50" charset="-128"/>
+              </a:rPr>
+              <a:t>テキストに加えて客観データであるセンサデータを組み合わせることで、分類予測精度向上を試みる</a:t>
+            </a:r>
+            <a:endParaRPr lang="en-US" altLang="ja-JP" sz="1400" dirty="0" smtClean="0">
+              <a:latin typeface="Meiryo UI" panose="020B0604030504040204" pitchFamily="50" charset="-128"/>
+              <a:ea typeface="Meiryo UI" panose="020B0604030504040204" pitchFamily="50" charset="-128"/>
+              <a:cs typeface="Meiryo UI" pitchFamily="50" charset="-128"/>
+            </a:endParaRPr>
+          </a:p>
+          <a:p>
+            <a:pPr marL="342900" indent="-342900" defTabSz="896017">
+              <a:lnSpc>
+                <a:spcPct val="110000"/>
+              </a:lnSpc>
+              <a:spcBef>
+                <a:spcPts val="1000"/>
+              </a:spcBef>
+              <a:buClr>
+                <a:srgbClr val="0F6DD2"/>
+              </a:buClr>
+              <a:buFont typeface="+mj-ea"/>
+              <a:buAutoNum type="circleNumDbPlain"/>
+              <a:tabLst>
+                <a:tab pos="8075967" algn="r"/>
+              </a:tabLst>
+            </a:pPr>
+            <a:r>
+              <a:rPr lang="ja-JP" altLang="en-US" sz="1400" dirty="0" smtClean="0">
+                <a:latin typeface="Meiryo UI" panose="020B0604030504040204" pitchFamily="50" charset="-128"/>
+                <a:ea typeface="Meiryo UI" panose="020B0604030504040204" pitchFamily="50" charset="-128"/>
+                <a:cs typeface="Meiryo UI" pitchFamily="50" charset="-128"/>
+              </a:rPr>
+              <a:t>介護ドメインの文章を事前学習した言語コーパスを用いたファインチューニングによって、分類予測精度向上を試みる</a:t>
+            </a:r>
+            <a:endParaRPr lang="en-US" altLang="ja-JP" sz="1400" dirty="0" smtClean="0">
+              <a:latin typeface="Meiryo UI" panose="020B0604030504040204" pitchFamily="50" charset="-128"/>
+              <a:ea typeface="Meiryo UI" panose="020B0604030504040204" pitchFamily="50" charset="-128"/>
+              <a:cs typeface="Meiryo UI" pitchFamily="50" charset="-128"/>
+            </a:endParaRPr>
+          </a:p>
+          <a:p>
+            <a:pPr marL="342900" indent="-342900" defTabSz="896017">
+              <a:lnSpc>
+                <a:spcPct val="110000"/>
+              </a:lnSpc>
+              <a:spcBef>
+                <a:spcPts val="1000"/>
+              </a:spcBef>
+              <a:buClr>
+                <a:srgbClr val="0F6DD2"/>
+              </a:buClr>
+              <a:buFont typeface="+mj-ea"/>
+              <a:buAutoNum type="circleNumDbPlain"/>
+              <a:tabLst>
+                <a:tab pos="8075967" algn="r"/>
+              </a:tabLst>
+            </a:pPr>
+            <a:r>
+              <a:rPr lang="ja-JP" altLang="en-US" sz="1400" dirty="0" smtClean="0">
+                <a:latin typeface="Meiryo UI" panose="020B0604030504040204" pitchFamily="50" charset="-128"/>
+                <a:ea typeface="Meiryo UI" panose="020B0604030504040204" pitchFamily="50" charset="-128"/>
+                <a:cs typeface="Meiryo UI" pitchFamily="50" charset="-128"/>
+              </a:rPr>
+              <a:t>マルチモーダル分類モデルの予測結果を何らかの手法で結果解釈することで、予測に寄与した特徴量の抽出ができないか</a:t>
+            </a:r>
+            <a:endParaRPr lang="en-US" altLang="ja-JP" sz="1400" dirty="0" smtClean="0">
+              <a:latin typeface="Meiryo UI" panose="020B0604030504040204" pitchFamily="50" charset="-128"/>
+              <a:ea typeface="Meiryo UI" panose="020B0604030504040204" pitchFamily="50" charset="-128"/>
+              <a:cs typeface="Meiryo UI" pitchFamily="50" charset="-128"/>
+            </a:endParaRPr>
+          </a:p>
+          <a:p>
+            <a:pPr marL="342900" indent="-342900" defTabSz="896017">
+              <a:lnSpc>
+                <a:spcPct val="110000"/>
+              </a:lnSpc>
+              <a:spcBef>
+                <a:spcPts val="1000"/>
+              </a:spcBef>
+              <a:buClr>
+                <a:srgbClr val="0F6DD2"/>
+              </a:buClr>
+              <a:buFont typeface="+mj-ea"/>
+              <a:buAutoNum type="circleNumDbPlain"/>
+              <a:tabLst>
+                <a:tab pos="8075967" algn="r"/>
+              </a:tabLst>
+            </a:pPr>
+            <a:r>
+              <a:rPr lang="en-US" altLang="ja-JP" sz="1400" dirty="0" smtClean="0">
+                <a:latin typeface="Meiryo UI" panose="020B0604030504040204" pitchFamily="50" charset="-128"/>
+                <a:ea typeface="Meiryo UI" panose="020B0604030504040204" pitchFamily="50" charset="-128"/>
+                <a:cs typeface="Meiryo UI" pitchFamily="50" charset="-128"/>
+              </a:rPr>
+              <a:t>BPSD</a:t>
+            </a:r>
+            <a:r>
+              <a:rPr lang="ja-JP" altLang="en-US" sz="1400" dirty="0" smtClean="0">
+                <a:latin typeface="Meiryo UI" panose="020B0604030504040204" pitchFamily="50" charset="-128"/>
+                <a:ea typeface="Meiryo UI" panose="020B0604030504040204" pitchFamily="50" charset="-128"/>
+                <a:cs typeface="Meiryo UI" pitchFamily="50" charset="-128"/>
+              </a:rPr>
+              <a:t>発生頻度は多くないため、訓練データは不均衡データ。異常検知手法などの教師なし学習アプローチも組み合わせた</a:t>
+            </a:r>
+            <a:r>
+              <a:rPr lang="en-US" altLang="ja-JP" sz="1400" dirty="0" smtClean="0">
+                <a:latin typeface="Meiryo UI" panose="020B0604030504040204" pitchFamily="50" charset="-128"/>
+                <a:ea typeface="Meiryo UI" panose="020B0604030504040204" pitchFamily="50" charset="-128"/>
+                <a:cs typeface="Meiryo UI" pitchFamily="50" charset="-128"/>
+              </a:rPr>
+              <a:t>BPSD</a:t>
+            </a:r>
+            <a:r>
+              <a:rPr lang="ja-JP" altLang="en-US" sz="1400" dirty="0" smtClean="0">
+                <a:latin typeface="Meiryo UI" panose="020B0604030504040204" pitchFamily="50" charset="-128"/>
+                <a:ea typeface="Meiryo UI" panose="020B0604030504040204" pitchFamily="50" charset="-128"/>
+                <a:cs typeface="Meiryo UI" pitchFamily="50" charset="-128"/>
+              </a:rPr>
+              <a:t>発生要因予測の精度向上の取り組み</a:t>
+            </a:r>
+            <a:endParaRPr lang="en-US" altLang="ja-JP" sz="1400" dirty="0">
+              <a:latin typeface="Meiryo UI" panose="020B0604030504040204" pitchFamily="50" charset="-128"/>
+              <a:ea typeface="Meiryo UI" panose="020B0604030504040204" pitchFamily="50" charset="-128"/>
+              <a:cs typeface="Meiryo UI" pitchFamily="50" charset="-128"/>
+            </a:endParaRPr>
+          </a:p>
+        </p:txBody>
+      </p:sp>
+      <p:sp>
+        <p:nvSpPr>
+          <p:cNvPr id="33" name="テキスト ボックス 32"/>
+          <p:cNvSpPr txBox="1"/>
+          <p:nvPr/>
+        </p:nvSpPr>
+        <p:spPr>
+          <a:xfrm>
+            <a:off x="7138777" y="3937696"/>
+            <a:ext cx="2651760" cy="461665"/>
+          </a:xfrm>
+          <a:prstGeom prst="rect">
+            <a:avLst/>
+          </a:prstGeom>
+          <a:noFill/>
+        </p:spPr>
+        <p:txBody>
+          <a:bodyPr wrap="square" rtlCol="0">
+            <a:spAutoFit/>
+          </a:bodyPr>
+          <a:lstStyle/>
+          <a:p>
+            <a:pPr algn="ctr"/>
+            <a:r>
+              <a:rPr lang="ja-JP" altLang="en-US" sz="1200" b="1" dirty="0">
+                <a:solidFill>
+                  <a:srgbClr val="FF0000"/>
+                </a:solidFill>
+                <a:latin typeface="Meiryo UI" panose="020B0604030504040204" pitchFamily="50" charset="-128"/>
+                <a:ea typeface="Meiryo UI" panose="020B0604030504040204" pitchFamily="50" charset="-128"/>
+              </a:rPr>
+              <a:t>④</a:t>
+            </a:r>
+            <a:r>
+              <a:rPr kumimoji="1" lang="ja-JP" altLang="en-US" sz="1200" b="1" dirty="0" smtClean="0">
+                <a:solidFill>
+                  <a:srgbClr val="FF0000"/>
+                </a:solidFill>
+                <a:latin typeface="Meiryo UI" panose="020B0604030504040204" pitchFamily="50" charset="-128"/>
+                <a:ea typeface="Meiryo UI" panose="020B0604030504040204" pitchFamily="50" charset="-128"/>
+              </a:rPr>
+              <a:t>異常検知手法と組み合わせた</a:t>
+            </a:r>
+            <a:r>
+              <a:rPr kumimoji="1" lang="en-US" altLang="ja-JP" sz="1200" b="1" dirty="0" smtClean="0">
+                <a:solidFill>
+                  <a:srgbClr val="FF0000"/>
+                </a:solidFill>
+                <a:latin typeface="Meiryo UI" panose="020B0604030504040204" pitchFamily="50" charset="-128"/>
+                <a:ea typeface="Meiryo UI" panose="020B0604030504040204" pitchFamily="50" charset="-128"/>
+              </a:rPr>
+              <a:t/>
+            </a:r>
+            <a:br>
+              <a:rPr kumimoji="1" lang="en-US" altLang="ja-JP" sz="1200" b="1" dirty="0" smtClean="0">
+                <a:solidFill>
+                  <a:srgbClr val="FF0000"/>
+                </a:solidFill>
+                <a:latin typeface="Meiryo UI" panose="020B0604030504040204" pitchFamily="50" charset="-128"/>
+                <a:ea typeface="Meiryo UI" panose="020B0604030504040204" pitchFamily="50" charset="-128"/>
+              </a:rPr>
+            </a:br>
+            <a:r>
+              <a:rPr kumimoji="1" lang="en-US" altLang="ja-JP" sz="1200" b="1" dirty="0" smtClean="0">
+                <a:solidFill>
+                  <a:srgbClr val="FF0000"/>
+                </a:solidFill>
+                <a:latin typeface="Meiryo UI" panose="020B0604030504040204" pitchFamily="50" charset="-128"/>
+                <a:ea typeface="Meiryo UI" panose="020B0604030504040204" pitchFamily="50" charset="-128"/>
+              </a:rPr>
+              <a:t>BPSD</a:t>
+            </a:r>
+            <a:r>
+              <a:rPr kumimoji="1" lang="ja-JP" altLang="en-US" sz="1200" b="1" dirty="0" smtClean="0">
+                <a:solidFill>
+                  <a:srgbClr val="FF0000"/>
+                </a:solidFill>
+                <a:latin typeface="Meiryo UI" panose="020B0604030504040204" pitchFamily="50" charset="-128"/>
+                <a:ea typeface="Meiryo UI" panose="020B0604030504040204" pitchFamily="50" charset="-128"/>
+              </a:rPr>
+              <a:t>発生要因予測</a:t>
+            </a:r>
+            <a:endParaRPr kumimoji="1" lang="en-US" altLang="ja-JP" sz="1200" b="1" dirty="0" smtClean="0">
+              <a:solidFill>
+                <a:srgbClr val="FF0000"/>
+              </a:solidFill>
+              <a:latin typeface="Meiryo UI" panose="020B0604030504040204" pitchFamily="50" charset="-128"/>
+              <a:ea typeface="Meiryo UI" panose="020B0604030504040204" pitchFamily="50" charset="-128"/>
+            </a:endParaRPr>
+          </a:p>
+        </p:txBody>
+      </p:sp>
+      <p:pic>
+        <p:nvPicPr>
+          <p:cNvPr id="34" name="図 33"/>
+          <p:cNvPicPr>
+            <a:picLocks noChangeAspect="1"/>
+          </p:cNvPicPr>
+          <p:nvPr/>
+        </p:nvPicPr>
+        <p:blipFill>
+          <a:blip r:embed="rId4"/>
+          <a:stretch>
+            <a:fillRect/>
+          </a:stretch>
+        </p:blipFill>
+        <p:spPr>
+          <a:xfrm>
+            <a:off x="-45286" y="3246116"/>
+            <a:ext cx="1429898" cy="1844824"/>
+          </a:xfrm>
+          <a:prstGeom prst="rect">
+            <a:avLst/>
+          </a:prstGeom>
+        </p:spPr>
+      </p:pic>
+      <p:sp>
+        <p:nvSpPr>
+          <p:cNvPr id="35" name="テキスト ボックス 34"/>
+          <p:cNvSpPr txBox="1"/>
+          <p:nvPr/>
+        </p:nvSpPr>
+        <p:spPr>
+          <a:xfrm>
+            <a:off x="193476" y="2896172"/>
+            <a:ext cx="1353256" cy="305725"/>
+          </a:xfrm>
+          <a:prstGeom prst="rect">
+            <a:avLst/>
+          </a:prstGeom>
+          <a:noFill/>
+        </p:spPr>
+        <p:txBody>
+          <a:bodyPr wrap="none" rtlCol="0">
+            <a:spAutoFit/>
+          </a:bodyPr>
+          <a:lstStyle/>
           <a:p>
             <a:pPr algn="l">
               <a:lnSpc>
                 <a:spcPct val="110000"/>
               </a:lnSpc>
+              <a:spcBef>
+                <a:spcPts val="450"/>
+              </a:spcBef>
             </a:pPr>
             <a:r>
-              <a:rPr lang="ja-JP" altLang="en-US" sz="1200">
-                <a:latin typeface="Meiryo UI" pitchFamily="50" charset="-128"/>
-                <a:ea typeface="Meiryo UI" pitchFamily="50" charset="-128"/>
-                <a:cs typeface="Meiryo UI" pitchFamily="50" charset="-128"/>
-              </a:rPr>
-              <a:t>データベース構築</a:t>
-            </a:r>
-            <a:endParaRPr lang="en-US" altLang="ja-JP" sz="1200">
-              <a:latin typeface="Meiryo UI" pitchFamily="50" charset="-128"/>
-              <a:ea typeface="Meiryo UI" pitchFamily="50" charset="-128"/>
-              <a:cs typeface="Meiryo UI" pitchFamily="50" charset="-128"/>
-            </a:endParaRPr>
-          </a:p>
-          <a:p>
-            <a:pPr algn="l">
-              <a:lnSpc>
-                <a:spcPct val="110000"/>
-              </a:lnSpc>
-            </a:pPr>
-            <a:r>
-              <a:rPr kumimoji="1" lang="ja-JP" altLang="en-US" sz="1200" b="1">
-                <a:latin typeface="Meiryo UI" pitchFamily="50" charset="-128"/>
-                <a:ea typeface="Meiryo UI" pitchFamily="50" charset="-128"/>
-                <a:cs typeface="Meiryo UI" pitchFamily="50" charset="-128"/>
-              </a:rPr>
-              <a:t>（ルールベース）</a:t>
+              <a:rPr kumimoji="1" lang="ja-JP" altLang="en-US" sz="1400" b="1" dirty="0">
+                <a:latin typeface="Meiryo UI" panose="020B0604030504040204" pitchFamily="50" charset="-128"/>
+                <a:ea typeface="Meiryo UI" panose="020B0604030504040204" pitchFamily="50" charset="-128"/>
+                <a:cs typeface="Meiryo UI" panose="020B0604030504040204" pitchFamily="50" charset="-128"/>
+              </a:rPr>
+              <a:t>介護記録データ</a:t>
             </a:r>
           </a:p>
         </p:txBody>
@@ -10262,7 +10122,7 @@
     </p:spTree>
     <p:extLst>
       <p:ext uri="{BB962C8B-B14F-4D97-AF65-F5344CB8AC3E}">
-        <p14:creationId xmlns:p14="http://schemas.microsoft.com/office/powerpoint/2010/main" val="926509986"/>
+        <p14:creationId xmlns:p14="http://schemas.microsoft.com/office/powerpoint/2010/main" val="1659838551"/>
       </p:ext>
     </p:extLst>
   </p:cSld>
@@ -10314,22 +10174,379 @@
       </p:sp>
       <p:sp>
         <p:nvSpPr>
-          <p:cNvPr id="7" name="テキスト プレースホルダー 6"/>
-          <p:cNvSpPr>
-            <a:spLocks noGrp="1"/>
-          </p:cNvSpPr>
-          <p:nvPr>
-            <p:ph type="body" sz="quarter" idx="11"/>
-          </p:nvPr>
-        </p:nvSpPr>
-        <p:spPr/>
-        <p:txBody>
-          <a:bodyPr>
-            <a:normAutofit fontScale="92500" lnSpcReduction="10000"/>
+          <p:cNvPr id="2" name="正方形/長方形 1"/>
+          <p:cNvSpPr/>
+          <p:nvPr/>
+        </p:nvSpPr>
+        <p:spPr>
+          <a:xfrm>
+            <a:off x="595537" y="1069023"/>
+            <a:ext cx="11027335" cy="3339376"/>
+          </a:xfrm>
+          <a:prstGeom prst="rect">
+            <a:avLst/>
+          </a:prstGeom>
+        </p:spPr>
+        <p:txBody>
+          <a:bodyPr wrap="square">
+            <a:spAutoFit/>
           </a:bodyPr>
           <a:lstStyle/>
           <a:p>
-            <a:endParaRPr kumimoji="1" lang="ja-JP" altLang="en-US"/>
+            <a:pPr>
+              <a:spcBef>
+                <a:spcPts val="600"/>
+              </a:spcBef>
+            </a:pPr>
+            <a:r>
+              <a:rPr lang="ja-JP" altLang="en-US" sz="1600" dirty="0" smtClean="0">
+                <a:latin typeface="Meiryo UI" panose="020B0604030504040204" pitchFamily="50" charset="-128"/>
+                <a:ea typeface="Meiryo UI" panose="020B0604030504040204" pitchFamily="50" charset="-128"/>
+              </a:rPr>
+              <a:t>●センサーデータに介護記録文書を加味した深層学習による認知症周辺症状予測</a:t>
+            </a:r>
+            <a:endParaRPr lang="en-US" altLang="ja-JP" sz="1600" dirty="0" smtClean="0">
+              <a:latin typeface="Meiryo UI" panose="020B0604030504040204" pitchFamily="50" charset="-128"/>
+              <a:ea typeface="Meiryo UI" panose="020B0604030504040204" pitchFamily="50" charset="-128"/>
+              <a:hlinkClick r:id="rId2"/>
+            </a:endParaRPr>
+          </a:p>
+          <a:p>
+            <a:pPr>
+              <a:spcBef>
+                <a:spcPts val="600"/>
+              </a:spcBef>
+            </a:pPr>
+            <a:r>
+              <a:rPr lang="en-US" altLang="ja-JP" sz="1600" dirty="0" smtClean="0">
+                <a:latin typeface="Meiryo UI" panose="020B0604030504040204" pitchFamily="50" charset="-128"/>
+                <a:ea typeface="Meiryo UI" panose="020B0604030504040204" pitchFamily="50" charset="-128"/>
+                <a:hlinkClick r:id="rId2"/>
+              </a:rPr>
+              <a:t>96d945075c4370b5aba680599bcbb850.pdf (uec.ac.jp)</a:t>
+            </a:r>
+            <a:r>
+              <a:rPr lang="en-US" altLang="ja-JP" sz="1600" dirty="0" smtClean="0">
+                <a:latin typeface="Meiryo UI" panose="020B0604030504040204" pitchFamily="50" charset="-128"/>
+                <a:ea typeface="Meiryo UI" panose="020B0604030504040204" pitchFamily="50" charset="-128"/>
+              </a:rPr>
+              <a:t/>
+            </a:r>
+            <a:br>
+              <a:rPr lang="en-US" altLang="ja-JP" sz="1600" dirty="0" smtClean="0">
+                <a:latin typeface="Meiryo UI" panose="020B0604030504040204" pitchFamily="50" charset="-128"/>
+                <a:ea typeface="Meiryo UI" panose="020B0604030504040204" pitchFamily="50" charset="-128"/>
+              </a:rPr>
+            </a:br>
+            <a:r>
+              <a:rPr lang="ja-JP" altLang="en-US" sz="1600" dirty="0" smtClean="0">
+                <a:latin typeface="Meiryo UI" panose="020B0604030504040204" pitchFamily="50" charset="-128"/>
+                <a:ea typeface="Meiryo UI" panose="020B0604030504040204" pitchFamily="50" charset="-128"/>
+              </a:rPr>
+              <a:t>→センサーデータによる短期的な情報と，介護記録文書によるコンテキスト情報の２つの情報を考慮しながら，</a:t>
+            </a:r>
+            <a:r>
+              <a:rPr lang="en-US" altLang="ja-JP" sz="1600" dirty="0" smtClean="0">
+                <a:latin typeface="Meiryo UI" panose="020B0604030504040204" pitchFamily="50" charset="-128"/>
+                <a:ea typeface="Meiryo UI" panose="020B0604030504040204" pitchFamily="50" charset="-128"/>
+              </a:rPr>
+              <a:t>BPSD </a:t>
+            </a:r>
+            <a:r>
+              <a:rPr lang="ja-JP" altLang="en-US" sz="1600" dirty="0" smtClean="0">
+                <a:latin typeface="Meiryo UI" panose="020B0604030504040204" pitchFamily="50" charset="-128"/>
+                <a:ea typeface="Meiryo UI" panose="020B0604030504040204" pitchFamily="50" charset="-128"/>
+              </a:rPr>
+              <a:t>を自動予測するための</a:t>
+            </a:r>
+            <a:r>
+              <a:rPr lang="en-US" altLang="ja-JP" sz="1600" dirty="0" smtClean="0">
+                <a:latin typeface="Meiryo UI" panose="020B0604030504040204" pitchFamily="50" charset="-128"/>
+                <a:ea typeface="Meiryo UI" panose="020B0604030504040204" pitchFamily="50" charset="-128"/>
+              </a:rPr>
+              <a:t>Dual-Encoder</a:t>
+            </a:r>
+            <a:r>
+              <a:rPr lang="ja-JP" altLang="en-US" sz="1600" dirty="0" smtClean="0">
+                <a:latin typeface="Meiryo UI" panose="020B0604030504040204" pitchFamily="50" charset="-128"/>
+                <a:ea typeface="Meiryo UI" panose="020B0604030504040204" pitchFamily="50" charset="-128"/>
+              </a:rPr>
+              <a:t>モデルを提案</a:t>
+            </a:r>
+            <a:endParaRPr lang="en-US" altLang="ja-JP" sz="1600" dirty="0" smtClean="0">
+              <a:latin typeface="Meiryo UI" panose="020B0604030504040204" pitchFamily="50" charset="-128"/>
+              <a:ea typeface="Meiryo UI" panose="020B0604030504040204" pitchFamily="50" charset="-128"/>
+            </a:endParaRPr>
+          </a:p>
+          <a:p>
+            <a:pPr>
+              <a:spcBef>
+                <a:spcPts val="600"/>
+              </a:spcBef>
+            </a:pPr>
+            <a:endParaRPr lang="en-US" altLang="ja-JP" sz="1600" dirty="0" smtClean="0">
+              <a:latin typeface="Meiryo UI" panose="020B0604030504040204" pitchFamily="50" charset="-128"/>
+              <a:ea typeface="Meiryo UI" panose="020B0604030504040204" pitchFamily="50" charset="-128"/>
+            </a:endParaRPr>
+          </a:p>
+          <a:p>
+            <a:pPr>
+              <a:spcBef>
+                <a:spcPts val="600"/>
+              </a:spcBef>
+            </a:pPr>
+            <a:r>
+              <a:rPr lang="en-US" altLang="ja-JP" sz="1600" dirty="0" smtClean="0">
+                <a:latin typeface="Meiryo UI" panose="020B0604030504040204" pitchFamily="50" charset="-128"/>
+                <a:ea typeface="Meiryo UI" panose="020B0604030504040204" pitchFamily="50" charset="-128"/>
+              </a:rPr>
+              <a:t>【</a:t>
+            </a:r>
+            <a:r>
+              <a:rPr lang="ja-JP" altLang="en-US" sz="1600" dirty="0" smtClean="0">
+                <a:latin typeface="Meiryo UI" panose="020B0604030504040204" pitchFamily="50" charset="-128"/>
+                <a:ea typeface="Meiryo UI" panose="020B0604030504040204" pitchFamily="50" charset="-128"/>
+              </a:rPr>
+              <a:t>先行研究を受けてのアプローチ</a:t>
+            </a:r>
+            <a:r>
+              <a:rPr lang="en-US" altLang="ja-JP" sz="1600" dirty="0" smtClean="0">
+                <a:latin typeface="Meiryo UI" panose="020B0604030504040204" pitchFamily="50" charset="-128"/>
+                <a:ea typeface="Meiryo UI" panose="020B0604030504040204" pitchFamily="50" charset="-128"/>
+              </a:rPr>
+              <a:t>】</a:t>
+            </a:r>
+            <a:endParaRPr lang="en-US" altLang="ja-JP" sz="1600" dirty="0">
+              <a:latin typeface="Meiryo UI" panose="020B0604030504040204" pitchFamily="50" charset="-128"/>
+              <a:ea typeface="Meiryo UI" panose="020B0604030504040204" pitchFamily="50" charset="-128"/>
+            </a:endParaRPr>
+          </a:p>
+          <a:p>
+            <a:pPr marL="285750" indent="-285750">
+              <a:spcBef>
+                <a:spcPts val="600"/>
+              </a:spcBef>
+              <a:buFont typeface="Arial" panose="020B0604020202020204" pitchFamily="34" charset="0"/>
+              <a:buChar char="•"/>
+            </a:pPr>
+            <a:r>
+              <a:rPr lang="en-US" altLang="ja-JP" sz="1600" dirty="0" smtClean="0">
+                <a:latin typeface="Meiryo UI" panose="020B0604030504040204" pitchFamily="50" charset="-128"/>
+                <a:ea typeface="Meiryo UI" panose="020B0604030504040204" pitchFamily="50" charset="-128"/>
+              </a:rPr>
+              <a:t>BPSD</a:t>
+            </a:r>
+            <a:r>
+              <a:rPr lang="ja-JP" altLang="en-US" sz="1600" dirty="0" smtClean="0">
+                <a:latin typeface="Meiryo UI" panose="020B0604030504040204" pitchFamily="50" charset="-128"/>
+                <a:ea typeface="Meiryo UI" panose="020B0604030504040204" pitchFamily="50" charset="-128"/>
+              </a:rPr>
+              <a:t>種類（妄想</a:t>
+            </a:r>
+            <a:r>
+              <a:rPr lang="en-US" altLang="ja-JP" sz="1600" dirty="0" smtClean="0">
+                <a:latin typeface="Meiryo UI" panose="020B0604030504040204" pitchFamily="50" charset="-128"/>
+                <a:ea typeface="Meiryo UI" panose="020B0604030504040204" pitchFamily="50" charset="-128"/>
+              </a:rPr>
+              <a:t>, </a:t>
+            </a:r>
+            <a:r>
+              <a:rPr lang="ja-JP" altLang="en-US" sz="1600" dirty="0" smtClean="0">
+                <a:latin typeface="Meiryo UI" panose="020B0604030504040204" pitchFamily="50" charset="-128"/>
+                <a:ea typeface="Meiryo UI" panose="020B0604030504040204" pitchFamily="50" charset="-128"/>
+              </a:rPr>
+              <a:t>暴言</a:t>
+            </a:r>
+            <a:r>
+              <a:rPr lang="en-US" altLang="ja-JP" sz="1600" dirty="0" smtClean="0">
+                <a:latin typeface="Meiryo UI" panose="020B0604030504040204" pitchFamily="50" charset="-128"/>
+                <a:ea typeface="Meiryo UI" panose="020B0604030504040204" pitchFamily="50" charset="-128"/>
+              </a:rPr>
+              <a:t>,</a:t>
+            </a:r>
+            <a:r>
+              <a:rPr lang="ja-JP" altLang="en-US" sz="1600" dirty="0">
+                <a:latin typeface="Meiryo UI" panose="020B0604030504040204" pitchFamily="50" charset="-128"/>
+                <a:ea typeface="Meiryo UI" panose="020B0604030504040204" pitchFamily="50" charset="-128"/>
+              </a:rPr>
+              <a:t> </a:t>
+            </a:r>
+            <a:r>
+              <a:rPr lang="ja-JP" altLang="en-US" sz="1600" dirty="0" smtClean="0">
+                <a:latin typeface="Meiryo UI" panose="020B0604030504040204" pitchFamily="50" charset="-128"/>
+                <a:ea typeface="Meiryo UI" panose="020B0604030504040204" pitchFamily="50" charset="-128"/>
+              </a:rPr>
+              <a:t>徘徊</a:t>
+            </a:r>
+            <a:r>
+              <a:rPr lang="en-US" altLang="ja-JP" sz="1600" dirty="0" smtClean="0">
+                <a:latin typeface="Meiryo UI" panose="020B0604030504040204" pitchFamily="50" charset="-128"/>
+                <a:ea typeface="Meiryo UI" panose="020B0604030504040204" pitchFamily="50" charset="-128"/>
+              </a:rPr>
+              <a:t>,</a:t>
+            </a:r>
+            <a:r>
+              <a:rPr lang="ja-JP" altLang="en-US" sz="1600" dirty="0" smtClean="0">
+                <a:latin typeface="Meiryo UI" panose="020B0604030504040204" pitchFamily="50" charset="-128"/>
+                <a:ea typeface="Meiryo UI" panose="020B0604030504040204" pitchFamily="50" charset="-128"/>
+              </a:rPr>
+              <a:t> など）もラベル付けを行っているため、分類に応じた予測が可能</a:t>
+            </a:r>
+            <a:endParaRPr lang="en-US" altLang="ja-JP" sz="1600" dirty="0" smtClean="0">
+              <a:latin typeface="Meiryo UI" panose="020B0604030504040204" pitchFamily="50" charset="-128"/>
+              <a:ea typeface="Meiryo UI" panose="020B0604030504040204" pitchFamily="50" charset="-128"/>
+            </a:endParaRPr>
+          </a:p>
+          <a:p>
+            <a:pPr marL="285750" indent="-285750">
+              <a:spcBef>
+                <a:spcPts val="600"/>
+              </a:spcBef>
+              <a:buFont typeface="Arial" panose="020B0604020202020204" pitchFamily="34" charset="0"/>
+              <a:buChar char="•"/>
+            </a:pPr>
+            <a:r>
+              <a:rPr lang="en-US" altLang="ja-JP" sz="1600" dirty="0" smtClean="0">
+                <a:latin typeface="Meiryo UI" panose="020B0604030504040204" pitchFamily="50" charset="-128"/>
+                <a:ea typeface="Meiryo UI" panose="020B0604030504040204" pitchFamily="50" charset="-128"/>
+              </a:rPr>
+              <a:t>BPSD</a:t>
+            </a:r>
+            <a:r>
+              <a:rPr lang="ja-JP" altLang="en-US" sz="1600" dirty="0" smtClean="0">
+                <a:latin typeface="Meiryo UI" panose="020B0604030504040204" pitchFamily="50" charset="-128"/>
+                <a:ea typeface="Meiryo UI" panose="020B0604030504040204" pitchFamily="50" charset="-128"/>
+              </a:rPr>
+              <a:t>の予測は</a:t>
+            </a:r>
+            <a:r>
+              <a:rPr lang="en-US" altLang="ja-JP" sz="1600" dirty="0" smtClean="0">
+                <a:latin typeface="Meiryo UI" panose="020B0604030504040204" pitchFamily="50" charset="-128"/>
+                <a:ea typeface="Meiryo UI" panose="020B0604030504040204" pitchFamily="50" charset="-128"/>
+              </a:rPr>
+              <a:t>10</a:t>
+            </a:r>
+            <a:r>
+              <a:rPr lang="ja-JP" altLang="en-US" sz="1600" dirty="0" smtClean="0">
+                <a:latin typeface="Meiryo UI" panose="020B0604030504040204" pitchFamily="50" charset="-128"/>
+                <a:ea typeface="Meiryo UI" panose="020B0604030504040204" pitchFamily="50" charset="-128"/>
+              </a:rPr>
+              <a:t>分以内に生じるか否かを予測しており短期的な予測。実際は習慣の変化</a:t>
+            </a:r>
+            <a:r>
+              <a:rPr lang="en-US" altLang="ja-JP" sz="1600" dirty="0" smtClean="0">
+                <a:latin typeface="Meiryo UI" panose="020B0604030504040204" pitchFamily="50" charset="-128"/>
+                <a:ea typeface="Meiryo UI" panose="020B0604030504040204" pitchFamily="50" charset="-128"/>
+              </a:rPr>
+              <a:t>(</a:t>
+            </a:r>
+            <a:r>
+              <a:rPr lang="ja-JP" altLang="en-US" sz="1600" dirty="0" smtClean="0">
+                <a:latin typeface="Meiryo UI" panose="020B0604030504040204" pitchFamily="50" charset="-128"/>
+                <a:ea typeface="Meiryo UI" panose="020B0604030504040204" pitchFamily="50" charset="-128"/>
+              </a:rPr>
+              <a:t>睡眠</a:t>
+            </a:r>
+            <a:r>
+              <a:rPr lang="en-US" altLang="ja-JP" sz="1600" dirty="0" smtClean="0">
+                <a:latin typeface="Meiryo UI" panose="020B0604030504040204" pitchFamily="50" charset="-128"/>
+                <a:ea typeface="Meiryo UI" panose="020B0604030504040204" pitchFamily="50" charset="-128"/>
+              </a:rPr>
+              <a:t>, </a:t>
+            </a:r>
+            <a:r>
+              <a:rPr lang="ja-JP" altLang="en-US" sz="1600" dirty="0" smtClean="0">
+                <a:latin typeface="Meiryo UI" panose="020B0604030504040204" pitchFamily="50" charset="-128"/>
+                <a:ea typeface="Meiryo UI" panose="020B0604030504040204" pitchFamily="50" charset="-128"/>
+              </a:rPr>
+              <a:t>排泄タイミングなど</a:t>
+            </a:r>
+            <a:r>
+              <a:rPr lang="en-US" altLang="ja-JP" sz="1600" dirty="0" smtClean="0">
+                <a:latin typeface="Meiryo UI" panose="020B0604030504040204" pitchFamily="50" charset="-128"/>
+                <a:ea typeface="Meiryo UI" panose="020B0604030504040204" pitchFamily="50" charset="-128"/>
+              </a:rPr>
+              <a:t>)</a:t>
+            </a:r>
+            <a:r>
+              <a:rPr lang="ja-JP" altLang="en-US" sz="1600" dirty="0" err="1" smtClean="0">
+                <a:latin typeface="Meiryo UI" panose="020B0604030504040204" pitchFamily="50" charset="-128"/>
+                <a:ea typeface="Meiryo UI" panose="020B0604030504040204" pitchFamily="50" charset="-128"/>
+              </a:rPr>
+              <a:t>にも</a:t>
+            </a:r>
+            <a:r>
+              <a:rPr lang="ja-JP" altLang="en-US" sz="1600" dirty="0" smtClean="0">
+                <a:latin typeface="Meiryo UI" panose="020B0604030504040204" pitchFamily="50" charset="-128"/>
+                <a:ea typeface="Meiryo UI" panose="020B0604030504040204" pitchFamily="50" charset="-128"/>
+              </a:rPr>
+              <a:t>影響されると考えられるためより長期スパン</a:t>
+            </a:r>
+            <a:r>
+              <a:rPr lang="en-US" altLang="ja-JP" sz="1600" dirty="0" smtClean="0">
+                <a:latin typeface="Meiryo UI" panose="020B0604030504040204" pitchFamily="50" charset="-128"/>
+                <a:ea typeface="Meiryo UI" panose="020B0604030504040204" pitchFamily="50" charset="-128"/>
+              </a:rPr>
+              <a:t>(</a:t>
+            </a:r>
+            <a:r>
+              <a:rPr lang="ja-JP" altLang="en-US" sz="1600" dirty="0" smtClean="0">
+                <a:latin typeface="Meiryo UI" panose="020B0604030504040204" pitchFamily="50" charset="-128"/>
+                <a:ea typeface="Meiryo UI" panose="020B0604030504040204" pitchFamily="50" charset="-128"/>
+              </a:rPr>
+              <a:t>数日以内の発生有無</a:t>
+            </a:r>
+            <a:r>
+              <a:rPr lang="en-US" altLang="ja-JP" sz="1600" dirty="0" smtClean="0">
+                <a:latin typeface="Meiryo UI" panose="020B0604030504040204" pitchFamily="50" charset="-128"/>
+                <a:ea typeface="Meiryo UI" panose="020B0604030504040204" pitchFamily="50" charset="-128"/>
+              </a:rPr>
+              <a:t>)</a:t>
+            </a:r>
+            <a:r>
+              <a:rPr lang="ja-JP" altLang="en-US" sz="1600" dirty="0" smtClean="0">
+                <a:latin typeface="Meiryo UI" panose="020B0604030504040204" pitchFamily="50" charset="-128"/>
+                <a:ea typeface="Meiryo UI" panose="020B0604030504040204" pitchFamily="50" charset="-128"/>
+              </a:rPr>
+              <a:t>の予測もやる価値あり</a:t>
+            </a:r>
+            <a:endParaRPr lang="en-US" altLang="ja-JP" sz="1600" dirty="0" smtClean="0">
+              <a:latin typeface="Meiryo UI" panose="020B0604030504040204" pitchFamily="50" charset="-128"/>
+              <a:ea typeface="Meiryo UI" panose="020B0604030504040204" pitchFamily="50" charset="-128"/>
+            </a:endParaRPr>
+          </a:p>
+          <a:p>
+            <a:pPr marL="742950" lvl="1" indent="-285750">
+              <a:spcBef>
+                <a:spcPts val="600"/>
+              </a:spcBef>
+              <a:buFont typeface="Arial" panose="020B0604020202020204" pitchFamily="34" charset="0"/>
+              <a:buChar char="•"/>
+            </a:pPr>
+            <a:r>
+              <a:rPr lang="ja-JP" altLang="en-US" sz="1600" dirty="0" smtClean="0">
+                <a:latin typeface="Meiryo UI" panose="020B0604030504040204" pitchFamily="50" charset="-128"/>
+                <a:ea typeface="Meiryo UI" panose="020B0604030504040204" pitchFamily="50" charset="-128"/>
+              </a:rPr>
+              <a:t>予測結果から適切な処置を加えるまでのリードタイムを考慮すると前日～数日前から予兆を把握したいのが実情</a:t>
+            </a:r>
+            <a:endParaRPr lang="en-US" altLang="ja-JP" sz="1600" dirty="0" smtClean="0">
+              <a:latin typeface="Meiryo UI" panose="020B0604030504040204" pitchFamily="50" charset="-128"/>
+              <a:ea typeface="Meiryo UI" panose="020B0604030504040204" pitchFamily="50" charset="-128"/>
+            </a:endParaRPr>
+          </a:p>
+          <a:p>
+            <a:pPr marL="285750" indent="-285750">
+              <a:spcBef>
+                <a:spcPts val="600"/>
+              </a:spcBef>
+              <a:buFont typeface="Arial" panose="020B0604020202020204" pitchFamily="34" charset="0"/>
+              <a:buChar char="•"/>
+            </a:pPr>
+            <a:endParaRPr lang="ja-JP" altLang="en-US" sz="1600" dirty="0">
+              <a:latin typeface="Meiryo UI" panose="020B0604030504040204" pitchFamily="50" charset="-128"/>
+              <a:ea typeface="Meiryo UI" panose="020B0604030504040204" pitchFamily="50" charset="-128"/>
+            </a:endParaRPr>
           </a:p>
         </p:txBody>
       </p:sp>
@@ -10611,4 +10828,265 @@
     </a:ext>
   </a:extLst>
 </a:theme>
+</file>
+
+<file path=ppt/theme/theme2.xml><?xml version="1.0" encoding="utf-8"?>
+<a:theme xmlns:a="http://schemas.openxmlformats.org/drawingml/2006/main" name="Office テーマ">
+  <a:themeElements>
+    <a:clrScheme name="Office">
+      <a:dk1>
+        <a:sysClr val="windowText" lastClr="000000"/>
+      </a:dk1>
+      <a:lt1>
+        <a:sysClr val="window" lastClr="FFFFFF"/>
+      </a:lt1>
+      <a:dk2>
+        <a:srgbClr val="44546A"/>
+      </a:dk2>
+      <a:lt2>
+        <a:srgbClr val="E7E6E6"/>
+      </a:lt2>
+      <a:accent1>
+        <a:srgbClr val="5B9BD5"/>
+      </a:accent1>
+      <a:accent2>
+        <a:srgbClr val="ED7D31"/>
+      </a:accent2>
+      <a:accent3>
+        <a:srgbClr val="A5A5A5"/>
+      </a:accent3>
+      <a:accent4>
+        <a:srgbClr val="FFC000"/>
+      </a:accent4>
+      <a:accent5>
+        <a:srgbClr val="4472C4"/>
+      </a:accent5>
+      <a:accent6>
+        <a:srgbClr val="70AD47"/>
+      </a:accent6>
+      <a:hlink>
+        <a:srgbClr val="0563C1"/>
+      </a:hlink>
+      <a:folHlink>
+        <a:srgbClr val="954F72"/>
+      </a:folHlink>
+    </a:clrScheme>
+    <a:fontScheme name="Office">
+      <a:majorFont>
+        <a:latin typeface="游ゴシック Light" panose="020F0302020204030204"/>
+        <a:ea typeface=""/>
+        <a:cs typeface=""/>
+        <a:font script="Jpan" typeface="游ゴシック Light"/>
+        <a:font script="Hang" typeface="맑은 고딕"/>
+        <a:font script="Hans" typeface="等线 Light"/>
+        <a:font script="Hant" typeface="新細明體"/>
+        <a:font script="Arab" typeface="Times New Roman"/>
+        <a:font script="Hebr" typeface="Times New Roman"/>
+        <a:font script="Thai" typeface="Angsana New"/>
+        <a:font script="Ethi" typeface="Nyala"/>
+        <a:font script="Beng" typeface="Vrinda"/>
+        <a:font script="Gujr" typeface="Shruti"/>
+        <a:font script="Khmr" typeface="MoolBoran"/>
+        <a:font script="Knda" typeface="Tunga"/>
+        <a:font script="Guru" typeface="Raavi"/>
+        <a:font script="Cans" typeface="Euphemia"/>
+        <a:font script="Cher" typeface="Plantagenet Cherokee"/>
+        <a:font script="Yiii" typeface="Microsoft Yi Baiti"/>
+        <a:font script="Tibt" typeface="Microsoft Himalaya"/>
+        <a:font script="Thaa" typeface="MV Boli"/>
+        <a:font script="Deva" typeface="Mangal"/>
+        <a:font script="Telu" typeface="Gautami"/>
+        <a:font script="Taml" typeface="Latha"/>
+        <a:font script="Syrc" typeface="Estrangelo Edessa"/>
+        <a:font script="Orya" typeface="Kalinga"/>
+        <a:font script="Mlym" typeface="Kartika"/>
+        <a:font script="Laoo" typeface="DokChampa"/>
+        <a:font script="Sinh" typeface="Iskoola Pota"/>
+        <a:font script="Mong" typeface="Mongolian Baiti"/>
+        <a:font script="Viet" typeface="Times New Roman"/>
+        <a:font script="Uigh" typeface="Microsoft Uighur"/>
+        <a:font script="Geor" typeface="Sylfaen"/>
+      </a:majorFont>
+      <a:minorFont>
+        <a:latin typeface="游ゴシック" panose="020F0502020204030204"/>
+        <a:ea typeface=""/>
+        <a:cs typeface=""/>
+        <a:font script="Jpan" typeface="游ゴシック"/>
+        <a:font script="Hang" typeface="맑은 고딕"/>
+        <a:font script="Hans" typeface="等线"/>
+        <a:font script="Hant" typeface="新細明體"/>
+        <a:font script="Arab" typeface="Arial"/>
+        <a:font script="Hebr" typeface="Arial"/>
+        <a:font script="Thai" typeface="Cordia New"/>
+        <a:font script="Ethi" typeface="Nyala"/>
+        <a:font script="Beng" typeface="Vrinda"/>
+        <a:font script="Gujr" typeface="Shruti"/>
+        <a:font script="Khmr" typeface="DaunPenh"/>
+        <a:font script="Knda" typeface="Tunga"/>
+        <a:font script="Guru" typeface="Raavi"/>
+        <a:font script="Cans" typeface="Euphemia"/>
+        <a:font script="Cher" typeface="Plantagenet Cherokee"/>
+        <a:font script="Yiii" typeface="Microsoft Yi Baiti"/>
+        <a:font script="Tibt" typeface="Microsoft Himalaya"/>
+        <a:font script="Thaa" typeface="MV Boli"/>
+        <a:font script="Deva" typeface="Mangal"/>
+        <a:font script="Telu" typeface="Gautami"/>
+        <a:font script="Taml" typeface="Latha"/>
+        <a:font script="Syrc" typeface="Estrangelo Edessa"/>
+        <a:font script="Orya" typeface="Kalinga"/>
+        <a:font script="Mlym" typeface="Kartika"/>
+        <a:font script="Laoo" typeface="DokChampa"/>
+        <a:font script="Sinh" typeface="Iskoola Pota"/>
+        <a:font script="Mong" typeface="Mongolian Baiti"/>
+        <a:font script="Viet" typeface="Arial"/>
+        <a:font script="Uigh" typeface="Microsoft Uighur"/>
+        <a:font script="Geor" typeface="Sylfaen"/>
+      </a:minorFont>
+    </a:fontScheme>
+    <a:fmtScheme name="Office">
+      <a:fillStyleLst>
+        <a:solidFill>
+          <a:schemeClr val="phClr"/>
+        </a:solidFill>
+        <a:gradFill rotWithShape="1">
+          <a:gsLst>
+            <a:gs pos="0">
+              <a:schemeClr val="phClr">
+                <a:lumMod val="110000"/>
+                <a:satMod val="105000"/>
+                <a:tint val="67000"/>
+              </a:schemeClr>
+            </a:gs>
+            <a:gs pos="50000">
+              <a:schemeClr val="phClr">
+                <a:lumMod val="105000"/>
+                <a:satMod val="103000"/>
+                <a:tint val="73000"/>
+              </a:schemeClr>
+            </a:gs>
+            <a:gs pos="100000">
+              <a:schemeClr val="phClr">
+                <a:lumMod val="105000"/>
+                <a:satMod val="109000"/>
+                <a:tint val="81000"/>
+              </a:schemeClr>
+            </a:gs>
+          </a:gsLst>
+          <a:lin ang="5400000" scaled="0"/>
+        </a:gradFill>
+        <a:gradFill rotWithShape="1">
+          <a:gsLst>
+            <a:gs pos="0">
+              <a:schemeClr val="phClr">
+                <a:satMod val="103000"/>
+                <a:lumMod val="102000"/>
+                <a:tint val="94000"/>
+              </a:schemeClr>
+            </a:gs>
+            <a:gs pos="50000">
+              <a:schemeClr val="phClr">
+                <a:satMod val="110000"/>
+                <a:lumMod val="100000"/>
+                <a:shade val="100000"/>
+              </a:schemeClr>
+            </a:gs>
+            <a:gs pos="100000">
+              <a:schemeClr val="phClr">
+                <a:lumMod val="99000"/>
+                <a:satMod val="120000"/>
+                <a:shade val="78000"/>
+              </a:schemeClr>
+            </a:gs>
+          </a:gsLst>
+          <a:lin ang="5400000" scaled="0"/>
+        </a:gradFill>
+      </a:fillStyleLst>
+      <a:lnStyleLst>
+        <a:ln w="6350" cap="flat" cmpd="sng" algn="ctr">
+          <a:solidFill>
+            <a:schemeClr val="phClr"/>
+          </a:solidFill>
+          <a:prstDash val="solid"/>
+          <a:miter lim="800000"/>
+        </a:ln>
+        <a:ln w="12700" cap="flat" cmpd="sng" algn="ctr">
+          <a:solidFill>
+            <a:schemeClr val="phClr"/>
+          </a:solidFill>
+          <a:prstDash val="solid"/>
+          <a:miter lim="800000"/>
+        </a:ln>
+        <a:ln w="19050" cap="flat" cmpd="sng" algn="ctr">
+          <a:solidFill>
+            <a:schemeClr val="phClr"/>
+          </a:solidFill>
+          <a:prstDash val="solid"/>
+          <a:miter lim="800000"/>
+        </a:ln>
+      </a:lnStyleLst>
+      <a:effectStyleLst>
+        <a:effectStyle>
+          <a:effectLst/>
+        </a:effectStyle>
+        <a:effectStyle>
+          <a:effectLst/>
+        </a:effectStyle>
+        <a:effectStyle>
+          <a:effectLst>
+            <a:outerShdw blurRad="57150" dist="19050" dir="5400000" algn="ctr" rotWithShape="0">
+              <a:srgbClr val="000000">
+                <a:alpha val="63000"/>
+              </a:srgbClr>
+            </a:outerShdw>
+          </a:effectLst>
+        </a:effectStyle>
+      </a:effectStyleLst>
+      <a:bgFillStyleLst>
+        <a:solidFill>
+          <a:schemeClr val="phClr"/>
+        </a:solidFill>
+        <a:solidFill>
+          <a:schemeClr val="phClr">
+            <a:tint val="95000"/>
+            <a:satMod val="170000"/>
+          </a:schemeClr>
+        </a:solidFill>
+        <a:gradFill rotWithShape="1">
+          <a:gsLst>
+            <a:gs pos="0">
+              <a:schemeClr val="phClr">
+                <a:tint val="93000"/>
+                <a:satMod val="150000"/>
+                <a:shade val="98000"/>
+                <a:lumMod val="102000"/>
+              </a:schemeClr>
+            </a:gs>
+            <a:gs pos="50000">
+              <a:schemeClr val="phClr">
+                <a:tint val="98000"/>
+                <a:satMod val="130000"/>
+                <a:shade val="90000"/>
+                <a:lumMod val="103000"/>
+              </a:schemeClr>
+            </a:gs>
+            <a:gs pos="100000">
+              <a:schemeClr val="phClr">
+                <a:shade val="63000"/>
+                <a:satMod val="120000"/>
+              </a:schemeClr>
+            </a:gs>
+          </a:gsLst>
+          <a:lin ang="5400000" scaled="0"/>
+        </a:gradFill>
+      </a:bgFillStyleLst>
+    </a:fmtScheme>
+  </a:themeElements>
+  <a:objectDefaults/>
+  <a:extraClrSchemeLst/>
+  <a:extLst>
+    <a:ext uri="{05A4C25C-085E-4340-85A3-A5531E510DB2}">
+      <thm15:themeFamily xmlns:thm15="http://schemas.microsoft.com/office/thememl/2012/main" name="Office Theme" id="{62F939B6-93AF-4DB8-9C6B-D6C7DFDC589F}" vid="{4A3C46E8-61CC-4603-A589-7422A47A8E4A}"/>
+    </a:ext>
+  </a:extLst>
+</a:theme>
 </file>